--- a/presentation/Autonomous traffic system presentation.pptx
+++ b/presentation/Autonomous traffic system presentation.pptx
@@ -18,6 +18,7 @@
     <p:sldId id="267" r:id="rId12"/>
     <p:sldId id="260" r:id="rId13"/>
     <p:sldId id="271" r:id="rId14"/>
+    <p:sldId id="275" r:id="rId15"/>
   </p:sldIdLst>
   <p:sldSz cx="12192000" cy="6858000"/>
   <p:notesSz cx="6858000" cy="9144000"/>
@@ -357,7 +358,7 @@
           <a:p>
             <a:fld id="{199EAED2-1BD4-417E-B7F0-36D437147FD8}" type="datetimeFigureOut">
               <a:rPr lang="LID4096" smtClean="0"/>
-              <a:t>06/16/2022</a:t>
+              <a:t>06/18/2022</a:t>
             </a:fld>
             <a:endParaRPr lang="LID4096"/>
           </a:p>
@@ -557,7 +558,7 @@
           <a:p>
             <a:fld id="{199EAED2-1BD4-417E-B7F0-36D437147FD8}" type="datetimeFigureOut">
               <a:rPr lang="LID4096" smtClean="0"/>
-              <a:t>06/16/2022</a:t>
+              <a:t>06/18/2022</a:t>
             </a:fld>
             <a:endParaRPr lang="LID4096"/>
           </a:p>
@@ -767,7 +768,7 @@
           <a:p>
             <a:fld id="{199EAED2-1BD4-417E-B7F0-36D437147FD8}" type="datetimeFigureOut">
               <a:rPr lang="LID4096" smtClean="0"/>
-              <a:t>06/16/2022</a:t>
+              <a:t>06/18/2022</a:t>
             </a:fld>
             <a:endParaRPr lang="LID4096"/>
           </a:p>
@@ -967,7 +968,7 @@
           <a:p>
             <a:fld id="{199EAED2-1BD4-417E-B7F0-36D437147FD8}" type="datetimeFigureOut">
               <a:rPr lang="LID4096" smtClean="0"/>
-              <a:t>06/16/2022</a:t>
+              <a:t>06/18/2022</a:t>
             </a:fld>
             <a:endParaRPr lang="LID4096"/>
           </a:p>
@@ -1243,7 +1244,7 @@
           <a:p>
             <a:fld id="{199EAED2-1BD4-417E-B7F0-36D437147FD8}" type="datetimeFigureOut">
               <a:rPr lang="LID4096" smtClean="0"/>
-              <a:t>06/16/2022</a:t>
+              <a:t>06/18/2022</a:t>
             </a:fld>
             <a:endParaRPr lang="LID4096"/>
           </a:p>
@@ -1511,7 +1512,7 @@
           <a:p>
             <a:fld id="{199EAED2-1BD4-417E-B7F0-36D437147FD8}" type="datetimeFigureOut">
               <a:rPr lang="LID4096" smtClean="0"/>
-              <a:t>06/16/2022</a:t>
+              <a:t>06/18/2022</a:t>
             </a:fld>
             <a:endParaRPr lang="LID4096"/>
           </a:p>
@@ -1926,7 +1927,7 @@
           <a:p>
             <a:fld id="{199EAED2-1BD4-417E-B7F0-36D437147FD8}" type="datetimeFigureOut">
               <a:rPr lang="LID4096" smtClean="0"/>
-              <a:t>06/16/2022</a:t>
+              <a:t>06/18/2022</a:t>
             </a:fld>
             <a:endParaRPr lang="LID4096"/>
           </a:p>
@@ -2068,7 +2069,7 @@
           <a:p>
             <a:fld id="{199EAED2-1BD4-417E-B7F0-36D437147FD8}" type="datetimeFigureOut">
               <a:rPr lang="LID4096" smtClean="0"/>
-              <a:t>06/16/2022</a:t>
+              <a:t>06/18/2022</a:t>
             </a:fld>
             <a:endParaRPr lang="LID4096"/>
           </a:p>
@@ -2181,7 +2182,7 @@
           <a:p>
             <a:fld id="{199EAED2-1BD4-417E-B7F0-36D437147FD8}" type="datetimeFigureOut">
               <a:rPr lang="LID4096" smtClean="0"/>
-              <a:t>06/16/2022</a:t>
+              <a:t>06/18/2022</a:t>
             </a:fld>
             <a:endParaRPr lang="LID4096"/>
           </a:p>
@@ -2494,7 +2495,7 @@
           <a:p>
             <a:fld id="{199EAED2-1BD4-417E-B7F0-36D437147FD8}" type="datetimeFigureOut">
               <a:rPr lang="LID4096" smtClean="0"/>
-              <a:t>06/16/2022</a:t>
+              <a:t>06/18/2022</a:t>
             </a:fld>
             <a:endParaRPr lang="LID4096"/>
           </a:p>
@@ -2783,7 +2784,7 @@
           <a:p>
             <a:fld id="{199EAED2-1BD4-417E-B7F0-36D437147FD8}" type="datetimeFigureOut">
               <a:rPr lang="LID4096" smtClean="0"/>
-              <a:t>06/16/2022</a:t>
+              <a:t>06/18/2022</a:t>
             </a:fld>
             <a:endParaRPr lang="LID4096"/>
           </a:p>
@@ -3026,7 +3027,7 @@
           <a:p>
             <a:fld id="{199EAED2-1BD4-417E-B7F0-36D437147FD8}" type="datetimeFigureOut">
               <a:rPr lang="LID4096" smtClean="0"/>
-              <a:t>06/16/2022</a:t>
+              <a:t>06/18/2022</a:t>
             </a:fld>
             <a:endParaRPr lang="LID4096"/>
           </a:p>
@@ -6871,6 +6872,67 @@
 </p:sld>
 </file>
 
+<file path=ppt/slides/slide14.xml><?xml version="1.0" encoding="utf-8"?>
+<p:sld xmlns:a="http://schemas.openxmlformats.org/drawingml/2006/main" xmlns:r="http://schemas.openxmlformats.org/officeDocument/2006/relationships" xmlns:p="http://schemas.openxmlformats.org/presentationml/2006/main">
+  <p:cSld>
+    <p:spTree>
+      <p:nvGrpSpPr>
+        <p:cNvPr id="1" name=""/>
+        <p:cNvGrpSpPr/>
+        <p:nvPr/>
+      </p:nvGrpSpPr>
+      <p:grpSpPr>
+        <a:xfrm>
+          <a:off x="0" y="0"/>
+          <a:ext cx="0" cy="0"/>
+          <a:chOff x="0" y="0"/>
+          <a:chExt cx="0" cy="0"/>
+        </a:xfrm>
+      </p:grpSpPr>
+      <p:sp>
+        <p:nvSpPr>
+          <p:cNvPr id="2" name="Title 1">
+            <a:extLst>
+              <a:ext uri="{FF2B5EF4-FFF2-40B4-BE49-F238E27FC236}">
+                <a16:creationId xmlns:a16="http://schemas.microsoft.com/office/drawing/2014/main" id="{87B95353-BABF-5137-E20F-2B0CCE76BD55}"/>
+              </a:ext>
+            </a:extLst>
+          </p:cNvPr>
+          <p:cNvSpPr>
+            <a:spLocks noGrp="1"/>
+          </p:cNvSpPr>
+          <p:nvPr>
+            <p:ph type="ctrTitle"/>
+          </p:nvPr>
+        </p:nvSpPr>
+        <p:spPr/>
+        <p:txBody>
+          <a:bodyPr/>
+          <a:lstStyle/>
+          <a:p>
+            <a:r>
+              <a:rPr lang="en-US" sz="6000" b="1" dirty="0">
+                <a:latin typeface="Arial Rounded MT Bold" panose="020F0704030504030204" pitchFamily="34" charset="0"/>
+              </a:rPr>
+              <a:t>Thank you</a:t>
+            </a:r>
+            <a:endParaRPr lang="en-GB" dirty="0"/>
+          </a:p>
+        </p:txBody>
+      </p:sp>
+    </p:spTree>
+    <p:extLst>
+      <p:ext uri="{BB962C8B-B14F-4D97-AF65-F5344CB8AC3E}">
+        <p14:creationId xmlns:p14="http://schemas.microsoft.com/office/powerpoint/2010/main" val="88172456"/>
+      </p:ext>
+    </p:extLst>
+  </p:cSld>
+  <p:clrMapOvr>
+    <a:masterClrMapping/>
+  </p:clrMapOvr>
+</p:sld>
+</file>
+
 <file path=ppt/slides/slide2.xml><?xml version="1.0" encoding="utf-8"?>
 <p:sld xmlns:a="http://schemas.openxmlformats.org/drawingml/2006/main" xmlns:r="http://schemas.openxmlformats.org/officeDocument/2006/relationships" xmlns:p="http://schemas.openxmlformats.org/presentationml/2006/main">
   <p:cSld>

--- a/presentation/Autonomous traffic system presentation.pptx
+++ b/presentation/Autonomous traffic system presentation.pptx
@@ -19,6 +19,7 @@
     <p:sldId id="260" r:id="rId13"/>
     <p:sldId id="271" r:id="rId14"/>
     <p:sldId id="275" r:id="rId15"/>
+    <p:sldId id="276" r:id="rId16"/>
   </p:sldIdLst>
   <p:sldSz cx="12192000" cy="6858000"/>
   <p:notesSz cx="6858000" cy="9144000"/>
@@ -6933,6 +6934,110 @@
 </p:sld>
 </file>
 
+<file path=ppt/slides/slide15.xml><?xml version="1.0" encoding="utf-8"?>
+<p:sld xmlns:a="http://schemas.openxmlformats.org/drawingml/2006/main" xmlns:r="http://schemas.openxmlformats.org/officeDocument/2006/relationships" xmlns:p="http://schemas.openxmlformats.org/presentationml/2006/main">
+  <p:cSld>
+    <p:spTree>
+      <p:nvGrpSpPr>
+        <p:cNvPr id="1" name=""/>
+        <p:cNvGrpSpPr/>
+        <p:nvPr/>
+      </p:nvGrpSpPr>
+      <p:grpSpPr>
+        <a:xfrm>
+          <a:off x="0" y="0"/>
+          <a:ext cx="0" cy="0"/>
+          <a:chOff x="0" y="0"/>
+          <a:chExt cx="0" cy="0"/>
+        </a:xfrm>
+      </p:grpSpPr>
+      <p:sp>
+        <p:nvSpPr>
+          <p:cNvPr id="2" name="Title 1">
+            <a:extLst>
+              <a:ext uri="{FF2B5EF4-FFF2-40B4-BE49-F238E27FC236}">
+                <a16:creationId xmlns:a16="http://schemas.microsoft.com/office/drawing/2014/main" id="{962F325C-F64D-AC56-394F-76F69C89161E}"/>
+              </a:ext>
+            </a:extLst>
+          </p:cNvPr>
+          <p:cNvSpPr>
+            <a:spLocks noGrp="1"/>
+          </p:cNvSpPr>
+          <p:nvPr>
+            <p:ph type="title"/>
+          </p:nvPr>
+        </p:nvSpPr>
+        <p:spPr/>
+        <p:txBody>
+          <a:bodyPr/>
+          <a:lstStyle/>
+          <a:p>
+            <a:r>
+              <a:rPr lang="en-US" dirty="0">
+                <a:latin typeface="Arial Rounded MT Bold" panose="020F0704030504030204" pitchFamily="34" charset="0"/>
+              </a:rPr>
+              <a:t>Reference</a:t>
+            </a:r>
+            <a:endParaRPr lang="LID4096" dirty="0">
+              <a:latin typeface="Arial Rounded MT Bold" panose="020F0704030504030204" pitchFamily="34" charset="0"/>
+            </a:endParaRPr>
+          </a:p>
+        </p:txBody>
+      </p:sp>
+      <p:sp>
+        <p:nvSpPr>
+          <p:cNvPr id="3" name="Content Placeholder 2">
+            <a:extLst>
+              <a:ext uri="{FF2B5EF4-FFF2-40B4-BE49-F238E27FC236}">
+                <a16:creationId xmlns:a16="http://schemas.microsoft.com/office/drawing/2014/main" id="{979EA780-6771-FBE3-71B7-4B279F64559A}"/>
+              </a:ext>
+            </a:extLst>
+          </p:cNvPr>
+          <p:cNvSpPr>
+            <a:spLocks noGrp="1"/>
+          </p:cNvSpPr>
+          <p:nvPr>
+            <p:ph idx="1"/>
+          </p:nvPr>
+        </p:nvSpPr>
+        <p:spPr>
+          <a:xfrm>
+            <a:off x="838199" y="1825625"/>
+            <a:ext cx="10810461" cy="4351338"/>
+          </a:xfrm>
+        </p:spPr>
+        <p:txBody>
+          <a:bodyPr/>
+          <a:lstStyle/>
+          <a:p>
+            <a:r>
+              <a:rPr lang="en-US" dirty="0"/>
+              <a:t>All model for simulation can be access here: </a:t>
+            </a:r>
+            <a:r>
+              <a:rPr lang="en-US" b="0" i="0" dirty="0">
+                <a:effectLst/>
+                <a:latin typeface="Arial" panose="020B0604020202020204" pitchFamily="34" charset="0"/>
+              </a:rPr>
+              <a:t>https://github.com/Adib6637/AutonomusTraficSystemHoffenheim</a:t>
+            </a:r>
+            <a:endParaRPr lang="en-US" dirty="0"/>
+          </a:p>
+        </p:txBody>
+      </p:sp>
+    </p:spTree>
+    <p:extLst>
+      <p:ext uri="{BB962C8B-B14F-4D97-AF65-F5344CB8AC3E}">
+        <p14:creationId xmlns:p14="http://schemas.microsoft.com/office/powerpoint/2010/main" val="1222542453"/>
+      </p:ext>
+    </p:extLst>
+  </p:cSld>
+  <p:clrMapOvr>
+    <a:masterClrMapping/>
+  </p:clrMapOvr>
+</p:sld>
+</file>
+
 <file path=ppt/slides/slide2.xml><?xml version="1.0" encoding="utf-8"?>
 <p:sld xmlns:a="http://schemas.openxmlformats.org/drawingml/2006/main" xmlns:r="http://schemas.openxmlformats.org/officeDocument/2006/relationships" xmlns:p="http://schemas.openxmlformats.org/presentationml/2006/main">
   <p:cSld>

--- a/presentation/Autonomous traffic system presentation.pptx
+++ b/presentation/Autonomous traffic system presentation.pptx
@@ -18,8 +18,10 @@
     <p:sldId id="267" r:id="rId12"/>
     <p:sldId id="260" r:id="rId13"/>
     <p:sldId id="271" r:id="rId14"/>
-    <p:sldId id="275" r:id="rId15"/>
-    <p:sldId id="276" r:id="rId16"/>
+    <p:sldId id="277" r:id="rId15"/>
+    <p:sldId id="279" r:id="rId16"/>
+    <p:sldId id="275" r:id="rId17"/>
+    <p:sldId id="276" r:id="rId18"/>
   </p:sldIdLst>
   <p:sldSz cx="12192000" cy="6858000"/>
   <p:notesSz cx="6858000" cy="9144000"/>
@@ -359,7 +361,7 @@
           <a:p>
             <a:fld id="{199EAED2-1BD4-417E-B7F0-36D437147FD8}" type="datetimeFigureOut">
               <a:rPr lang="LID4096" smtClean="0"/>
-              <a:t>06/18/2022</a:t>
+              <a:t>06/21/2022</a:t>
             </a:fld>
             <a:endParaRPr lang="LID4096"/>
           </a:p>
@@ -559,7 +561,7 @@
           <a:p>
             <a:fld id="{199EAED2-1BD4-417E-B7F0-36D437147FD8}" type="datetimeFigureOut">
               <a:rPr lang="LID4096" smtClean="0"/>
-              <a:t>06/18/2022</a:t>
+              <a:t>06/21/2022</a:t>
             </a:fld>
             <a:endParaRPr lang="LID4096"/>
           </a:p>
@@ -769,7 +771,7 @@
           <a:p>
             <a:fld id="{199EAED2-1BD4-417E-B7F0-36D437147FD8}" type="datetimeFigureOut">
               <a:rPr lang="LID4096" smtClean="0"/>
-              <a:t>06/18/2022</a:t>
+              <a:t>06/21/2022</a:t>
             </a:fld>
             <a:endParaRPr lang="LID4096"/>
           </a:p>
@@ -969,7 +971,7 @@
           <a:p>
             <a:fld id="{199EAED2-1BD4-417E-B7F0-36D437147FD8}" type="datetimeFigureOut">
               <a:rPr lang="LID4096" smtClean="0"/>
-              <a:t>06/18/2022</a:t>
+              <a:t>06/21/2022</a:t>
             </a:fld>
             <a:endParaRPr lang="LID4096"/>
           </a:p>
@@ -1245,7 +1247,7 @@
           <a:p>
             <a:fld id="{199EAED2-1BD4-417E-B7F0-36D437147FD8}" type="datetimeFigureOut">
               <a:rPr lang="LID4096" smtClean="0"/>
-              <a:t>06/18/2022</a:t>
+              <a:t>06/21/2022</a:t>
             </a:fld>
             <a:endParaRPr lang="LID4096"/>
           </a:p>
@@ -1513,7 +1515,7 @@
           <a:p>
             <a:fld id="{199EAED2-1BD4-417E-B7F0-36D437147FD8}" type="datetimeFigureOut">
               <a:rPr lang="LID4096" smtClean="0"/>
-              <a:t>06/18/2022</a:t>
+              <a:t>06/21/2022</a:t>
             </a:fld>
             <a:endParaRPr lang="LID4096"/>
           </a:p>
@@ -1928,7 +1930,7 @@
           <a:p>
             <a:fld id="{199EAED2-1BD4-417E-B7F0-36D437147FD8}" type="datetimeFigureOut">
               <a:rPr lang="LID4096" smtClean="0"/>
-              <a:t>06/18/2022</a:t>
+              <a:t>06/21/2022</a:t>
             </a:fld>
             <a:endParaRPr lang="LID4096"/>
           </a:p>
@@ -2070,7 +2072,7 @@
           <a:p>
             <a:fld id="{199EAED2-1BD4-417E-B7F0-36D437147FD8}" type="datetimeFigureOut">
               <a:rPr lang="LID4096" smtClean="0"/>
-              <a:t>06/18/2022</a:t>
+              <a:t>06/21/2022</a:t>
             </a:fld>
             <a:endParaRPr lang="LID4096"/>
           </a:p>
@@ -2183,7 +2185,7 @@
           <a:p>
             <a:fld id="{199EAED2-1BD4-417E-B7F0-36D437147FD8}" type="datetimeFigureOut">
               <a:rPr lang="LID4096" smtClean="0"/>
-              <a:t>06/18/2022</a:t>
+              <a:t>06/21/2022</a:t>
             </a:fld>
             <a:endParaRPr lang="LID4096"/>
           </a:p>
@@ -2496,7 +2498,7 @@
           <a:p>
             <a:fld id="{199EAED2-1BD4-417E-B7F0-36D437147FD8}" type="datetimeFigureOut">
               <a:rPr lang="LID4096" smtClean="0"/>
-              <a:t>06/18/2022</a:t>
+              <a:t>06/21/2022</a:t>
             </a:fld>
             <a:endParaRPr lang="LID4096"/>
           </a:p>
@@ -2785,7 +2787,7 @@
           <a:p>
             <a:fld id="{199EAED2-1BD4-417E-B7F0-36D437147FD8}" type="datetimeFigureOut">
               <a:rPr lang="LID4096" smtClean="0"/>
-              <a:t>06/18/2022</a:t>
+              <a:t>06/21/2022</a:t>
             </a:fld>
             <a:endParaRPr lang="LID4096"/>
           </a:p>
@@ -3028,7 +3030,7 @@
           <a:p>
             <a:fld id="{199EAED2-1BD4-417E-B7F0-36D437147FD8}" type="datetimeFigureOut">
               <a:rPr lang="LID4096" smtClean="0"/>
-              <a:t>06/18/2022</a:t>
+              <a:t>06/21/2022</a:t>
             </a:fld>
             <a:endParaRPr lang="LID4096"/>
           </a:p>
@@ -4156,6 +4158,66 @@
           </a:prstGeom>
         </p:spPr>
       </p:pic>
+      <p:sp>
+        <p:nvSpPr>
+          <p:cNvPr id="8" name="Rectangle 7">
+            <a:extLst>
+              <a:ext uri="{FF2B5EF4-FFF2-40B4-BE49-F238E27FC236}">
+                <a16:creationId xmlns:a16="http://schemas.microsoft.com/office/drawing/2014/main" id="{8D2ACD7A-57D3-95B9-830B-36B9F6AA4B40}"/>
+              </a:ext>
+            </a:extLst>
+          </p:cNvPr>
+          <p:cNvSpPr/>
+          <p:nvPr/>
+        </p:nvSpPr>
+        <p:spPr>
+          <a:xfrm rot="5400000">
+            <a:off x="8467548" y="3133550"/>
+            <a:ext cx="6858002" cy="590901"/>
+          </a:xfrm>
+          <a:prstGeom prst="rect">
+            <a:avLst/>
+          </a:prstGeom>
+          <a:solidFill>
+            <a:schemeClr val="accent2"/>
+          </a:solidFill>
+          <a:ln>
+            <a:noFill/>
+          </a:ln>
+        </p:spPr>
+        <p:style>
+          <a:lnRef idx="2">
+            <a:schemeClr val="accent1">
+              <a:shade val="50000"/>
+            </a:schemeClr>
+          </a:lnRef>
+          <a:fillRef idx="1">
+            <a:schemeClr val="accent1"/>
+          </a:fillRef>
+          <a:effectRef idx="0">
+            <a:schemeClr val="accent1"/>
+          </a:effectRef>
+          <a:fontRef idx="minor">
+            <a:schemeClr val="lt1"/>
+          </a:fontRef>
+        </p:style>
+        <p:txBody>
+          <a:bodyPr rtlCol="0" anchor="ctr"/>
+          <a:lstStyle/>
+          <a:p>
+            <a:pPr algn="ctr"/>
+            <a:r>
+              <a:rPr lang="en-GB" dirty="0">
+                <a:latin typeface="Arial Rounded MT Bold" panose="020F0704030504030204" pitchFamily="34" charset="0"/>
+              </a:rPr>
+              <a:t>Approach : Behavioural model</a:t>
+            </a:r>
+            <a:endParaRPr lang="LID4096" dirty="0">
+              <a:latin typeface="Arial Rounded MT Bold" panose="020F0704030504030204" pitchFamily="34" charset="0"/>
+            </a:endParaRPr>
+          </a:p>
+        </p:txBody>
+      </p:sp>
     </p:spTree>
     <p:extLst>
       <p:ext uri="{BB962C8B-B14F-4D97-AF65-F5344CB8AC3E}">
@@ -4224,6 +4286,66 @@
           </a:p>
         </p:txBody>
       </p:sp>
+      <p:sp>
+        <p:nvSpPr>
+          <p:cNvPr id="3" name="Rectangle 2">
+            <a:extLst>
+              <a:ext uri="{FF2B5EF4-FFF2-40B4-BE49-F238E27FC236}">
+                <a16:creationId xmlns:a16="http://schemas.microsoft.com/office/drawing/2014/main" id="{28845471-93FB-5105-641E-EE6259EDA47C}"/>
+              </a:ext>
+            </a:extLst>
+          </p:cNvPr>
+          <p:cNvSpPr/>
+          <p:nvPr/>
+        </p:nvSpPr>
+        <p:spPr>
+          <a:xfrm rot="5400000">
+            <a:off x="8467548" y="3133550"/>
+            <a:ext cx="6858002" cy="590901"/>
+          </a:xfrm>
+          <a:prstGeom prst="rect">
+            <a:avLst/>
+          </a:prstGeom>
+          <a:solidFill>
+            <a:schemeClr val="accent2"/>
+          </a:solidFill>
+          <a:ln>
+            <a:noFill/>
+          </a:ln>
+        </p:spPr>
+        <p:style>
+          <a:lnRef idx="2">
+            <a:schemeClr val="accent1">
+              <a:shade val="50000"/>
+            </a:schemeClr>
+          </a:lnRef>
+          <a:fillRef idx="1">
+            <a:schemeClr val="accent1"/>
+          </a:fillRef>
+          <a:effectRef idx="0">
+            <a:schemeClr val="accent1"/>
+          </a:effectRef>
+          <a:fontRef idx="minor">
+            <a:schemeClr val="lt1"/>
+          </a:fontRef>
+        </p:style>
+        <p:txBody>
+          <a:bodyPr rtlCol="0" anchor="ctr"/>
+          <a:lstStyle/>
+          <a:p>
+            <a:pPr algn="ctr"/>
+            <a:r>
+              <a:rPr lang="en-GB" dirty="0">
+                <a:latin typeface="Arial Rounded MT Bold" panose="020F0704030504030204" pitchFamily="34" charset="0"/>
+              </a:rPr>
+              <a:t>Implementation</a:t>
+            </a:r>
+            <a:endParaRPr lang="LID4096" dirty="0">
+              <a:latin typeface="Arial Rounded MT Bold" panose="020F0704030504030204" pitchFamily="34" charset="0"/>
+            </a:endParaRPr>
+          </a:p>
+        </p:txBody>
+      </p:sp>
     </p:spTree>
     <p:extLst>
       <p:ext uri="{BB962C8B-B14F-4D97-AF65-F5344CB8AC3E}">
@@ -5344,7 +5466,7 @@
         </p:nvSpPr>
         <p:spPr>
           <a:xfrm>
-            <a:off x="10297019" y="456999"/>
+            <a:off x="9839896" y="406510"/>
             <a:ext cx="1423702" cy="461147"/>
           </a:xfrm>
           <a:prstGeom prst="roundRect">
@@ -5412,7 +5534,7 @@
         </p:nvSpPr>
         <p:spPr>
           <a:xfrm>
-            <a:off x="10310622" y="1075255"/>
+            <a:off x="9853499" y="1024766"/>
             <a:ext cx="1500301" cy="461147"/>
           </a:xfrm>
           <a:prstGeom prst="roundRect">
@@ -5461,6 +5583,66 @@
               <a:solidFill>
                 <a:schemeClr val="accent2"/>
               </a:solidFill>
+              <a:latin typeface="Arial Rounded MT Bold" panose="020F0704030504030204" pitchFamily="34" charset="0"/>
+            </a:endParaRPr>
+          </a:p>
+        </p:txBody>
+      </p:sp>
+      <p:sp>
+        <p:nvSpPr>
+          <p:cNvPr id="25" name="Rectangle 24">
+            <a:extLst>
+              <a:ext uri="{FF2B5EF4-FFF2-40B4-BE49-F238E27FC236}">
+                <a16:creationId xmlns:a16="http://schemas.microsoft.com/office/drawing/2014/main" id="{8BA86566-9E62-3AED-2238-880A54D1075D}"/>
+              </a:ext>
+            </a:extLst>
+          </p:cNvPr>
+          <p:cNvSpPr/>
+          <p:nvPr/>
+        </p:nvSpPr>
+        <p:spPr>
+          <a:xfrm rot="5400000">
+            <a:off x="8467548" y="3133550"/>
+            <a:ext cx="6858002" cy="590901"/>
+          </a:xfrm>
+          <a:prstGeom prst="rect">
+            <a:avLst/>
+          </a:prstGeom>
+          <a:solidFill>
+            <a:schemeClr val="accent2"/>
+          </a:solidFill>
+          <a:ln>
+            <a:noFill/>
+          </a:ln>
+        </p:spPr>
+        <p:style>
+          <a:lnRef idx="2">
+            <a:schemeClr val="accent1">
+              <a:shade val="50000"/>
+            </a:schemeClr>
+          </a:lnRef>
+          <a:fillRef idx="1">
+            <a:schemeClr val="accent1"/>
+          </a:fillRef>
+          <a:effectRef idx="0">
+            <a:schemeClr val="accent1"/>
+          </a:effectRef>
+          <a:fontRef idx="minor">
+            <a:schemeClr val="lt1"/>
+          </a:fontRef>
+        </p:style>
+        <p:txBody>
+          <a:bodyPr rtlCol="0" anchor="ctr"/>
+          <a:lstStyle/>
+          <a:p>
+            <a:pPr algn="ctr"/>
+            <a:r>
+              <a:rPr lang="en-GB" dirty="0">
+                <a:latin typeface="Arial Rounded MT Bold" panose="020F0704030504030204" pitchFamily="34" charset="0"/>
+              </a:rPr>
+              <a:t>Implementation</a:t>
+            </a:r>
+            <a:endParaRPr lang="LID4096" dirty="0">
               <a:latin typeface="Arial Rounded MT Bold" panose="020F0704030504030204" pitchFamily="34" charset="0"/>
             </a:endParaRPr>
           </a:p>
@@ -6559,7 +6741,7 @@
         </p:nvSpPr>
         <p:spPr>
           <a:xfrm>
-            <a:off x="10297019" y="456999"/>
+            <a:off x="9585168" y="365125"/>
             <a:ext cx="1423702" cy="461147"/>
           </a:xfrm>
           <a:prstGeom prst="roundRect">
@@ -6627,7 +6809,7 @@
         </p:nvSpPr>
         <p:spPr>
           <a:xfrm>
-            <a:off x="10310622" y="1075255"/>
+            <a:off x="9598771" y="983381"/>
             <a:ext cx="1500301" cy="461147"/>
           </a:xfrm>
           <a:prstGeom prst="roundRect">
@@ -6856,6 +7038,66 @@
               <a:solidFill>
                 <a:schemeClr val="bg1"/>
               </a:solidFill>
+            </a:endParaRPr>
+          </a:p>
+        </p:txBody>
+      </p:sp>
+      <p:sp>
+        <p:nvSpPr>
+          <p:cNvPr id="28" name="Rectangle 27">
+            <a:extLst>
+              <a:ext uri="{FF2B5EF4-FFF2-40B4-BE49-F238E27FC236}">
+                <a16:creationId xmlns:a16="http://schemas.microsoft.com/office/drawing/2014/main" id="{C8ECAD8C-4D90-8C73-AF94-C7A88E33CBD0}"/>
+              </a:ext>
+            </a:extLst>
+          </p:cNvPr>
+          <p:cNvSpPr/>
+          <p:nvPr/>
+        </p:nvSpPr>
+        <p:spPr>
+          <a:xfrm rot="5400000">
+            <a:off x="8467548" y="3133550"/>
+            <a:ext cx="6858002" cy="590901"/>
+          </a:xfrm>
+          <a:prstGeom prst="rect">
+            <a:avLst/>
+          </a:prstGeom>
+          <a:solidFill>
+            <a:schemeClr val="accent2"/>
+          </a:solidFill>
+          <a:ln>
+            <a:noFill/>
+          </a:ln>
+        </p:spPr>
+        <p:style>
+          <a:lnRef idx="2">
+            <a:schemeClr val="accent1">
+              <a:shade val="50000"/>
+            </a:schemeClr>
+          </a:lnRef>
+          <a:fillRef idx="1">
+            <a:schemeClr val="accent1"/>
+          </a:fillRef>
+          <a:effectRef idx="0">
+            <a:schemeClr val="accent1"/>
+          </a:effectRef>
+          <a:fontRef idx="minor">
+            <a:schemeClr val="lt1"/>
+          </a:fontRef>
+        </p:style>
+        <p:txBody>
+          <a:bodyPr rtlCol="0" anchor="ctr"/>
+          <a:lstStyle/>
+          <a:p>
+            <a:pPr algn="ctr"/>
+            <a:r>
+              <a:rPr lang="en-GB" dirty="0">
+                <a:latin typeface="Arial Rounded MT Bold" panose="020F0704030504030204" pitchFamily="34" charset="0"/>
+              </a:rPr>
+              <a:t>Implementation</a:t>
+            </a:r>
+            <a:endParaRPr lang="LID4096" dirty="0">
+              <a:latin typeface="Arial Rounded MT Bold" panose="020F0704030504030204" pitchFamily="34" charset="0"/>
             </a:endParaRPr>
           </a:p>
         </p:txBody>
@@ -6895,6 +7137,308 @@
           <p:cNvPr id="2" name="Title 1">
             <a:extLst>
               <a:ext uri="{FF2B5EF4-FFF2-40B4-BE49-F238E27FC236}">
+                <a16:creationId xmlns:a16="http://schemas.microsoft.com/office/drawing/2014/main" id="{D91904C7-3A14-CFFF-D1C7-B650B221FEC6}"/>
+              </a:ext>
+            </a:extLst>
+          </p:cNvPr>
+          <p:cNvSpPr>
+            <a:spLocks noGrp="1"/>
+          </p:cNvSpPr>
+          <p:nvPr>
+            <p:ph type="title"/>
+          </p:nvPr>
+        </p:nvSpPr>
+        <p:spPr/>
+        <p:txBody>
+          <a:bodyPr/>
+          <a:lstStyle/>
+          <a:p>
+            <a:r>
+              <a:rPr lang="en-GB" dirty="0">
+                <a:latin typeface="Arial Rounded MT Bold" panose="020F0704030504030204" pitchFamily="34" charset="0"/>
+              </a:rPr>
+              <a:t>Conclusion</a:t>
+            </a:r>
+            <a:endParaRPr lang="LID4096" dirty="0">
+              <a:latin typeface="Arial Rounded MT Bold" panose="020F0704030504030204" pitchFamily="34" charset="0"/>
+            </a:endParaRPr>
+          </a:p>
+        </p:txBody>
+      </p:sp>
+      <p:sp>
+        <p:nvSpPr>
+          <p:cNvPr id="3" name="Content Placeholder 2">
+            <a:extLst>
+              <a:ext uri="{FF2B5EF4-FFF2-40B4-BE49-F238E27FC236}">
+                <a16:creationId xmlns:a16="http://schemas.microsoft.com/office/drawing/2014/main" id="{3DE21B73-2BBC-083E-F890-DCEE742E0D74}"/>
+              </a:ext>
+            </a:extLst>
+          </p:cNvPr>
+          <p:cNvSpPr>
+            <a:spLocks noGrp="1"/>
+          </p:cNvSpPr>
+          <p:nvPr>
+            <p:ph idx="1"/>
+          </p:nvPr>
+        </p:nvSpPr>
+        <p:spPr/>
+        <p:txBody>
+          <a:bodyPr/>
+          <a:lstStyle/>
+          <a:p>
+            <a:endParaRPr lang="LID4096"/>
+          </a:p>
+        </p:txBody>
+      </p:sp>
+      <p:sp>
+        <p:nvSpPr>
+          <p:cNvPr id="4" name="Rectangle 3">
+            <a:extLst>
+              <a:ext uri="{FF2B5EF4-FFF2-40B4-BE49-F238E27FC236}">
+                <a16:creationId xmlns:a16="http://schemas.microsoft.com/office/drawing/2014/main" id="{74AFB827-2F4D-735C-A0E0-35EBBE399BF5}"/>
+              </a:ext>
+            </a:extLst>
+          </p:cNvPr>
+          <p:cNvSpPr/>
+          <p:nvPr/>
+        </p:nvSpPr>
+        <p:spPr>
+          <a:xfrm rot="5400000">
+            <a:off x="8467548" y="3133550"/>
+            <a:ext cx="6858002" cy="590901"/>
+          </a:xfrm>
+          <a:prstGeom prst="rect">
+            <a:avLst/>
+          </a:prstGeom>
+          <a:solidFill>
+            <a:schemeClr val="accent2"/>
+          </a:solidFill>
+          <a:ln>
+            <a:noFill/>
+          </a:ln>
+        </p:spPr>
+        <p:style>
+          <a:lnRef idx="2">
+            <a:schemeClr val="accent1">
+              <a:shade val="50000"/>
+            </a:schemeClr>
+          </a:lnRef>
+          <a:fillRef idx="1">
+            <a:schemeClr val="accent1"/>
+          </a:fillRef>
+          <a:effectRef idx="0">
+            <a:schemeClr val="accent1"/>
+          </a:effectRef>
+          <a:fontRef idx="minor">
+            <a:schemeClr val="lt1"/>
+          </a:fontRef>
+        </p:style>
+        <p:txBody>
+          <a:bodyPr rtlCol="0" anchor="ctr"/>
+          <a:lstStyle/>
+          <a:p>
+            <a:pPr algn="ctr"/>
+            <a:r>
+              <a:rPr lang="en-GB" dirty="0">
+                <a:latin typeface="Arial Rounded MT Bold" panose="020F0704030504030204" pitchFamily="34" charset="0"/>
+              </a:rPr>
+              <a:t>Conclusion</a:t>
+            </a:r>
+            <a:endParaRPr lang="LID4096" dirty="0">
+              <a:latin typeface="Arial Rounded MT Bold" panose="020F0704030504030204" pitchFamily="34" charset="0"/>
+            </a:endParaRPr>
+          </a:p>
+        </p:txBody>
+      </p:sp>
+    </p:spTree>
+    <p:extLst>
+      <p:ext uri="{BB962C8B-B14F-4D97-AF65-F5344CB8AC3E}">
+        <p14:creationId xmlns:p14="http://schemas.microsoft.com/office/powerpoint/2010/main" val="3277740694"/>
+      </p:ext>
+    </p:extLst>
+  </p:cSld>
+  <p:clrMapOvr>
+    <a:masterClrMapping/>
+  </p:clrMapOvr>
+</p:sld>
+</file>
+
+<file path=ppt/slides/slide15.xml><?xml version="1.0" encoding="utf-8"?>
+<p:sld xmlns:a="http://schemas.openxmlformats.org/drawingml/2006/main" xmlns:r="http://schemas.openxmlformats.org/officeDocument/2006/relationships" xmlns:p="http://schemas.openxmlformats.org/presentationml/2006/main">
+  <p:cSld>
+    <p:spTree>
+      <p:nvGrpSpPr>
+        <p:cNvPr id="1" name=""/>
+        <p:cNvGrpSpPr/>
+        <p:nvPr/>
+      </p:nvGrpSpPr>
+      <p:grpSpPr>
+        <a:xfrm>
+          <a:off x="0" y="0"/>
+          <a:ext cx="0" cy="0"/>
+          <a:chOff x="0" y="0"/>
+          <a:chExt cx="0" cy="0"/>
+        </a:xfrm>
+      </p:grpSpPr>
+      <p:sp>
+        <p:nvSpPr>
+          <p:cNvPr id="2" name="Title 1">
+            <a:extLst>
+              <a:ext uri="{FF2B5EF4-FFF2-40B4-BE49-F238E27FC236}">
+                <a16:creationId xmlns:a16="http://schemas.microsoft.com/office/drawing/2014/main" id="{D91904C7-3A14-CFFF-D1C7-B650B221FEC6}"/>
+              </a:ext>
+            </a:extLst>
+          </p:cNvPr>
+          <p:cNvSpPr>
+            <a:spLocks noGrp="1"/>
+          </p:cNvSpPr>
+          <p:nvPr>
+            <p:ph type="title"/>
+          </p:nvPr>
+        </p:nvSpPr>
+        <p:spPr/>
+        <p:txBody>
+          <a:bodyPr/>
+          <a:lstStyle/>
+          <a:p>
+            <a:r>
+              <a:rPr lang="en-GB" dirty="0">
+                <a:latin typeface="Arial Rounded MT Bold" panose="020F0704030504030204" pitchFamily="34" charset="0"/>
+              </a:rPr>
+              <a:t>Project Management</a:t>
+            </a:r>
+            <a:endParaRPr lang="LID4096" dirty="0">
+              <a:latin typeface="Arial Rounded MT Bold" panose="020F0704030504030204" pitchFamily="34" charset="0"/>
+            </a:endParaRPr>
+          </a:p>
+        </p:txBody>
+      </p:sp>
+      <p:sp>
+        <p:nvSpPr>
+          <p:cNvPr id="3" name="Content Placeholder 2">
+            <a:extLst>
+              <a:ext uri="{FF2B5EF4-FFF2-40B4-BE49-F238E27FC236}">
+                <a16:creationId xmlns:a16="http://schemas.microsoft.com/office/drawing/2014/main" id="{3DE21B73-2BBC-083E-F890-DCEE742E0D74}"/>
+              </a:ext>
+            </a:extLst>
+          </p:cNvPr>
+          <p:cNvSpPr>
+            <a:spLocks noGrp="1"/>
+          </p:cNvSpPr>
+          <p:nvPr>
+            <p:ph idx="1"/>
+          </p:nvPr>
+        </p:nvSpPr>
+        <p:spPr/>
+        <p:txBody>
+          <a:bodyPr/>
+          <a:lstStyle/>
+          <a:p>
+            <a:endParaRPr lang="LID4096"/>
+          </a:p>
+        </p:txBody>
+      </p:sp>
+      <p:sp>
+        <p:nvSpPr>
+          <p:cNvPr id="4" name="Rectangle 3">
+            <a:extLst>
+              <a:ext uri="{FF2B5EF4-FFF2-40B4-BE49-F238E27FC236}">
+                <a16:creationId xmlns:a16="http://schemas.microsoft.com/office/drawing/2014/main" id="{74AFB827-2F4D-735C-A0E0-35EBBE399BF5}"/>
+              </a:ext>
+            </a:extLst>
+          </p:cNvPr>
+          <p:cNvSpPr/>
+          <p:nvPr/>
+        </p:nvSpPr>
+        <p:spPr>
+          <a:xfrm rot="5400000">
+            <a:off x="8467548" y="3133550"/>
+            <a:ext cx="6858002" cy="590901"/>
+          </a:xfrm>
+          <a:prstGeom prst="rect">
+            <a:avLst/>
+          </a:prstGeom>
+          <a:solidFill>
+            <a:schemeClr val="accent2"/>
+          </a:solidFill>
+          <a:ln>
+            <a:noFill/>
+          </a:ln>
+        </p:spPr>
+        <p:style>
+          <a:lnRef idx="2">
+            <a:schemeClr val="accent1">
+              <a:shade val="50000"/>
+            </a:schemeClr>
+          </a:lnRef>
+          <a:fillRef idx="1">
+            <a:schemeClr val="accent1"/>
+          </a:fillRef>
+          <a:effectRef idx="0">
+            <a:schemeClr val="accent1"/>
+          </a:effectRef>
+          <a:fontRef idx="minor">
+            <a:schemeClr val="lt1"/>
+          </a:fontRef>
+        </p:style>
+        <p:txBody>
+          <a:bodyPr rtlCol="0" anchor="ctr"/>
+          <a:lstStyle/>
+          <a:p>
+            <a:pPr algn="ctr"/>
+            <a:r>
+              <a:rPr lang="en-GB" dirty="0">
+                <a:latin typeface="Arial Rounded MT Bold" panose="020F0704030504030204" pitchFamily="34" charset="0"/>
+              </a:rPr>
+              <a:t>Project </a:t>
+            </a:r>
+            <a:r>
+              <a:rPr lang="en-GB" dirty="0" err="1">
+                <a:latin typeface="Arial Rounded MT Bold" panose="020F0704030504030204" pitchFamily="34" charset="0"/>
+              </a:rPr>
+              <a:t>Manangement</a:t>
+            </a:r>
+            <a:endParaRPr lang="LID4096" dirty="0">
+              <a:latin typeface="Arial Rounded MT Bold" panose="020F0704030504030204" pitchFamily="34" charset="0"/>
+            </a:endParaRPr>
+          </a:p>
+        </p:txBody>
+      </p:sp>
+    </p:spTree>
+    <p:extLst>
+      <p:ext uri="{BB962C8B-B14F-4D97-AF65-F5344CB8AC3E}">
+        <p14:creationId xmlns:p14="http://schemas.microsoft.com/office/powerpoint/2010/main" val="2265750077"/>
+      </p:ext>
+    </p:extLst>
+  </p:cSld>
+  <p:clrMapOvr>
+    <a:masterClrMapping/>
+  </p:clrMapOvr>
+</p:sld>
+</file>
+
+<file path=ppt/slides/slide16.xml><?xml version="1.0" encoding="utf-8"?>
+<p:sld xmlns:a="http://schemas.openxmlformats.org/drawingml/2006/main" xmlns:r="http://schemas.openxmlformats.org/officeDocument/2006/relationships" xmlns:p="http://schemas.openxmlformats.org/presentationml/2006/main">
+  <p:cSld>
+    <p:spTree>
+      <p:nvGrpSpPr>
+        <p:cNvPr id="1" name=""/>
+        <p:cNvGrpSpPr/>
+        <p:nvPr/>
+      </p:nvGrpSpPr>
+      <p:grpSpPr>
+        <a:xfrm>
+          <a:off x="0" y="0"/>
+          <a:ext cx="0" cy="0"/>
+          <a:chOff x="0" y="0"/>
+          <a:chExt cx="0" cy="0"/>
+        </a:xfrm>
+      </p:grpSpPr>
+      <p:sp>
+        <p:nvSpPr>
+          <p:cNvPr id="2" name="Title 1">
+            <a:extLst>
+              <a:ext uri="{FF2B5EF4-FFF2-40B4-BE49-F238E27FC236}">
                 <a16:creationId xmlns:a16="http://schemas.microsoft.com/office/drawing/2014/main" id="{87B95353-BABF-5137-E20F-2B0CCE76BD55}"/>
               </a:ext>
             </a:extLst>
@@ -6934,7 +7478,7 @@
 </p:sld>
 </file>
 
-<file path=ppt/slides/slide15.xml><?xml version="1.0" encoding="utf-8"?>
+<file path=ppt/slides/slide17.xml><?xml version="1.0" encoding="utf-8"?>
 <p:sld xmlns:a="http://schemas.openxmlformats.org/drawingml/2006/main" xmlns:r="http://schemas.openxmlformats.org/officeDocument/2006/relationships" xmlns:p="http://schemas.openxmlformats.org/presentationml/2006/main">
   <p:cSld>
     <p:spTree>
@@ -7557,6 +8101,66 @@
           </a:p>
         </p:txBody>
       </p:sp>
+      <p:sp>
+        <p:nvSpPr>
+          <p:cNvPr id="3" name="Rectangle 2">
+            <a:extLst>
+              <a:ext uri="{FF2B5EF4-FFF2-40B4-BE49-F238E27FC236}">
+                <a16:creationId xmlns:a16="http://schemas.microsoft.com/office/drawing/2014/main" id="{87809BA1-E1D2-C495-2386-DF30DAD638E6}"/>
+              </a:ext>
+            </a:extLst>
+          </p:cNvPr>
+          <p:cNvSpPr/>
+          <p:nvPr/>
+        </p:nvSpPr>
+        <p:spPr>
+          <a:xfrm rot="5400000">
+            <a:off x="8467548" y="3133550"/>
+            <a:ext cx="6858002" cy="590901"/>
+          </a:xfrm>
+          <a:prstGeom prst="rect">
+            <a:avLst/>
+          </a:prstGeom>
+          <a:solidFill>
+            <a:schemeClr val="accent2"/>
+          </a:solidFill>
+          <a:ln>
+            <a:noFill/>
+          </a:ln>
+        </p:spPr>
+        <p:style>
+          <a:lnRef idx="2">
+            <a:schemeClr val="accent1">
+              <a:shade val="50000"/>
+            </a:schemeClr>
+          </a:lnRef>
+          <a:fillRef idx="1">
+            <a:schemeClr val="accent1"/>
+          </a:fillRef>
+          <a:effectRef idx="0">
+            <a:schemeClr val="accent1"/>
+          </a:effectRef>
+          <a:fontRef idx="minor">
+            <a:schemeClr val="lt1"/>
+          </a:fontRef>
+        </p:style>
+        <p:txBody>
+          <a:bodyPr rtlCol="0" anchor="ctr"/>
+          <a:lstStyle/>
+          <a:p>
+            <a:pPr algn="ctr"/>
+            <a:r>
+              <a:rPr lang="en-GB" dirty="0">
+                <a:latin typeface="Arial Rounded MT Bold" panose="020F0704030504030204" pitchFamily="34" charset="0"/>
+              </a:rPr>
+              <a:t>Problem Statement</a:t>
+            </a:r>
+            <a:endParaRPr lang="LID4096" dirty="0">
+              <a:latin typeface="Arial Rounded MT Bold" panose="020F0704030504030204" pitchFamily="34" charset="0"/>
+            </a:endParaRPr>
+          </a:p>
+        </p:txBody>
+      </p:sp>
     </p:spTree>
     <p:extLst>
       <p:ext uri="{BB962C8B-B14F-4D97-AF65-F5344CB8AC3E}">
@@ -7622,6 +8226,66 @@
               </a:rPr>
               <a:t>How ?</a:t>
             </a:r>
+          </a:p>
+        </p:txBody>
+      </p:sp>
+      <p:sp>
+        <p:nvSpPr>
+          <p:cNvPr id="3" name="Rectangle 2">
+            <a:extLst>
+              <a:ext uri="{FF2B5EF4-FFF2-40B4-BE49-F238E27FC236}">
+                <a16:creationId xmlns:a16="http://schemas.microsoft.com/office/drawing/2014/main" id="{B96FC8B9-7A8B-AD31-E8A6-234EBF9BFE79}"/>
+              </a:ext>
+            </a:extLst>
+          </p:cNvPr>
+          <p:cNvSpPr/>
+          <p:nvPr/>
+        </p:nvSpPr>
+        <p:spPr>
+          <a:xfrm rot="5400000">
+            <a:off x="8467548" y="3133550"/>
+            <a:ext cx="6858002" cy="590901"/>
+          </a:xfrm>
+          <a:prstGeom prst="rect">
+            <a:avLst/>
+          </a:prstGeom>
+          <a:solidFill>
+            <a:schemeClr val="accent2"/>
+          </a:solidFill>
+          <a:ln>
+            <a:noFill/>
+          </a:ln>
+        </p:spPr>
+        <p:style>
+          <a:lnRef idx="2">
+            <a:schemeClr val="accent1">
+              <a:shade val="50000"/>
+            </a:schemeClr>
+          </a:lnRef>
+          <a:fillRef idx="1">
+            <a:schemeClr val="accent1"/>
+          </a:fillRef>
+          <a:effectRef idx="0">
+            <a:schemeClr val="accent1"/>
+          </a:effectRef>
+          <a:fontRef idx="minor">
+            <a:schemeClr val="lt1"/>
+          </a:fontRef>
+        </p:style>
+        <p:txBody>
+          <a:bodyPr rtlCol="0" anchor="ctr"/>
+          <a:lstStyle/>
+          <a:p>
+            <a:pPr algn="ctr"/>
+            <a:r>
+              <a:rPr lang="en-GB" dirty="0">
+                <a:latin typeface="Arial Rounded MT Bold" panose="020F0704030504030204" pitchFamily="34" charset="0"/>
+              </a:rPr>
+              <a:t>Concept</a:t>
+            </a:r>
+            <a:endParaRPr lang="LID4096" dirty="0">
+              <a:latin typeface="Arial Rounded MT Bold" panose="020F0704030504030204" pitchFamily="34" charset="0"/>
+            </a:endParaRPr>
           </a:p>
         </p:txBody>
       </p:sp>
@@ -8607,6 +9271,66 @@
           </a:prstGeom>
         </p:spPr>
       </p:pic>
+      <p:sp>
+        <p:nvSpPr>
+          <p:cNvPr id="27" name="Rectangle 26">
+            <a:extLst>
+              <a:ext uri="{FF2B5EF4-FFF2-40B4-BE49-F238E27FC236}">
+                <a16:creationId xmlns:a16="http://schemas.microsoft.com/office/drawing/2014/main" id="{9CA8B716-FD94-387E-95D0-70AAA56FB21A}"/>
+              </a:ext>
+            </a:extLst>
+          </p:cNvPr>
+          <p:cNvSpPr/>
+          <p:nvPr/>
+        </p:nvSpPr>
+        <p:spPr>
+          <a:xfrm rot="5400000">
+            <a:off x="8467548" y="3133550"/>
+            <a:ext cx="6858002" cy="590901"/>
+          </a:xfrm>
+          <a:prstGeom prst="rect">
+            <a:avLst/>
+          </a:prstGeom>
+          <a:solidFill>
+            <a:schemeClr val="accent2"/>
+          </a:solidFill>
+          <a:ln>
+            <a:noFill/>
+          </a:ln>
+        </p:spPr>
+        <p:style>
+          <a:lnRef idx="2">
+            <a:schemeClr val="accent1">
+              <a:shade val="50000"/>
+            </a:schemeClr>
+          </a:lnRef>
+          <a:fillRef idx="1">
+            <a:schemeClr val="accent1"/>
+          </a:fillRef>
+          <a:effectRef idx="0">
+            <a:schemeClr val="accent1"/>
+          </a:effectRef>
+          <a:fontRef idx="minor">
+            <a:schemeClr val="lt1"/>
+          </a:fontRef>
+        </p:style>
+        <p:txBody>
+          <a:bodyPr rtlCol="0" anchor="ctr"/>
+          <a:lstStyle/>
+          <a:p>
+            <a:pPr algn="ctr"/>
+            <a:r>
+              <a:rPr lang="en-GB" dirty="0">
+                <a:latin typeface="Arial Rounded MT Bold" panose="020F0704030504030204" pitchFamily="34" charset="0"/>
+              </a:rPr>
+              <a:t>Concept</a:t>
+            </a:r>
+            <a:endParaRPr lang="LID4096" dirty="0">
+              <a:latin typeface="Arial Rounded MT Bold" panose="020F0704030504030204" pitchFamily="34" charset="0"/>
+            </a:endParaRPr>
+          </a:p>
+        </p:txBody>
+      </p:sp>
     </p:spTree>
     <p:extLst>
       <p:ext uri="{BB962C8B-B14F-4D97-AF65-F5344CB8AC3E}">
@@ -8672,6 +9396,66 @@
               </a:rPr>
               <a:t>Approach </a:t>
             </a:r>
+          </a:p>
+        </p:txBody>
+      </p:sp>
+      <p:sp>
+        <p:nvSpPr>
+          <p:cNvPr id="3" name="Rectangle 2">
+            <a:extLst>
+              <a:ext uri="{FF2B5EF4-FFF2-40B4-BE49-F238E27FC236}">
+                <a16:creationId xmlns:a16="http://schemas.microsoft.com/office/drawing/2014/main" id="{B50728E3-6793-8D4D-A014-B796656DDB54}"/>
+              </a:ext>
+            </a:extLst>
+          </p:cNvPr>
+          <p:cNvSpPr/>
+          <p:nvPr/>
+        </p:nvSpPr>
+        <p:spPr>
+          <a:xfrm rot="5400000">
+            <a:off x="8467548" y="3133550"/>
+            <a:ext cx="6858002" cy="590901"/>
+          </a:xfrm>
+          <a:prstGeom prst="rect">
+            <a:avLst/>
+          </a:prstGeom>
+          <a:solidFill>
+            <a:schemeClr val="accent2"/>
+          </a:solidFill>
+          <a:ln>
+            <a:noFill/>
+          </a:ln>
+        </p:spPr>
+        <p:style>
+          <a:lnRef idx="2">
+            <a:schemeClr val="accent1">
+              <a:shade val="50000"/>
+            </a:schemeClr>
+          </a:lnRef>
+          <a:fillRef idx="1">
+            <a:schemeClr val="accent1"/>
+          </a:fillRef>
+          <a:effectRef idx="0">
+            <a:schemeClr val="accent1"/>
+          </a:effectRef>
+          <a:fontRef idx="minor">
+            <a:schemeClr val="lt1"/>
+          </a:fontRef>
+        </p:style>
+        <p:txBody>
+          <a:bodyPr rtlCol="0" anchor="ctr"/>
+          <a:lstStyle/>
+          <a:p>
+            <a:pPr algn="ctr"/>
+            <a:r>
+              <a:rPr lang="en-GB" dirty="0">
+                <a:latin typeface="Arial Rounded MT Bold" panose="020F0704030504030204" pitchFamily="34" charset="0"/>
+              </a:rPr>
+              <a:t>Approach</a:t>
+            </a:r>
+            <a:endParaRPr lang="LID4096" dirty="0">
+              <a:latin typeface="Arial Rounded MT Bold" panose="020F0704030504030204" pitchFamily="34" charset="0"/>
+            </a:endParaRPr>
           </a:p>
         </p:txBody>
       </p:sp>
@@ -9204,6 +9988,66 @@
           </a:effectLst>
         </p:spPr>
       </p:pic>
+      <p:sp>
+        <p:nvSpPr>
+          <p:cNvPr id="6" name="Rectangle 5">
+            <a:extLst>
+              <a:ext uri="{FF2B5EF4-FFF2-40B4-BE49-F238E27FC236}">
+                <a16:creationId xmlns:a16="http://schemas.microsoft.com/office/drawing/2014/main" id="{7D1102D5-BC1B-C8AA-0697-71D81BB00277}"/>
+              </a:ext>
+            </a:extLst>
+          </p:cNvPr>
+          <p:cNvSpPr/>
+          <p:nvPr/>
+        </p:nvSpPr>
+        <p:spPr>
+          <a:xfrm rot="5400000">
+            <a:off x="8467548" y="3133550"/>
+            <a:ext cx="6858002" cy="590901"/>
+          </a:xfrm>
+          <a:prstGeom prst="rect">
+            <a:avLst/>
+          </a:prstGeom>
+          <a:solidFill>
+            <a:schemeClr val="accent2"/>
+          </a:solidFill>
+          <a:ln>
+            <a:noFill/>
+          </a:ln>
+        </p:spPr>
+        <p:style>
+          <a:lnRef idx="2">
+            <a:schemeClr val="accent1">
+              <a:shade val="50000"/>
+            </a:schemeClr>
+          </a:lnRef>
+          <a:fillRef idx="1">
+            <a:schemeClr val="accent1"/>
+          </a:fillRef>
+          <a:effectRef idx="0">
+            <a:schemeClr val="accent1"/>
+          </a:effectRef>
+          <a:fontRef idx="minor">
+            <a:schemeClr val="lt1"/>
+          </a:fontRef>
+        </p:style>
+        <p:txBody>
+          <a:bodyPr rtlCol="0" anchor="ctr"/>
+          <a:lstStyle/>
+          <a:p>
+            <a:pPr algn="ctr"/>
+            <a:r>
+              <a:rPr lang="en-GB" dirty="0">
+                <a:latin typeface="Arial Rounded MT Bold" panose="020F0704030504030204" pitchFamily="34" charset="0"/>
+              </a:rPr>
+              <a:t>Approach : architectural model</a:t>
+            </a:r>
+            <a:endParaRPr lang="LID4096" dirty="0">
+              <a:latin typeface="Arial Rounded MT Bold" panose="020F0704030504030204" pitchFamily="34" charset="0"/>
+            </a:endParaRPr>
+          </a:p>
+        </p:txBody>
+      </p:sp>
     </p:spTree>
     <p:extLst>
       <p:ext uri="{BB962C8B-B14F-4D97-AF65-F5344CB8AC3E}">
@@ -10222,6 +11066,66 @@
           </a:p>
         </p:txBody>
       </p:sp>
+      <p:sp>
+        <p:nvSpPr>
+          <p:cNvPr id="19" name="Rectangle 18">
+            <a:extLst>
+              <a:ext uri="{FF2B5EF4-FFF2-40B4-BE49-F238E27FC236}">
+                <a16:creationId xmlns:a16="http://schemas.microsoft.com/office/drawing/2014/main" id="{23C0B8B7-8146-A1A8-0AF2-00974720C99A}"/>
+              </a:ext>
+            </a:extLst>
+          </p:cNvPr>
+          <p:cNvSpPr/>
+          <p:nvPr/>
+        </p:nvSpPr>
+        <p:spPr>
+          <a:xfrm rot="5400000">
+            <a:off x="8467548" y="3133550"/>
+            <a:ext cx="6858002" cy="590901"/>
+          </a:xfrm>
+          <a:prstGeom prst="rect">
+            <a:avLst/>
+          </a:prstGeom>
+          <a:solidFill>
+            <a:schemeClr val="accent2"/>
+          </a:solidFill>
+          <a:ln>
+            <a:noFill/>
+          </a:ln>
+        </p:spPr>
+        <p:style>
+          <a:lnRef idx="2">
+            <a:schemeClr val="accent1">
+              <a:shade val="50000"/>
+            </a:schemeClr>
+          </a:lnRef>
+          <a:fillRef idx="1">
+            <a:schemeClr val="accent1"/>
+          </a:fillRef>
+          <a:effectRef idx="0">
+            <a:schemeClr val="accent1"/>
+          </a:effectRef>
+          <a:fontRef idx="minor">
+            <a:schemeClr val="lt1"/>
+          </a:fontRef>
+        </p:style>
+        <p:txBody>
+          <a:bodyPr rtlCol="0" anchor="ctr"/>
+          <a:lstStyle/>
+          <a:p>
+            <a:pPr algn="ctr"/>
+            <a:r>
+              <a:rPr lang="en-GB" dirty="0">
+                <a:latin typeface="Arial Rounded MT Bold" panose="020F0704030504030204" pitchFamily="34" charset="0"/>
+              </a:rPr>
+              <a:t>Approach : Behavioural model</a:t>
+            </a:r>
+            <a:endParaRPr lang="LID4096" dirty="0">
+              <a:latin typeface="Arial Rounded MT Bold" panose="020F0704030504030204" pitchFamily="34" charset="0"/>
+            </a:endParaRPr>
+          </a:p>
+        </p:txBody>
+      </p:sp>
     </p:spTree>
     <p:extLst>
       <p:ext uri="{BB962C8B-B14F-4D97-AF65-F5344CB8AC3E}">
@@ -10656,6 +11560,66 @@
           </a:prstGeom>
         </p:spPr>
       </p:pic>
+      <p:sp>
+        <p:nvSpPr>
+          <p:cNvPr id="9" name="Rectangle 8">
+            <a:extLst>
+              <a:ext uri="{FF2B5EF4-FFF2-40B4-BE49-F238E27FC236}">
+                <a16:creationId xmlns:a16="http://schemas.microsoft.com/office/drawing/2014/main" id="{2C806E55-13B9-83A4-D184-A5F57AFA874D}"/>
+              </a:ext>
+            </a:extLst>
+          </p:cNvPr>
+          <p:cNvSpPr/>
+          <p:nvPr/>
+        </p:nvSpPr>
+        <p:spPr>
+          <a:xfrm rot="5400000">
+            <a:off x="8467548" y="3133550"/>
+            <a:ext cx="6858002" cy="590901"/>
+          </a:xfrm>
+          <a:prstGeom prst="rect">
+            <a:avLst/>
+          </a:prstGeom>
+          <a:solidFill>
+            <a:schemeClr val="accent2"/>
+          </a:solidFill>
+          <a:ln>
+            <a:noFill/>
+          </a:ln>
+        </p:spPr>
+        <p:style>
+          <a:lnRef idx="2">
+            <a:schemeClr val="accent1">
+              <a:shade val="50000"/>
+            </a:schemeClr>
+          </a:lnRef>
+          <a:fillRef idx="1">
+            <a:schemeClr val="accent1"/>
+          </a:fillRef>
+          <a:effectRef idx="0">
+            <a:schemeClr val="accent1"/>
+          </a:effectRef>
+          <a:fontRef idx="minor">
+            <a:schemeClr val="lt1"/>
+          </a:fontRef>
+        </p:style>
+        <p:txBody>
+          <a:bodyPr rtlCol="0" anchor="ctr"/>
+          <a:lstStyle/>
+          <a:p>
+            <a:pPr algn="ctr"/>
+            <a:r>
+              <a:rPr lang="en-GB" dirty="0">
+                <a:latin typeface="Arial Rounded MT Bold" panose="020F0704030504030204" pitchFamily="34" charset="0"/>
+              </a:rPr>
+              <a:t>Approach : Behavioural model</a:t>
+            </a:r>
+            <a:endParaRPr lang="LID4096" dirty="0">
+              <a:latin typeface="Arial Rounded MT Bold" panose="020F0704030504030204" pitchFamily="34" charset="0"/>
+            </a:endParaRPr>
+          </a:p>
+        </p:txBody>
+      </p:sp>
     </p:spTree>
     <p:extLst>
       <p:ext uri="{BB962C8B-B14F-4D97-AF65-F5344CB8AC3E}">
@@ -11134,7 +12098,7 @@
         </p:blipFill>
         <p:spPr>
           <a:xfrm>
-            <a:off x="3220718" y="5180177"/>
+            <a:off x="2884129" y="5334359"/>
             <a:ext cx="3400450" cy="1252547"/>
           </a:xfrm>
           <a:prstGeom prst="rect">
@@ -11174,7 +12138,7 @@
         </p:blipFill>
         <p:spPr>
           <a:xfrm>
-            <a:off x="5401190" y="1967413"/>
+            <a:off x="5208615" y="1978724"/>
             <a:ext cx="4152930" cy="2614632"/>
           </a:xfrm>
           <a:prstGeom prst="rect">
@@ -11214,7 +12178,7 @@
         </p:blipFill>
         <p:spPr>
           <a:xfrm>
-            <a:off x="6895941" y="4311845"/>
+            <a:off x="6703366" y="4323156"/>
             <a:ext cx="4814923" cy="2186003"/>
           </a:xfrm>
           <a:prstGeom prst="rect">
@@ -11246,7 +12210,7 @@
         </p:nvSpPr>
         <p:spPr>
           <a:xfrm>
-            <a:off x="6621167" y="4503873"/>
+            <a:off x="6428592" y="4515184"/>
             <a:ext cx="1665999" cy="45719"/>
           </a:xfrm>
           <a:prstGeom prst="rect">
@@ -11305,7 +12269,7 @@
         </p:nvSpPr>
         <p:spPr>
           <a:xfrm>
-            <a:off x="5076600" y="2159441"/>
+            <a:off x="4884025" y="2170752"/>
             <a:ext cx="2101850" cy="45719"/>
           </a:xfrm>
           <a:prstGeom prst="rect">
@@ -11364,7 +12328,7 @@
         </p:nvSpPr>
         <p:spPr>
           <a:xfrm>
-            <a:off x="2993948" y="5423455"/>
+            <a:off x="2657359" y="5577637"/>
             <a:ext cx="724297" cy="45719"/>
           </a:xfrm>
           <a:prstGeom prst="rect">
@@ -11524,6 +12488,66 @@
           <a:p>
             <a:pPr algn="ctr"/>
             <a:endParaRPr lang="LID4096"/>
+          </a:p>
+        </p:txBody>
+      </p:sp>
+      <p:sp>
+        <p:nvSpPr>
+          <p:cNvPr id="17" name="Rectangle 16">
+            <a:extLst>
+              <a:ext uri="{FF2B5EF4-FFF2-40B4-BE49-F238E27FC236}">
+                <a16:creationId xmlns:a16="http://schemas.microsoft.com/office/drawing/2014/main" id="{D24F8A0B-560A-3C09-1F54-62FBA259844B}"/>
+              </a:ext>
+            </a:extLst>
+          </p:cNvPr>
+          <p:cNvSpPr/>
+          <p:nvPr/>
+        </p:nvSpPr>
+        <p:spPr>
+          <a:xfrm rot="5400000">
+            <a:off x="8467548" y="3133550"/>
+            <a:ext cx="6858002" cy="590901"/>
+          </a:xfrm>
+          <a:prstGeom prst="rect">
+            <a:avLst/>
+          </a:prstGeom>
+          <a:solidFill>
+            <a:schemeClr val="accent2"/>
+          </a:solidFill>
+          <a:ln>
+            <a:noFill/>
+          </a:ln>
+        </p:spPr>
+        <p:style>
+          <a:lnRef idx="2">
+            <a:schemeClr val="accent1">
+              <a:shade val="50000"/>
+            </a:schemeClr>
+          </a:lnRef>
+          <a:fillRef idx="1">
+            <a:schemeClr val="accent1"/>
+          </a:fillRef>
+          <a:effectRef idx="0">
+            <a:schemeClr val="accent1"/>
+          </a:effectRef>
+          <a:fontRef idx="minor">
+            <a:schemeClr val="lt1"/>
+          </a:fontRef>
+        </p:style>
+        <p:txBody>
+          <a:bodyPr rtlCol="0" anchor="ctr"/>
+          <a:lstStyle/>
+          <a:p>
+            <a:pPr algn="ctr"/>
+            <a:r>
+              <a:rPr lang="en-GB" dirty="0">
+                <a:latin typeface="Arial Rounded MT Bold" panose="020F0704030504030204" pitchFamily="34" charset="0"/>
+              </a:rPr>
+              <a:t>Approach : Behavioural model</a:t>
+            </a:r>
+            <a:endParaRPr lang="LID4096" dirty="0">
+              <a:latin typeface="Arial Rounded MT Bold" panose="020F0704030504030204" pitchFamily="34" charset="0"/>
+            </a:endParaRPr>
           </a:p>
         </p:txBody>
       </p:sp>

--- a/presentation/Autonomous traffic system presentation.pptx
+++ b/presentation/Autonomous traffic system presentation.pptx
@@ -18,8 +18,8 @@
     <p:sldId id="267" r:id="rId12"/>
     <p:sldId id="260" r:id="rId13"/>
     <p:sldId id="271" r:id="rId14"/>
-    <p:sldId id="277" r:id="rId15"/>
-    <p:sldId id="279" r:id="rId16"/>
+    <p:sldId id="279" r:id="rId15"/>
+    <p:sldId id="277" r:id="rId16"/>
     <p:sldId id="275" r:id="rId17"/>
     <p:sldId id="276" r:id="rId18"/>
   </p:sldIdLst>
@@ -212,6 +212,2887 @@
 </pc:chgInfo>
 </file>
 
+<file path=ppt/diagrams/colors1.xml><?xml version="1.0" encoding="utf-8"?>
+<dgm:colorsDef xmlns:dgm="http://schemas.openxmlformats.org/drawingml/2006/diagram" xmlns:a="http://schemas.openxmlformats.org/drawingml/2006/main" uniqueId="urn:microsoft.com/office/officeart/2005/8/colors/accent2_2">
+  <dgm:title val=""/>
+  <dgm:desc val=""/>
+  <dgm:catLst>
+    <dgm:cat type="accent2" pri="11200"/>
+  </dgm:catLst>
+  <dgm:styleLbl name="node0">
+    <dgm:fillClrLst meth="repeat">
+      <a:schemeClr val="accent2"/>
+    </dgm:fillClrLst>
+    <dgm:linClrLst meth="repeat">
+      <a:schemeClr val="lt1"/>
+    </dgm:linClrLst>
+    <dgm:effectClrLst/>
+    <dgm:txLinClrLst/>
+    <dgm:txFillClrLst/>
+    <dgm:txEffectClrLst/>
+  </dgm:styleLbl>
+  <dgm:styleLbl name="node1">
+    <dgm:fillClrLst meth="repeat">
+      <a:schemeClr val="accent2"/>
+    </dgm:fillClrLst>
+    <dgm:linClrLst meth="repeat">
+      <a:schemeClr val="lt1"/>
+    </dgm:linClrLst>
+    <dgm:effectClrLst/>
+    <dgm:txLinClrLst/>
+    <dgm:txFillClrLst/>
+    <dgm:txEffectClrLst/>
+  </dgm:styleLbl>
+  <dgm:styleLbl name="alignNode1">
+    <dgm:fillClrLst meth="repeat">
+      <a:schemeClr val="accent2"/>
+    </dgm:fillClrLst>
+    <dgm:linClrLst meth="repeat">
+      <a:schemeClr val="accent2"/>
+    </dgm:linClrLst>
+    <dgm:effectClrLst/>
+    <dgm:txLinClrLst/>
+    <dgm:txFillClrLst/>
+    <dgm:txEffectClrLst/>
+  </dgm:styleLbl>
+  <dgm:styleLbl name="lnNode1">
+    <dgm:fillClrLst meth="repeat">
+      <a:schemeClr val="accent2"/>
+    </dgm:fillClrLst>
+    <dgm:linClrLst meth="repeat">
+      <a:schemeClr val="lt1"/>
+    </dgm:linClrLst>
+    <dgm:effectClrLst/>
+    <dgm:txLinClrLst/>
+    <dgm:txFillClrLst/>
+    <dgm:txEffectClrLst/>
+  </dgm:styleLbl>
+  <dgm:styleLbl name="vennNode1">
+    <dgm:fillClrLst meth="repeat">
+      <a:schemeClr val="accent2">
+        <a:alpha val="50000"/>
+      </a:schemeClr>
+    </dgm:fillClrLst>
+    <dgm:linClrLst meth="repeat">
+      <a:schemeClr val="lt1"/>
+    </dgm:linClrLst>
+    <dgm:effectClrLst/>
+    <dgm:txLinClrLst/>
+    <dgm:txFillClrLst/>
+    <dgm:txEffectClrLst/>
+  </dgm:styleLbl>
+  <dgm:styleLbl name="node2">
+    <dgm:fillClrLst meth="repeat">
+      <a:schemeClr val="accent2"/>
+    </dgm:fillClrLst>
+    <dgm:linClrLst meth="repeat">
+      <a:schemeClr val="lt1"/>
+    </dgm:linClrLst>
+    <dgm:effectClrLst/>
+    <dgm:txLinClrLst/>
+    <dgm:txFillClrLst/>
+    <dgm:txEffectClrLst/>
+  </dgm:styleLbl>
+  <dgm:styleLbl name="node3">
+    <dgm:fillClrLst meth="repeat">
+      <a:schemeClr val="accent2"/>
+    </dgm:fillClrLst>
+    <dgm:linClrLst meth="repeat">
+      <a:schemeClr val="lt1"/>
+    </dgm:linClrLst>
+    <dgm:effectClrLst/>
+    <dgm:txLinClrLst/>
+    <dgm:txFillClrLst/>
+    <dgm:txEffectClrLst/>
+  </dgm:styleLbl>
+  <dgm:styleLbl name="node4">
+    <dgm:fillClrLst meth="repeat">
+      <a:schemeClr val="accent2"/>
+    </dgm:fillClrLst>
+    <dgm:linClrLst meth="repeat">
+      <a:schemeClr val="lt1"/>
+    </dgm:linClrLst>
+    <dgm:effectClrLst/>
+    <dgm:txLinClrLst/>
+    <dgm:txFillClrLst/>
+    <dgm:txEffectClrLst/>
+  </dgm:styleLbl>
+  <dgm:styleLbl name="fgImgPlace1">
+    <dgm:fillClrLst meth="repeat">
+      <a:schemeClr val="accent2">
+        <a:tint val="50000"/>
+      </a:schemeClr>
+    </dgm:fillClrLst>
+    <dgm:linClrLst meth="repeat">
+      <a:schemeClr val="lt1"/>
+    </dgm:linClrLst>
+    <dgm:effectClrLst/>
+    <dgm:txLinClrLst/>
+    <dgm:txFillClrLst meth="repeat">
+      <a:schemeClr val="lt1"/>
+    </dgm:txFillClrLst>
+    <dgm:txEffectClrLst/>
+  </dgm:styleLbl>
+  <dgm:styleLbl name="alignImgPlace1">
+    <dgm:fillClrLst meth="repeat">
+      <a:schemeClr val="accent2">
+        <a:tint val="50000"/>
+      </a:schemeClr>
+    </dgm:fillClrLst>
+    <dgm:linClrLst meth="repeat">
+      <a:schemeClr val="lt1"/>
+    </dgm:linClrLst>
+    <dgm:effectClrLst/>
+    <dgm:txLinClrLst/>
+    <dgm:txFillClrLst meth="repeat">
+      <a:schemeClr val="lt1"/>
+    </dgm:txFillClrLst>
+    <dgm:txEffectClrLst/>
+  </dgm:styleLbl>
+  <dgm:styleLbl name="bgImgPlace1">
+    <dgm:fillClrLst meth="repeat">
+      <a:schemeClr val="accent2">
+        <a:tint val="50000"/>
+      </a:schemeClr>
+    </dgm:fillClrLst>
+    <dgm:linClrLst meth="repeat">
+      <a:schemeClr val="lt1"/>
+    </dgm:linClrLst>
+    <dgm:effectClrLst/>
+    <dgm:txLinClrLst/>
+    <dgm:txFillClrLst meth="repeat">
+      <a:schemeClr val="lt1"/>
+    </dgm:txFillClrLst>
+    <dgm:txEffectClrLst/>
+  </dgm:styleLbl>
+  <dgm:styleLbl name="sibTrans2D1">
+    <dgm:fillClrLst meth="repeat">
+      <a:schemeClr val="accent2">
+        <a:tint val="60000"/>
+      </a:schemeClr>
+    </dgm:fillClrLst>
+    <dgm:linClrLst meth="repeat">
+      <a:schemeClr val="accent2">
+        <a:tint val="60000"/>
+      </a:schemeClr>
+    </dgm:linClrLst>
+    <dgm:effectClrLst/>
+    <dgm:txLinClrLst/>
+    <dgm:txFillClrLst/>
+    <dgm:txEffectClrLst/>
+  </dgm:styleLbl>
+  <dgm:styleLbl name="fgSibTrans2D1">
+    <dgm:fillClrLst meth="repeat">
+      <a:schemeClr val="accent2">
+        <a:tint val="60000"/>
+      </a:schemeClr>
+    </dgm:fillClrLst>
+    <dgm:linClrLst meth="repeat">
+      <a:schemeClr val="accent2">
+        <a:tint val="60000"/>
+      </a:schemeClr>
+    </dgm:linClrLst>
+    <dgm:effectClrLst/>
+    <dgm:txLinClrLst/>
+    <dgm:txFillClrLst/>
+    <dgm:txEffectClrLst/>
+  </dgm:styleLbl>
+  <dgm:styleLbl name="bgSibTrans2D1">
+    <dgm:fillClrLst meth="repeat">
+      <a:schemeClr val="accent2">
+        <a:tint val="60000"/>
+      </a:schemeClr>
+    </dgm:fillClrLst>
+    <dgm:linClrLst meth="repeat">
+      <a:schemeClr val="accent2">
+        <a:tint val="60000"/>
+      </a:schemeClr>
+    </dgm:linClrLst>
+    <dgm:effectClrLst/>
+    <dgm:txLinClrLst/>
+    <dgm:txFillClrLst/>
+    <dgm:txEffectClrLst/>
+  </dgm:styleLbl>
+  <dgm:styleLbl name="sibTrans1D1">
+    <dgm:fillClrLst meth="repeat">
+      <a:schemeClr val="accent2"/>
+    </dgm:fillClrLst>
+    <dgm:linClrLst meth="repeat">
+      <a:schemeClr val="accent2"/>
+    </dgm:linClrLst>
+    <dgm:effectClrLst/>
+    <dgm:txLinClrLst/>
+    <dgm:txFillClrLst meth="repeat">
+      <a:schemeClr val="tx1"/>
+    </dgm:txFillClrLst>
+    <dgm:txEffectClrLst/>
+  </dgm:styleLbl>
+  <dgm:styleLbl name="callout">
+    <dgm:fillClrLst meth="repeat">
+      <a:schemeClr val="accent2"/>
+    </dgm:fillClrLst>
+    <dgm:linClrLst meth="repeat">
+      <a:schemeClr val="accent2">
+        <a:tint val="50000"/>
+      </a:schemeClr>
+    </dgm:linClrLst>
+    <dgm:effectClrLst/>
+    <dgm:txLinClrLst/>
+    <dgm:txFillClrLst meth="repeat">
+      <a:schemeClr val="tx1"/>
+    </dgm:txFillClrLst>
+    <dgm:txEffectClrLst/>
+  </dgm:styleLbl>
+  <dgm:styleLbl name="asst0">
+    <dgm:fillClrLst meth="repeat">
+      <a:schemeClr val="accent2"/>
+    </dgm:fillClrLst>
+    <dgm:linClrLst meth="repeat">
+      <a:schemeClr val="lt1"/>
+    </dgm:linClrLst>
+    <dgm:effectClrLst/>
+    <dgm:txLinClrLst/>
+    <dgm:txFillClrLst/>
+    <dgm:txEffectClrLst/>
+  </dgm:styleLbl>
+  <dgm:styleLbl name="asst1">
+    <dgm:fillClrLst meth="repeat">
+      <a:schemeClr val="accent2"/>
+    </dgm:fillClrLst>
+    <dgm:linClrLst meth="repeat">
+      <a:schemeClr val="lt1"/>
+    </dgm:linClrLst>
+    <dgm:effectClrLst/>
+    <dgm:txLinClrLst/>
+    <dgm:txFillClrLst/>
+    <dgm:txEffectClrLst/>
+  </dgm:styleLbl>
+  <dgm:styleLbl name="asst2">
+    <dgm:fillClrLst meth="repeat">
+      <a:schemeClr val="accent2"/>
+    </dgm:fillClrLst>
+    <dgm:linClrLst meth="repeat">
+      <a:schemeClr val="lt1"/>
+    </dgm:linClrLst>
+    <dgm:effectClrLst/>
+    <dgm:txLinClrLst/>
+    <dgm:txFillClrLst/>
+    <dgm:txEffectClrLst/>
+  </dgm:styleLbl>
+  <dgm:styleLbl name="asst3">
+    <dgm:fillClrLst meth="repeat">
+      <a:schemeClr val="accent2"/>
+    </dgm:fillClrLst>
+    <dgm:linClrLst meth="repeat">
+      <a:schemeClr val="lt1"/>
+    </dgm:linClrLst>
+    <dgm:effectClrLst/>
+    <dgm:txLinClrLst/>
+    <dgm:txFillClrLst/>
+    <dgm:txEffectClrLst/>
+  </dgm:styleLbl>
+  <dgm:styleLbl name="asst4">
+    <dgm:fillClrLst meth="repeat">
+      <a:schemeClr val="accent2"/>
+    </dgm:fillClrLst>
+    <dgm:linClrLst meth="repeat">
+      <a:schemeClr val="lt1"/>
+    </dgm:linClrLst>
+    <dgm:effectClrLst/>
+    <dgm:txLinClrLst/>
+    <dgm:txFillClrLst/>
+    <dgm:txEffectClrLst/>
+  </dgm:styleLbl>
+  <dgm:styleLbl name="parChTrans2D1">
+    <dgm:fillClrLst meth="repeat">
+      <a:schemeClr val="accent2">
+        <a:tint val="60000"/>
+      </a:schemeClr>
+    </dgm:fillClrLst>
+    <dgm:linClrLst meth="repeat">
+      <a:schemeClr val="accent2">
+        <a:tint val="60000"/>
+      </a:schemeClr>
+    </dgm:linClrLst>
+    <dgm:effectClrLst/>
+    <dgm:txLinClrLst/>
+    <dgm:txFillClrLst meth="repeat">
+      <a:schemeClr val="lt1"/>
+    </dgm:txFillClrLst>
+    <dgm:txEffectClrLst/>
+  </dgm:styleLbl>
+  <dgm:styleLbl name="parChTrans2D2">
+    <dgm:fillClrLst meth="repeat">
+      <a:schemeClr val="accent2"/>
+    </dgm:fillClrLst>
+    <dgm:linClrLst meth="repeat">
+      <a:schemeClr val="accent2"/>
+    </dgm:linClrLst>
+    <dgm:effectClrLst/>
+    <dgm:txLinClrLst/>
+    <dgm:txFillClrLst meth="repeat">
+      <a:schemeClr val="lt1"/>
+    </dgm:txFillClrLst>
+    <dgm:txEffectClrLst/>
+  </dgm:styleLbl>
+  <dgm:styleLbl name="parChTrans2D3">
+    <dgm:fillClrLst meth="repeat">
+      <a:schemeClr val="accent2"/>
+    </dgm:fillClrLst>
+    <dgm:linClrLst meth="repeat">
+      <a:schemeClr val="accent2"/>
+    </dgm:linClrLst>
+    <dgm:effectClrLst/>
+    <dgm:txLinClrLst/>
+    <dgm:txFillClrLst meth="repeat">
+      <a:schemeClr val="lt1"/>
+    </dgm:txFillClrLst>
+    <dgm:txEffectClrLst/>
+  </dgm:styleLbl>
+  <dgm:styleLbl name="parChTrans2D4">
+    <dgm:fillClrLst meth="repeat">
+      <a:schemeClr val="accent2"/>
+    </dgm:fillClrLst>
+    <dgm:linClrLst meth="repeat">
+      <a:schemeClr val="accent2"/>
+    </dgm:linClrLst>
+    <dgm:effectClrLst/>
+    <dgm:txLinClrLst/>
+    <dgm:txFillClrLst meth="repeat">
+      <a:schemeClr val="lt1"/>
+    </dgm:txFillClrLst>
+    <dgm:txEffectClrLst/>
+  </dgm:styleLbl>
+  <dgm:styleLbl name="parChTrans1D1">
+    <dgm:fillClrLst meth="repeat">
+      <a:schemeClr val="accent2"/>
+    </dgm:fillClrLst>
+    <dgm:linClrLst meth="repeat">
+      <a:schemeClr val="accent2">
+        <a:shade val="60000"/>
+      </a:schemeClr>
+    </dgm:linClrLst>
+    <dgm:effectClrLst/>
+    <dgm:txLinClrLst/>
+    <dgm:txFillClrLst meth="repeat">
+      <a:schemeClr val="tx1"/>
+    </dgm:txFillClrLst>
+    <dgm:txEffectClrLst/>
+  </dgm:styleLbl>
+  <dgm:styleLbl name="parChTrans1D2">
+    <dgm:fillClrLst meth="repeat">
+      <a:schemeClr val="accent2"/>
+    </dgm:fillClrLst>
+    <dgm:linClrLst meth="repeat">
+      <a:schemeClr val="accent2">
+        <a:shade val="60000"/>
+      </a:schemeClr>
+    </dgm:linClrLst>
+    <dgm:effectClrLst/>
+    <dgm:txLinClrLst/>
+    <dgm:txFillClrLst meth="repeat">
+      <a:schemeClr val="tx1"/>
+    </dgm:txFillClrLst>
+    <dgm:txEffectClrLst/>
+  </dgm:styleLbl>
+  <dgm:styleLbl name="parChTrans1D3">
+    <dgm:fillClrLst meth="repeat">
+      <a:schemeClr val="accent2"/>
+    </dgm:fillClrLst>
+    <dgm:linClrLst meth="repeat">
+      <a:schemeClr val="accent2">
+        <a:shade val="80000"/>
+      </a:schemeClr>
+    </dgm:linClrLst>
+    <dgm:effectClrLst/>
+    <dgm:txLinClrLst/>
+    <dgm:txFillClrLst meth="repeat">
+      <a:schemeClr val="tx1"/>
+    </dgm:txFillClrLst>
+    <dgm:txEffectClrLst/>
+  </dgm:styleLbl>
+  <dgm:styleLbl name="parChTrans1D4">
+    <dgm:fillClrLst meth="repeat">
+      <a:schemeClr val="accent2"/>
+    </dgm:fillClrLst>
+    <dgm:linClrLst meth="repeat">
+      <a:schemeClr val="accent2">
+        <a:shade val="80000"/>
+      </a:schemeClr>
+    </dgm:linClrLst>
+    <dgm:effectClrLst/>
+    <dgm:txLinClrLst/>
+    <dgm:txFillClrLst meth="repeat">
+      <a:schemeClr val="tx1"/>
+    </dgm:txFillClrLst>
+    <dgm:txEffectClrLst/>
+  </dgm:styleLbl>
+  <dgm:styleLbl name="fgAcc1">
+    <dgm:fillClrLst meth="repeat">
+      <a:schemeClr val="lt1">
+        <a:alpha val="90000"/>
+      </a:schemeClr>
+    </dgm:fillClrLst>
+    <dgm:linClrLst meth="repeat">
+      <a:schemeClr val="accent2"/>
+    </dgm:linClrLst>
+    <dgm:effectClrLst/>
+    <dgm:txLinClrLst/>
+    <dgm:txFillClrLst meth="repeat">
+      <a:schemeClr val="dk1"/>
+    </dgm:txFillClrLst>
+    <dgm:txEffectClrLst/>
+  </dgm:styleLbl>
+  <dgm:styleLbl name="conFgAcc1">
+    <dgm:fillClrLst meth="repeat">
+      <a:schemeClr val="lt1">
+        <a:alpha val="90000"/>
+      </a:schemeClr>
+    </dgm:fillClrLst>
+    <dgm:linClrLst meth="repeat">
+      <a:schemeClr val="accent2"/>
+    </dgm:linClrLst>
+    <dgm:effectClrLst/>
+    <dgm:txLinClrLst/>
+    <dgm:txFillClrLst meth="repeat">
+      <a:schemeClr val="dk1"/>
+    </dgm:txFillClrLst>
+    <dgm:txEffectClrLst/>
+  </dgm:styleLbl>
+  <dgm:styleLbl name="alignAcc1">
+    <dgm:fillClrLst meth="repeat">
+      <a:schemeClr val="lt1">
+        <a:alpha val="90000"/>
+      </a:schemeClr>
+    </dgm:fillClrLst>
+    <dgm:linClrLst meth="repeat">
+      <a:schemeClr val="accent2"/>
+    </dgm:linClrLst>
+    <dgm:effectClrLst/>
+    <dgm:txLinClrLst/>
+    <dgm:txFillClrLst meth="repeat">
+      <a:schemeClr val="dk1"/>
+    </dgm:txFillClrLst>
+    <dgm:txEffectClrLst/>
+  </dgm:styleLbl>
+  <dgm:styleLbl name="trAlignAcc1">
+    <dgm:fillClrLst meth="repeat">
+      <a:schemeClr val="lt1">
+        <a:alpha val="40000"/>
+      </a:schemeClr>
+    </dgm:fillClrLst>
+    <dgm:linClrLst meth="repeat">
+      <a:schemeClr val="accent2"/>
+    </dgm:linClrLst>
+    <dgm:effectClrLst/>
+    <dgm:txLinClrLst/>
+    <dgm:txFillClrLst meth="repeat">
+      <a:schemeClr val="dk1"/>
+    </dgm:txFillClrLst>
+    <dgm:txEffectClrLst/>
+  </dgm:styleLbl>
+  <dgm:styleLbl name="bgAcc1">
+    <dgm:fillClrLst meth="repeat">
+      <a:schemeClr val="lt1">
+        <a:alpha val="90000"/>
+      </a:schemeClr>
+    </dgm:fillClrLst>
+    <dgm:linClrLst meth="repeat">
+      <a:schemeClr val="accent2"/>
+    </dgm:linClrLst>
+    <dgm:effectClrLst/>
+    <dgm:txLinClrLst/>
+    <dgm:txFillClrLst meth="repeat">
+      <a:schemeClr val="dk1"/>
+    </dgm:txFillClrLst>
+    <dgm:txEffectClrLst/>
+  </dgm:styleLbl>
+  <dgm:styleLbl name="solidFgAcc1">
+    <dgm:fillClrLst meth="repeat">
+      <a:schemeClr val="lt1"/>
+    </dgm:fillClrLst>
+    <dgm:linClrLst meth="repeat">
+      <a:schemeClr val="accent2"/>
+    </dgm:linClrLst>
+    <dgm:effectClrLst/>
+    <dgm:txLinClrLst/>
+    <dgm:txFillClrLst meth="repeat">
+      <a:schemeClr val="dk1"/>
+    </dgm:txFillClrLst>
+    <dgm:txEffectClrLst/>
+  </dgm:styleLbl>
+  <dgm:styleLbl name="solidAlignAcc1">
+    <dgm:fillClrLst meth="repeat">
+      <a:schemeClr val="lt1"/>
+    </dgm:fillClrLst>
+    <dgm:linClrLst meth="repeat">
+      <a:schemeClr val="accent2"/>
+    </dgm:linClrLst>
+    <dgm:effectClrLst/>
+    <dgm:txLinClrLst/>
+    <dgm:txFillClrLst meth="repeat">
+      <a:schemeClr val="dk1"/>
+    </dgm:txFillClrLst>
+    <dgm:txEffectClrLst/>
+  </dgm:styleLbl>
+  <dgm:styleLbl name="solidBgAcc1">
+    <dgm:fillClrLst meth="repeat">
+      <a:schemeClr val="lt1"/>
+    </dgm:fillClrLst>
+    <dgm:linClrLst meth="repeat">
+      <a:schemeClr val="accent2"/>
+    </dgm:linClrLst>
+    <dgm:effectClrLst/>
+    <dgm:txLinClrLst/>
+    <dgm:txFillClrLst meth="repeat">
+      <a:schemeClr val="dk1"/>
+    </dgm:txFillClrLst>
+    <dgm:txEffectClrLst/>
+  </dgm:styleLbl>
+  <dgm:styleLbl name="fgAccFollowNode1">
+    <dgm:fillClrLst meth="repeat">
+      <a:schemeClr val="accent2">
+        <a:alpha val="90000"/>
+        <a:tint val="40000"/>
+      </a:schemeClr>
+    </dgm:fillClrLst>
+    <dgm:linClrLst meth="repeat">
+      <a:schemeClr val="accent2">
+        <a:alpha val="90000"/>
+        <a:tint val="40000"/>
+      </a:schemeClr>
+    </dgm:linClrLst>
+    <dgm:effectClrLst/>
+    <dgm:txLinClrLst/>
+    <dgm:txFillClrLst meth="repeat">
+      <a:schemeClr val="dk1"/>
+    </dgm:txFillClrLst>
+    <dgm:txEffectClrLst/>
+  </dgm:styleLbl>
+  <dgm:styleLbl name="alignAccFollowNode1">
+    <dgm:fillClrLst meth="repeat">
+      <a:schemeClr val="accent2">
+        <a:alpha val="90000"/>
+        <a:tint val="40000"/>
+      </a:schemeClr>
+    </dgm:fillClrLst>
+    <dgm:linClrLst meth="repeat">
+      <a:schemeClr val="accent2">
+        <a:alpha val="90000"/>
+        <a:tint val="40000"/>
+      </a:schemeClr>
+    </dgm:linClrLst>
+    <dgm:effectClrLst/>
+    <dgm:txLinClrLst/>
+    <dgm:txFillClrLst meth="repeat">
+      <a:schemeClr val="dk1"/>
+    </dgm:txFillClrLst>
+    <dgm:txEffectClrLst/>
+  </dgm:styleLbl>
+  <dgm:styleLbl name="bgAccFollowNode1">
+    <dgm:fillClrLst meth="repeat">
+      <a:schemeClr val="accent2">
+        <a:alpha val="90000"/>
+        <a:tint val="40000"/>
+      </a:schemeClr>
+    </dgm:fillClrLst>
+    <dgm:linClrLst meth="repeat">
+      <a:schemeClr val="accent2">
+        <a:alpha val="90000"/>
+        <a:tint val="40000"/>
+      </a:schemeClr>
+    </dgm:linClrLst>
+    <dgm:effectClrLst/>
+    <dgm:txLinClrLst/>
+    <dgm:txFillClrLst meth="repeat">
+      <a:schemeClr val="dk1"/>
+    </dgm:txFillClrLst>
+    <dgm:txEffectClrLst/>
+  </dgm:styleLbl>
+  <dgm:styleLbl name="fgAcc0">
+    <dgm:fillClrLst meth="repeat">
+      <a:schemeClr val="lt1">
+        <a:alpha val="90000"/>
+      </a:schemeClr>
+    </dgm:fillClrLst>
+    <dgm:linClrLst meth="repeat">
+      <a:schemeClr val="accent2"/>
+    </dgm:linClrLst>
+    <dgm:effectClrLst/>
+    <dgm:txLinClrLst/>
+    <dgm:txFillClrLst meth="repeat">
+      <a:schemeClr val="dk1"/>
+    </dgm:txFillClrLst>
+    <dgm:txEffectClrLst/>
+  </dgm:styleLbl>
+  <dgm:styleLbl name="fgAcc2">
+    <dgm:fillClrLst meth="repeat">
+      <a:schemeClr val="lt1">
+        <a:alpha val="90000"/>
+      </a:schemeClr>
+    </dgm:fillClrLst>
+    <dgm:linClrLst meth="repeat">
+      <a:schemeClr val="accent2"/>
+    </dgm:linClrLst>
+    <dgm:effectClrLst/>
+    <dgm:txLinClrLst/>
+    <dgm:txFillClrLst meth="repeat">
+      <a:schemeClr val="dk1"/>
+    </dgm:txFillClrLst>
+    <dgm:txEffectClrLst/>
+  </dgm:styleLbl>
+  <dgm:styleLbl name="fgAcc3">
+    <dgm:fillClrLst meth="repeat">
+      <a:schemeClr val="lt1">
+        <a:alpha val="90000"/>
+      </a:schemeClr>
+    </dgm:fillClrLst>
+    <dgm:linClrLst meth="repeat">
+      <a:schemeClr val="accent2"/>
+    </dgm:linClrLst>
+    <dgm:effectClrLst/>
+    <dgm:txLinClrLst/>
+    <dgm:txFillClrLst meth="repeat">
+      <a:schemeClr val="dk1"/>
+    </dgm:txFillClrLst>
+    <dgm:txEffectClrLst/>
+  </dgm:styleLbl>
+  <dgm:styleLbl name="fgAcc4">
+    <dgm:fillClrLst meth="repeat">
+      <a:schemeClr val="lt1">
+        <a:alpha val="90000"/>
+      </a:schemeClr>
+    </dgm:fillClrLst>
+    <dgm:linClrLst meth="repeat">
+      <a:schemeClr val="accent2"/>
+    </dgm:linClrLst>
+    <dgm:effectClrLst/>
+    <dgm:txLinClrLst/>
+    <dgm:txFillClrLst meth="repeat">
+      <a:schemeClr val="dk1"/>
+    </dgm:txFillClrLst>
+    <dgm:txEffectClrLst/>
+  </dgm:styleLbl>
+  <dgm:styleLbl name="bgShp">
+    <dgm:fillClrLst meth="repeat">
+      <a:schemeClr val="accent2">
+        <a:tint val="40000"/>
+      </a:schemeClr>
+    </dgm:fillClrLst>
+    <dgm:linClrLst meth="repeat">
+      <a:schemeClr val="accent2"/>
+    </dgm:linClrLst>
+    <dgm:effectClrLst/>
+    <dgm:txLinClrLst/>
+    <dgm:txFillClrLst meth="repeat">
+      <a:schemeClr val="dk1"/>
+    </dgm:txFillClrLst>
+    <dgm:txEffectClrLst/>
+  </dgm:styleLbl>
+  <dgm:styleLbl name="dkBgShp">
+    <dgm:fillClrLst meth="repeat">
+      <a:schemeClr val="accent2">
+        <a:shade val="80000"/>
+      </a:schemeClr>
+    </dgm:fillClrLst>
+    <dgm:linClrLst meth="repeat">
+      <a:schemeClr val="accent2"/>
+    </dgm:linClrLst>
+    <dgm:effectClrLst/>
+    <dgm:txLinClrLst/>
+    <dgm:txFillClrLst meth="repeat">
+      <a:schemeClr val="lt1"/>
+    </dgm:txFillClrLst>
+    <dgm:txEffectClrLst/>
+  </dgm:styleLbl>
+  <dgm:styleLbl name="trBgShp">
+    <dgm:fillClrLst meth="repeat">
+      <a:schemeClr val="accent2">
+        <a:tint val="50000"/>
+        <a:alpha val="40000"/>
+      </a:schemeClr>
+    </dgm:fillClrLst>
+    <dgm:linClrLst meth="repeat">
+      <a:schemeClr val="accent2"/>
+    </dgm:linClrLst>
+    <dgm:effectClrLst/>
+    <dgm:txLinClrLst/>
+    <dgm:txFillClrLst meth="repeat">
+      <a:schemeClr val="lt1"/>
+    </dgm:txFillClrLst>
+    <dgm:txEffectClrLst/>
+  </dgm:styleLbl>
+  <dgm:styleLbl name="fgShp">
+    <dgm:fillClrLst meth="repeat">
+      <a:schemeClr val="accent2">
+        <a:tint val="60000"/>
+      </a:schemeClr>
+    </dgm:fillClrLst>
+    <dgm:linClrLst meth="repeat">
+      <a:schemeClr val="lt1"/>
+    </dgm:linClrLst>
+    <dgm:effectClrLst/>
+    <dgm:txLinClrLst/>
+    <dgm:txFillClrLst meth="repeat">
+      <a:schemeClr val="dk1"/>
+    </dgm:txFillClrLst>
+    <dgm:txEffectClrLst/>
+  </dgm:styleLbl>
+  <dgm:styleLbl name="revTx">
+    <dgm:fillClrLst meth="repeat">
+      <a:schemeClr val="lt1">
+        <a:alpha val="0"/>
+      </a:schemeClr>
+    </dgm:fillClrLst>
+    <dgm:linClrLst meth="repeat">
+      <a:schemeClr val="dk1">
+        <a:alpha val="0"/>
+      </a:schemeClr>
+    </dgm:linClrLst>
+    <dgm:effectClrLst/>
+    <dgm:txLinClrLst/>
+    <dgm:txFillClrLst meth="repeat">
+      <a:schemeClr val="tx1"/>
+    </dgm:txFillClrLst>
+    <dgm:txEffectClrLst/>
+  </dgm:styleLbl>
+</dgm:colorsDef>
+</file>
+
+<file path=ppt/diagrams/data1.xml><?xml version="1.0" encoding="utf-8"?>
+<dgm:dataModel xmlns:dgm="http://schemas.openxmlformats.org/drawingml/2006/diagram" xmlns:a="http://schemas.openxmlformats.org/drawingml/2006/main">
+  <dgm:ptLst>
+    <dgm:pt modelId="{23E72E5A-FADD-4DD8-83EA-CEC2892A84EC}" type="doc">
+      <dgm:prSet loTypeId="urn:microsoft.com/office/officeart/2018/2/layout/IconLabelList" loCatId="icon" qsTypeId="urn:microsoft.com/office/officeart/2005/8/quickstyle/simple1" qsCatId="simple" csTypeId="urn:microsoft.com/office/officeart/2005/8/colors/accent2_2" csCatId="accent2" phldr="1"/>
+      <dgm:spPr/>
+      <dgm:t>
+        <a:bodyPr/>
+        <a:lstStyle/>
+        <a:p>
+          <a:endParaRPr lang="en-US"/>
+        </a:p>
+      </dgm:t>
+    </dgm:pt>
+    <dgm:pt modelId="{AE062299-3639-4B6E-91D9-AA5BF630BA5B}">
+      <dgm:prSet/>
+      <dgm:spPr/>
+      <dgm:t>
+        <a:bodyPr/>
+        <a:lstStyle/>
+        <a:p>
+          <a:pPr>
+            <a:lnSpc>
+              <a:spcPct val="100000"/>
+            </a:lnSpc>
+          </a:pPr>
+          <a:r>
+            <a:rPr lang="en-GB" dirty="0">
+              <a:latin typeface="Arial Rounded MT Bold" panose="020F0704030504030204" pitchFamily="34" charset="0"/>
+            </a:rPr>
+            <a:t>Scrum Method</a:t>
+          </a:r>
+          <a:endParaRPr lang="en-US" dirty="0">
+            <a:latin typeface="Arial Rounded MT Bold" panose="020F0704030504030204" pitchFamily="34" charset="0"/>
+          </a:endParaRPr>
+        </a:p>
+      </dgm:t>
+    </dgm:pt>
+    <dgm:pt modelId="{5A5BCD5B-1D3B-4046-BF71-4D1874DF58D5}" type="parTrans" cxnId="{7629FF28-9971-40E0-BB4D-81627D6C1109}">
+      <dgm:prSet/>
+      <dgm:spPr/>
+      <dgm:t>
+        <a:bodyPr/>
+        <a:lstStyle/>
+        <a:p>
+          <a:endParaRPr lang="en-US"/>
+        </a:p>
+      </dgm:t>
+    </dgm:pt>
+    <dgm:pt modelId="{8E33D5A7-648B-4E56-905D-A31E76C270BC}" type="sibTrans" cxnId="{7629FF28-9971-40E0-BB4D-81627D6C1109}">
+      <dgm:prSet/>
+      <dgm:spPr/>
+      <dgm:t>
+        <a:bodyPr/>
+        <a:lstStyle/>
+        <a:p>
+          <a:endParaRPr lang="en-US"/>
+        </a:p>
+      </dgm:t>
+    </dgm:pt>
+    <dgm:pt modelId="{04B3A2A9-AA22-4767-AAD6-4F2DFB415DFD}">
+      <dgm:prSet/>
+      <dgm:spPr/>
+      <dgm:t>
+        <a:bodyPr/>
+        <a:lstStyle/>
+        <a:p>
+          <a:pPr>
+            <a:lnSpc>
+              <a:spcPct val="100000"/>
+            </a:lnSpc>
+          </a:pPr>
+          <a:r>
+            <a:rPr lang="en-GB" dirty="0">
+              <a:latin typeface="Arial Rounded MT Bold" panose="020F0704030504030204" pitchFamily="34" charset="0"/>
+            </a:rPr>
+            <a:t>12 cycles</a:t>
+          </a:r>
+          <a:endParaRPr lang="en-US" dirty="0">
+            <a:latin typeface="Arial Rounded MT Bold" panose="020F0704030504030204" pitchFamily="34" charset="0"/>
+          </a:endParaRPr>
+        </a:p>
+      </dgm:t>
+    </dgm:pt>
+    <dgm:pt modelId="{01BB0835-FDDE-4160-A2A4-83B214C620AD}" type="parTrans" cxnId="{EFDF19BD-5B95-4D39-A1BF-6D52A470D513}">
+      <dgm:prSet/>
+      <dgm:spPr/>
+      <dgm:t>
+        <a:bodyPr/>
+        <a:lstStyle/>
+        <a:p>
+          <a:endParaRPr lang="en-US"/>
+        </a:p>
+      </dgm:t>
+    </dgm:pt>
+    <dgm:pt modelId="{674F213D-0E62-4EB0-8B58-25AB1389ACC9}" type="sibTrans" cxnId="{EFDF19BD-5B95-4D39-A1BF-6D52A470D513}">
+      <dgm:prSet/>
+      <dgm:spPr/>
+      <dgm:t>
+        <a:bodyPr/>
+        <a:lstStyle/>
+        <a:p>
+          <a:endParaRPr lang="en-US"/>
+        </a:p>
+      </dgm:t>
+    </dgm:pt>
+    <dgm:pt modelId="{944DCD76-A721-4925-ADB9-384F0D9DDFBC}">
+      <dgm:prSet/>
+      <dgm:spPr/>
+      <dgm:t>
+        <a:bodyPr/>
+        <a:lstStyle/>
+        <a:p>
+          <a:pPr>
+            <a:lnSpc>
+              <a:spcPct val="100000"/>
+            </a:lnSpc>
+          </a:pPr>
+          <a:r>
+            <a:rPr lang="en-GB" dirty="0">
+              <a:latin typeface="Arial Rounded MT Bold" panose="020F0704030504030204" pitchFamily="34" charset="0"/>
+            </a:rPr>
+            <a:t>Minimum 2 meetings pre cycle</a:t>
+          </a:r>
+          <a:endParaRPr lang="en-US" dirty="0">
+            <a:latin typeface="Arial Rounded MT Bold" panose="020F0704030504030204" pitchFamily="34" charset="0"/>
+          </a:endParaRPr>
+        </a:p>
+      </dgm:t>
+    </dgm:pt>
+    <dgm:pt modelId="{A8E7FC54-7896-4C9E-B3C9-60F0B3E0AF88}" type="parTrans" cxnId="{F100A0F6-3A1F-4886-8D5F-921B51DD91A4}">
+      <dgm:prSet/>
+      <dgm:spPr/>
+      <dgm:t>
+        <a:bodyPr/>
+        <a:lstStyle/>
+        <a:p>
+          <a:endParaRPr lang="en-US"/>
+        </a:p>
+      </dgm:t>
+    </dgm:pt>
+    <dgm:pt modelId="{514E8762-D40A-4940-8CC3-415EE11941F7}" type="sibTrans" cxnId="{F100A0F6-3A1F-4886-8D5F-921B51DD91A4}">
+      <dgm:prSet/>
+      <dgm:spPr/>
+      <dgm:t>
+        <a:bodyPr/>
+        <a:lstStyle/>
+        <a:p>
+          <a:endParaRPr lang="en-US"/>
+        </a:p>
+      </dgm:t>
+    </dgm:pt>
+    <dgm:pt modelId="{AB3588BD-02A5-45A2-9033-1E8198FEE077}">
+      <dgm:prSet/>
+      <dgm:spPr/>
+      <dgm:t>
+        <a:bodyPr/>
+        <a:lstStyle/>
+        <a:p>
+          <a:pPr>
+            <a:lnSpc>
+              <a:spcPct val="100000"/>
+            </a:lnSpc>
+          </a:pPr>
+          <a:r>
+            <a:rPr lang="en-GB">
+              <a:latin typeface="Arial Rounded MT Bold" panose="020F0704030504030204" pitchFamily="34" charset="0"/>
+            </a:rPr>
+            <a:t>Sub task distributed Fairly</a:t>
+          </a:r>
+          <a:endParaRPr lang="en-US">
+            <a:latin typeface="Arial Rounded MT Bold" panose="020F0704030504030204" pitchFamily="34" charset="0"/>
+          </a:endParaRPr>
+        </a:p>
+      </dgm:t>
+    </dgm:pt>
+    <dgm:pt modelId="{3CE82592-B9D1-4779-9A9F-8C29BFCB585D}" type="parTrans" cxnId="{5A2C4F89-7250-41EF-9CCC-BDB47BC045EF}">
+      <dgm:prSet/>
+      <dgm:spPr/>
+      <dgm:t>
+        <a:bodyPr/>
+        <a:lstStyle/>
+        <a:p>
+          <a:endParaRPr lang="en-US"/>
+        </a:p>
+      </dgm:t>
+    </dgm:pt>
+    <dgm:pt modelId="{FC0F7770-155C-40AB-9C82-D79BA58D3923}" type="sibTrans" cxnId="{5A2C4F89-7250-41EF-9CCC-BDB47BC045EF}">
+      <dgm:prSet/>
+      <dgm:spPr/>
+      <dgm:t>
+        <a:bodyPr/>
+        <a:lstStyle/>
+        <a:p>
+          <a:endParaRPr lang="en-US"/>
+        </a:p>
+      </dgm:t>
+    </dgm:pt>
+    <dgm:pt modelId="{AE1567BC-29FC-468D-B195-FB65D10FA9D8}" type="pres">
+      <dgm:prSet presAssocID="{23E72E5A-FADD-4DD8-83EA-CEC2892A84EC}" presName="root" presStyleCnt="0">
+        <dgm:presLayoutVars>
+          <dgm:dir/>
+          <dgm:resizeHandles val="exact"/>
+        </dgm:presLayoutVars>
+      </dgm:prSet>
+      <dgm:spPr/>
+    </dgm:pt>
+    <dgm:pt modelId="{6D35F7AA-98D9-4BCA-9524-FB34E9E3ECA2}" type="pres">
+      <dgm:prSet presAssocID="{AE062299-3639-4B6E-91D9-AA5BF630BA5B}" presName="compNode" presStyleCnt="0"/>
+      <dgm:spPr/>
+    </dgm:pt>
+    <dgm:pt modelId="{F2FE9F0C-A4BD-4921-AAD7-50821E4665C2}" type="pres">
+      <dgm:prSet presAssocID="{AE062299-3639-4B6E-91D9-AA5BF630BA5B}" presName="iconRect" presStyleLbl="node1" presStyleIdx="0" presStyleCnt="4"/>
+      <dgm:spPr>
+        <a:blipFill>
+          <a:blip xmlns:r="http://schemas.openxmlformats.org/officeDocument/2006/relationships" r:embed="rId1">
+            <a:extLst>
+              <a:ext uri="{28A0092B-C50C-407E-A947-70E740481C1C}">
+                <a14:useLocalDpi xmlns:a14="http://schemas.microsoft.com/office/drawing/2010/main" val="0"/>
+              </a:ext>
+              <a:ext uri="{96DAC541-7B7A-43D3-8B79-37D633B846F1}">
+                <asvg:svgBlip xmlns:asvg="http://schemas.microsoft.com/office/drawing/2016/SVG/main" r:embed="rId2"/>
+              </a:ext>
+            </a:extLst>
+          </a:blip>
+          <a:srcRect/>
+          <a:stretch>
+            <a:fillRect/>
+          </a:stretch>
+        </a:blipFill>
+      </dgm:spPr>
+    </dgm:pt>
+    <dgm:pt modelId="{3E2BEFAA-36B2-4049-8D34-016C1A609E8F}" type="pres">
+      <dgm:prSet presAssocID="{AE062299-3639-4B6E-91D9-AA5BF630BA5B}" presName="spaceRect" presStyleCnt="0"/>
+      <dgm:spPr/>
+    </dgm:pt>
+    <dgm:pt modelId="{78C5D507-BAB9-43AB-88FC-44EE3D5B8770}" type="pres">
+      <dgm:prSet presAssocID="{AE062299-3639-4B6E-91D9-AA5BF630BA5B}" presName="textRect" presStyleLbl="revTx" presStyleIdx="0" presStyleCnt="4">
+        <dgm:presLayoutVars>
+          <dgm:chMax val="1"/>
+          <dgm:chPref val="1"/>
+        </dgm:presLayoutVars>
+      </dgm:prSet>
+      <dgm:spPr/>
+    </dgm:pt>
+    <dgm:pt modelId="{527F9914-E157-4781-9265-232C5D521B96}" type="pres">
+      <dgm:prSet presAssocID="{8E33D5A7-648B-4E56-905D-A31E76C270BC}" presName="sibTrans" presStyleCnt="0"/>
+      <dgm:spPr/>
+    </dgm:pt>
+    <dgm:pt modelId="{F1C4C094-5065-482C-B929-B161B3FDE307}" type="pres">
+      <dgm:prSet presAssocID="{04B3A2A9-AA22-4767-AAD6-4F2DFB415DFD}" presName="compNode" presStyleCnt="0"/>
+      <dgm:spPr/>
+    </dgm:pt>
+    <dgm:pt modelId="{A483B735-C64A-447C-8E1D-670809B0B1C1}" type="pres">
+      <dgm:prSet presAssocID="{04B3A2A9-AA22-4767-AAD6-4F2DFB415DFD}" presName="iconRect" presStyleLbl="node1" presStyleIdx="1" presStyleCnt="4"/>
+      <dgm:spPr>
+        <a:blipFill>
+          <a:blip xmlns:r="http://schemas.openxmlformats.org/officeDocument/2006/relationships" r:embed="rId3">
+            <a:extLst>
+              <a:ext uri="{28A0092B-C50C-407E-A947-70E740481C1C}">
+                <a14:useLocalDpi xmlns:a14="http://schemas.microsoft.com/office/drawing/2010/main" val="0"/>
+              </a:ext>
+              <a:ext uri="{96DAC541-7B7A-43D3-8B79-37D633B846F1}">
+                <asvg:svgBlip xmlns:asvg="http://schemas.microsoft.com/office/drawing/2016/SVG/main" r:embed="rId4"/>
+              </a:ext>
+            </a:extLst>
+          </a:blip>
+          <a:stretch>
+            <a:fillRect/>
+          </a:stretch>
+        </a:blipFill>
+      </dgm:spPr>
+    </dgm:pt>
+    <dgm:pt modelId="{8E16B48A-5E93-4A97-B188-4A76CC6BCBC5}" type="pres">
+      <dgm:prSet presAssocID="{04B3A2A9-AA22-4767-AAD6-4F2DFB415DFD}" presName="spaceRect" presStyleCnt="0"/>
+      <dgm:spPr/>
+    </dgm:pt>
+    <dgm:pt modelId="{0CAF9ADF-674F-45BA-A01B-6243010194B6}" type="pres">
+      <dgm:prSet presAssocID="{04B3A2A9-AA22-4767-AAD6-4F2DFB415DFD}" presName="textRect" presStyleLbl="revTx" presStyleIdx="1" presStyleCnt="4">
+        <dgm:presLayoutVars>
+          <dgm:chMax val="1"/>
+          <dgm:chPref val="1"/>
+        </dgm:presLayoutVars>
+      </dgm:prSet>
+      <dgm:spPr/>
+    </dgm:pt>
+    <dgm:pt modelId="{2FAE8D6F-E269-458C-BC1A-E24022966C45}" type="pres">
+      <dgm:prSet presAssocID="{674F213D-0E62-4EB0-8B58-25AB1389ACC9}" presName="sibTrans" presStyleCnt="0"/>
+      <dgm:spPr/>
+    </dgm:pt>
+    <dgm:pt modelId="{FE0623FB-1BC4-41DF-9D2F-DEF073121455}" type="pres">
+      <dgm:prSet presAssocID="{944DCD76-A721-4925-ADB9-384F0D9DDFBC}" presName="compNode" presStyleCnt="0"/>
+      <dgm:spPr/>
+    </dgm:pt>
+    <dgm:pt modelId="{8EBB81EC-C6D5-40BB-9BB8-3585EDD2B71F}" type="pres">
+      <dgm:prSet presAssocID="{944DCD76-A721-4925-ADB9-384F0D9DDFBC}" presName="iconRect" presStyleLbl="node1" presStyleIdx="2" presStyleCnt="4"/>
+      <dgm:spPr>
+        <a:blipFill>
+          <a:blip xmlns:r="http://schemas.openxmlformats.org/officeDocument/2006/relationships" r:embed="rId5">
+            <a:extLst>
+              <a:ext uri="{28A0092B-C50C-407E-A947-70E740481C1C}">
+                <a14:useLocalDpi xmlns:a14="http://schemas.microsoft.com/office/drawing/2010/main" val="0"/>
+              </a:ext>
+              <a:ext uri="{96DAC541-7B7A-43D3-8B79-37D633B846F1}">
+                <asvg:svgBlip xmlns:asvg="http://schemas.microsoft.com/office/drawing/2016/SVG/main" r:embed="rId6"/>
+              </a:ext>
+            </a:extLst>
+          </a:blip>
+          <a:stretch>
+            <a:fillRect/>
+          </a:stretch>
+        </a:blipFill>
+      </dgm:spPr>
+    </dgm:pt>
+    <dgm:pt modelId="{73FA0A24-57FD-49BB-9FC7-3BCFF92055F0}" type="pres">
+      <dgm:prSet presAssocID="{944DCD76-A721-4925-ADB9-384F0D9DDFBC}" presName="spaceRect" presStyleCnt="0"/>
+      <dgm:spPr/>
+    </dgm:pt>
+    <dgm:pt modelId="{99193C6D-1A9A-43DB-96E2-C0C61CC05D49}" type="pres">
+      <dgm:prSet presAssocID="{944DCD76-A721-4925-ADB9-384F0D9DDFBC}" presName="textRect" presStyleLbl="revTx" presStyleIdx="2" presStyleCnt="4">
+        <dgm:presLayoutVars>
+          <dgm:chMax val="1"/>
+          <dgm:chPref val="1"/>
+        </dgm:presLayoutVars>
+      </dgm:prSet>
+      <dgm:spPr/>
+    </dgm:pt>
+    <dgm:pt modelId="{D6E0D73B-333E-43A5-AD43-54EB76A2274C}" type="pres">
+      <dgm:prSet presAssocID="{514E8762-D40A-4940-8CC3-415EE11941F7}" presName="sibTrans" presStyleCnt="0"/>
+      <dgm:spPr/>
+    </dgm:pt>
+    <dgm:pt modelId="{66B3CA42-3356-4E66-831F-72B98463C1E3}" type="pres">
+      <dgm:prSet presAssocID="{AB3588BD-02A5-45A2-9033-1E8198FEE077}" presName="compNode" presStyleCnt="0"/>
+      <dgm:spPr/>
+    </dgm:pt>
+    <dgm:pt modelId="{DAF16657-053A-430A-A47D-51305824B02B}" type="pres">
+      <dgm:prSet presAssocID="{AB3588BD-02A5-45A2-9033-1E8198FEE077}" presName="iconRect" presStyleLbl="node1" presStyleIdx="3" presStyleCnt="4"/>
+      <dgm:spPr>
+        <a:blipFill>
+          <a:blip xmlns:r="http://schemas.openxmlformats.org/officeDocument/2006/relationships" r:embed="rId7">
+            <a:extLst>
+              <a:ext uri="{28A0092B-C50C-407E-A947-70E740481C1C}">
+                <a14:useLocalDpi xmlns:a14="http://schemas.microsoft.com/office/drawing/2010/main" val="0"/>
+              </a:ext>
+              <a:ext uri="{96DAC541-7B7A-43D3-8B79-37D633B846F1}">
+                <asvg:svgBlip xmlns:asvg="http://schemas.microsoft.com/office/drawing/2016/SVG/main" r:embed="rId8"/>
+              </a:ext>
+            </a:extLst>
+          </a:blip>
+          <a:stretch>
+            <a:fillRect/>
+          </a:stretch>
+        </a:blipFill>
+      </dgm:spPr>
+    </dgm:pt>
+    <dgm:pt modelId="{EB070AD7-668A-4601-A501-834D57BF7EB7}" type="pres">
+      <dgm:prSet presAssocID="{AB3588BD-02A5-45A2-9033-1E8198FEE077}" presName="spaceRect" presStyleCnt="0"/>
+      <dgm:spPr/>
+    </dgm:pt>
+    <dgm:pt modelId="{FA09135E-1E28-4EEB-8E4C-EF444F804A51}" type="pres">
+      <dgm:prSet presAssocID="{AB3588BD-02A5-45A2-9033-1E8198FEE077}" presName="textRect" presStyleLbl="revTx" presStyleIdx="3" presStyleCnt="4">
+        <dgm:presLayoutVars>
+          <dgm:chMax val="1"/>
+          <dgm:chPref val="1"/>
+        </dgm:presLayoutVars>
+      </dgm:prSet>
+      <dgm:spPr/>
+    </dgm:pt>
+  </dgm:ptLst>
+  <dgm:cxnLst>
+    <dgm:cxn modelId="{167B3122-FF79-45C7-8F5C-B9AFCE74C1E7}" type="presOf" srcId="{04B3A2A9-AA22-4767-AAD6-4F2DFB415DFD}" destId="{0CAF9ADF-674F-45BA-A01B-6243010194B6}" srcOrd="0" destOrd="0" presId="urn:microsoft.com/office/officeart/2018/2/layout/IconLabelList"/>
+    <dgm:cxn modelId="{7629FF28-9971-40E0-BB4D-81627D6C1109}" srcId="{23E72E5A-FADD-4DD8-83EA-CEC2892A84EC}" destId="{AE062299-3639-4B6E-91D9-AA5BF630BA5B}" srcOrd="0" destOrd="0" parTransId="{5A5BCD5B-1D3B-4046-BF71-4D1874DF58D5}" sibTransId="{8E33D5A7-648B-4E56-905D-A31E76C270BC}"/>
+    <dgm:cxn modelId="{BA5E3D47-7993-45D8-B5CE-91F110C615F3}" type="presOf" srcId="{AB3588BD-02A5-45A2-9033-1E8198FEE077}" destId="{FA09135E-1E28-4EEB-8E4C-EF444F804A51}" srcOrd="0" destOrd="0" presId="urn:microsoft.com/office/officeart/2018/2/layout/IconLabelList"/>
+    <dgm:cxn modelId="{49D62C76-8361-424E-AFDA-4840AF5C48D5}" type="presOf" srcId="{23E72E5A-FADD-4DD8-83EA-CEC2892A84EC}" destId="{AE1567BC-29FC-468D-B195-FB65D10FA9D8}" srcOrd="0" destOrd="0" presId="urn:microsoft.com/office/officeart/2018/2/layout/IconLabelList"/>
+    <dgm:cxn modelId="{2DF0FE7B-9BC0-4077-B832-FEEFD72CB169}" type="presOf" srcId="{AE062299-3639-4B6E-91D9-AA5BF630BA5B}" destId="{78C5D507-BAB9-43AB-88FC-44EE3D5B8770}" srcOrd="0" destOrd="0" presId="urn:microsoft.com/office/officeart/2018/2/layout/IconLabelList"/>
+    <dgm:cxn modelId="{5A2C4F89-7250-41EF-9CCC-BDB47BC045EF}" srcId="{23E72E5A-FADD-4DD8-83EA-CEC2892A84EC}" destId="{AB3588BD-02A5-45A2-9033-1E8198FEE077}" srcOrd="3" destOrd="0" parTransId="{3CE82592-B9D1-4779-9A9F-8C29BFCB585D}" sibTransId="{FC0F7770-155C-40AB-9C82-D79BA58D3923}"/>
+    <dgm:cxn modelId="{F27AB6A5-CEDB-49AA-8D82-0E0A888BD01F}" type="presOf" srcId="{944DCD76-A721-4925-ADB9-384F0D9DDFBC}" destId="{99193C6D-1A9A-43DB-96E2-C0C61CC05D49}" srcOrd="0" destOrd="0" presId="urn:microsoft.com/office/officeart/2018/2/layout/IconLabelList"/>
+    <dgm:cxn modelId="{EFDF19BD-5B95-4D39-A1BF-6D52A470D513}" srcId="{23E72E5A-FADD-4DD8-83EA-CEC2892A84EC}" destId="{04B3A2A9-AA22-4767-AAD6-4F2DFB415DFD}" srcOrd="1" destOrd="0" parTransId="{01BB0835-FDDE-4160-A2A4-83B214C620AD}" sibTransId="{674F213D-0E62-4EB0-8B58-25AB1389ACC9}"/>
+    <dgm:cxn modelId="{F100A0F6-3A1F-4886-8D5F-921B51DD91A4}" srcId="{23E72E5A-FADD-4DD8-83EA-CEC2892A84EC}" destId="{944DCD76-A721-4925-ADB9-384F0D9DDFBC}" srcOrd="2" destOrd="0" parTransId="{A8E7FC54-7896-4C9E-B3C9-60F0B3E0AF88}" sibTransId="{514E8762-D40A-4940-8CC3-415EE11941F7}"/>
+    <dgm:cxn modelId="{E9B4A369-6A04-4940-A10E-020EDA84BD20}" type="presParOf" srcId="{AE1567BC-29FC-468D-B195-FB65D10FA9D8}" destId="{6D35F7AA-98D9-4BCA-9524-FB34E9E3ECA2}" srcOrd="0" destOrd="0" presId="urn:microsoft.com/office/officeart/2018/2/layout/IconLabelList"/>
+    <dgm:cxn modelId="{4E73BC2A-B34E-4BB6-BAB4-CB759F21A72C}" type="presParOf" srcId="{6D35F7AA-98D9-4BCA-9524-FB34E9E3ECA2}" destId="{F2FE9F0C-A4BD-4921-AAD7-50821E4665C2}" srcOrd="0" destOrd="0" presId="urn:microsoft.com/office/officeart/2018/2/layout/IconLabelList"/>
+    <dgm:cxn modelId="{C10E0FF0-6A13-4073-AE4D-845EA85A885A}" type="presParOf" srcId="{6D35F7AA-98D9-4BCA-9524-FB34E9E3ECA2}" destId="{3E2BEFAA-36B2-4049-8D34-016C1A609E8F}" srcOrd="1" destOrd="0" presId="urn:microsoft.com/office/officeart/2018/2/layout/IconLabelList"/>
+    <dgm:cxn modelId="{87B782B7-C4C1-459F-B6E5-F807461CA6B0}" type="presParOf" srcId="{6D35F7AA-98D9-4BCA-9524-FB34E9E3ECA2}" destId="{78C5D507-BAB9-43AB-88FC-44EE3D5B8770}" srcOrd="2" destOrd="0" presId="urn:microsoft.com/office/officeart/2018/2/layout/IconLabelList"/>
+    <dgm:cxn modelId="{B6C46B5D-31AA-4759-95F9-A62BBEBB5932}" type="presParOf" srcId="{AE1567BC-29FC-468D-B195-FB65D10FA9D8}" destId="{527F9914-E157-4781-9265-232C5D521B96}" srcOrd="1" destOrd="0" presId="urn:microsoft.com/office/officeart/2018/2/layout/IconLabelList"/>
+    <dgm:cxn modelId="{145E1FCE-8AE2-4B64-B953-3ABE8923A3DE}" type="presParOf" srcId="{AE1567BC-29FC-468D-B195-FB65D10FA9D8}" destId="{F1C4C094-5065-482C-B929-B161B3FDE307}" srcOrd="2" destOrd="0" presId="urn:microsoft.com/office/officeart/2018/2/layout/IconLabelList"/>
+    <dgm:cxn modelId="{23C363DA-B45B-45B6-8313-F6E25EC1EB5B}" type="presParOf" srcId="{F1C4C094-5065-482C-B929-B161B3FDE307}" destId="{A483B735-C64A-447C-8E1D-670809B0B1C1}" srcOrd="0" destOrd="0" presId="urn:microsoft.com/office/officeart/2018/2/layout/IconLabelList"/>
+    <dgm:cxn modelId="{5FA55184-0C3B-4D22-A947-00104A95724D}" type="presParOf" srcId="{F1C4C094-5065-482C-B929-B161B3FDE307}" destId="{8E16B48A-5E93-4A97-B188-4A76CC6BCBC5}" srcOrd="1" destOrd="0" presId="urn:microsoft.com/office/officeart/2018/2/layout/IconLabelList"/>
+    <dgm:cxn modelId="{F8D1273A-5B84-412B-B3C9-E8CB8736CADA}" type="presParOf" srcId="{F1C4C094-5065-482C-B929-B161B3FDE307}" destId="{0CAF9ADF-674F-45BA-A01B-6243010194B6}" srcOrd="2" destOrd="0" presId="urn:microsoft.com/office/officeart/2018/2/layout/IconLabelList"/>
+    <dgm:cxn modelId="{32F66B33-7E6F-4508-ABEF-F76B440C0545}" type="presParOf" srcId="{AE1567BC-29FC-468D-B195-FB65D10FA9D8}" destId="{2FAE8D6F-E269-458C-BC1A-E24022966C45}" srcOrd="3" destOrd="0" presId="urn:microsoft.com/office/officeart/2018/2/layout/IconLabelList"/>
+    <dgm:cxn modelId="{75560435-E8CB-414E-9554-DDBEA431D2BA}" type="presParOf" srcId="{AE1567BC-29FC-468D-B195-FB65D10FA9D8}" destId="{FE0623FB-1BC4-41DF-9D2F-DEF073121455}" srcOrd="4" destOrd="0" presId="urn:microsoft.com/office/officeart/2018/2/layout/IconLabelList"/>
+    <dgm:cxn modelId="{699F680C-30B1-4AEC-8920-693150743CA8}" type="presParOf" srcId="{FE0623FB-1BC4-41DF-9D2F-DEF073121455}" destId="{8EBB81EC-C6D5-40BB-9BB8-3585EDD2B71F}" srcOrd="0" destOrd="0" presId="urn:microsoft.com/office/officeart/2018/2/layout/IconLabelList"/>
+    <dgm:cxn modelId="{8581D19F-309C-4BAC-A381-70E0FB188B3A}" type="presParOf" srcId="{FE0623FB-1BC4-41DF-9D2F-DEF073121455}" destId="{73FA0A24-57FD-49BB-9FC7-3BCFF92055F0}" srcOrd="1" destOrd="0" presId="urn:microsoft.com/office/officeart/2018/2/layout/IconLabelList"/>
+    <dgm:cxn modelId="{D4DABFA0-C27C-484C-80E8-A737BC788A5C}" type="presParOf" srcId="{FE0623FB-1BC4-41DF-9D2F-DEF073121455}" destId="{99193C6D-1A9A-43DB-96E2-C0C61CC05D49}" srcOrd="2" destOrd="0" presId="urn:microsoft.com/office/officeart/2018/2/layout/IconLabelList"/>
+    <dgm:cxn modelId="{5275FC5B-548C-4D22-A60A-3C1AD34517EC}" type="presParOf" srcId="{AE1567BC-29FC-468D-B195-FB65D10FA9D8}" destId="{D6E0D73B-333E-43A5-AD43-54EB76A2274C}" srcOrd="5" destOrd="0" presId="urn:microsoft.com/office/officeart/2018/2/layout/IconLabelList"/>
+    <dgm:cxn modelId="{AA053ADC-0776-4F61-ACB7-9E1A09A7A5C0}" type="presParOf" srcId="{AE1567BC-29FC-468D-B195-FB65D10FA9D8}" destId="{66B3CA42-3356-4E66-831F-72B98463C1E3}" srcOrd="6" destOrd="0" presId="urn:microsoft.com/office/officeart/2018/2/layout/IconLabelList"/>
+    <dgm:cxn modelId="{6F5BCA0C-CDE7-47BF-A848-51F7655E2049}" type="presParOf" srcId="{66B3CA42-3356-4E66-831F-72B98463C1E3}" destId="{DAF16657-053A-430A-A47D-51305824B02B}" srcOrd="0" destOrd="0" presId="urn:microsoft.com/office/officeart/2018/2/layout/IconLabelList"/>
+    <dgm:cxn modelId="{CA09B9BB-CD91-4538-8DBE-56F0072DAD46}" type="presParOf" srcId="{66B3CA42-3356-4E66-831F-72B98463C1E3}" destId="{EB070AD7-668A-4601-A501-834D57BF7EB7}" srcOrd="1" destOrd="0" presId="urn:microsoft.com/office/officeart/2018/2/layout/IconLabelList"/>
+    <dgm:cxn modelId="{0318BAAC-8B94-4A36-88FA-436EB474EB6F}" type="presParOf" srcId="{66B3CA42-3356-4E66-831F-72B98463C1E3}" destId="{FA09135E-1E28-4EEB-8E4C-EF444F804A51}" srcOrd="2" destOrd="0" presId="urn:microsoft.com/office/officeart/2018/2/layout/IconLabelList"/>
+  </dgm:cxnLst>
+  <dgm:bg/>
+  <dgm:whole/>
+  <dgm:extLst>
+    <a:ext uri="http://schemas.microsoft.com/office/drawing/2008/diagram">
+      <dsp:dataModelExt xmlns:dsp="http://schemas.microsoft.com/office/drawing/2008/diagram" relId="rId6" minVer="http://schemas.openxmlformats.org/drawingml/2006/diagram"/>
+    </a:ext>
+  </dgm:extLst>
+</dgm:dataModel>
+</file>
+
+<file path=ppt/diagrams/drawing1.xml><?xml version="1.0" encoding="utf-8"?>
+<dsp:drawing xmlns:dgm="http://schemas.openxmlformats.org/drawingml/2006/diagram" xmlns:dsp="http://schemas.microsoft.com/office/drawing/2008/diagram" xmlns:a="http://schemas.openxmlformats.org/drawingml/2006/main">
+  <dsp:spTree>
+    <dsp:nvGrpSpPr>
+      <dsp:cNvPr id="0" name=""/>
+      <dsp:cNvGrpSpPr/>
+    </dsp:nvGrpSpPr>
+    <dsp:grpSpPr/>
+    <dsp:sp modelId="{F2FE9F0C-A4BD-4921-AAD7-50821E4665C2}">
+      <dsp:nvSpPr>
+        <dsp:cNvPr id="0" name=""/>
+        <dsp:cNvSpPr/>
+      </dsp:nvSpPr>
+      <dsp:spPr>
+        <a:xfrm>
+          <a:off x="1138979" y="1203549"/>
+          <a:ext cx="932563" cy="932563"/>
+        </a:xfrm>
+        <a:prstGeom prst="rect">
+          <a:avLst/>
+        </a:prstGeom>
+        <a:blipFill>
+          <a:blip xmlns:r="http://schemas.openxmlformats.org/officeDocument/2006/relationships" r:embed="rId1">
+            <a:extLst>
+              <a:ext uri="{28A0092B-C50C-407E-A947-70E740481C1C}">
+                <a14:useLocalDpi xmlns:a14="http://schemas.microsoft.com/office/drawing/2010/main" val="0"/>
+              </a:ext>
+              <a:ext uri="{96DAC541-7B7A-43D3-8B79-37D633B846F1}">
+                <asvg:svgBlip xmlns:asvg="http://schemas.microsoft.com/office/drawing/2016/SVG/main" r:embed="rId2"/>
+              </a:ext>
+            </a:extLst>
+          </a:blip>
+          <a:srcRect/>
+          <a:stretch>
+            <a:fillRect/>
+          </a:stretch>
+        </a:blipFill>
+        <a:ln w="12700" cap="flat" cmpd="sng" algn="ctr">
+          <a:solidFill>
+            <a:schemeClr val="lt1">
+              <a:hueOff val="0"/>
+              <a:satOff val="0"/>
+              <a:lumOff val="0"/>
+              <a:alphaOff val="0"/>
+            </a:schemeClr>
+          </a:solidFill>
+          <a:prstDash val="solid"/>
+          <a:miter lim="800000"/>
+        </a:ln>
+        <a:effectLst/>
+      </dsp:spPr>
+      <dsp:style>
+        <a:lnRef idx="2">
+          <a:scrgbClr r="0" g="0" b="0"/>
+        </a:lnRef>
+        <a:fillRef idx="1">
+          <a:scrgbClr r="0" g="0" b="0"/>
+        </a:fillRef>
+        <a:effectRef idx="0">
+          <a:scrgbClr r="0" g="0" b="0"/>
+        </a:effectRef>
+        <a:fontRef idx="minor">
+          <a:schemeClr val="lt1"/>
+        </a:fontRef>
+      </dsp:style>
+    </dsp:sp>
+    <dsp:sp modelId="{78C5D507-BAB9-43AB-88FC-44EE3D5B8770}">
+      <dsp:nvSpPr>
+        <dsp:cNvPr id="0" name=""/>
+        <dsp:cNvSpPr/>
+      </dsp:nvSpPr>
+      <dsp:spPr>
+        <a:xfrm>
+          <a:off x="569079" y="2427788"/>
+          <a:ext cx="2072362" cy="720000"/>
+        </a:xfrm>
+        <a:prstGeom prst="rect">
+          <a:avLst/>
+        </a:prstGeom>
+        <a:noFill/>
+        <a:ln>
+          <a:noFill/>
+        </a:ln>
+        <a:effectLst/>
+      </dsp:spPr>
+      <dsp:style>
+        <a:lnRef idx="0">
+          <a:scrgbClr r="0" g="0" b="0"/>
+        </a:lnRef>
+        <a:fillRef idx="0">
+          <a:scrgbClr r="0" g="0" b="0"/>
+        </a:fillRef>
+        <a:effectRef idx="0">
+          <a:scrgbClr r="0" g="0" b="0"/>
+        </a:effectRef>
+        <a:fontRef idx="minor"/>
+      </dsp:style>
+      <dsp:txBody>
+        <a:bodyPr spcFirstLastPara="0" vert="horz" wrap="square" lIns="0" tIns="0" rIns="0" bIns="0" numCol="1" spcCol="1270" anchor="t" anchorCtr="0">
+          <a:noAutofit/>
+        </a:bodyPr>
+        <a:lstStyle/>
+        <a:p>
+          <a:pPr marL="0" lvl="0" indent="0" algn="ctr" defTabSz="755650">
+            <a:lnSpc>
+              <a:spcPct val="100000"/>
+            </a:lnSpc>
+            <a:spcBef>
+              <a:spcPct val="0"/>
+            </a:spcBef>
+            <a:spcAft>
+              <a:spcPct val="35000"/>
+            </a:spcAft>
+            <a:buNone/>
+          </a:pPr>
+          <a:r>
+            <a:rPr lang="en-GB" sz="1700" kern="1200" dirty="0">
+              <a:latin typeface="Arial Rounded MT Bold" panose="020F0704030504030204" pitchFamily="34" charset="0"/>
+            </a:rPr>
+            <a:t>Scrum Method</a:t>
+          </a:r>
+          <a:endParaRPr lang="en-US" sz="1700" kern="1200" dirty="0">
+            <a:latin typeface="Arial Rounded MT Bold" panose="020F0704030504030204" pitchFamily="34" charset="0"/>
+          </a:endParaRPr>
+        </a:p>
+      </dsp:txBody>
+      <dsp:txXfrm>
+        <a:off x="569079" y="2427788"/>
+        <a:ext cx="2072362" cy="720000"/>
+      </dsp:txXfrm>
+    </dsp:sp>
+    <dsp:sp modelId="{A483B735-C64A-447C-8E1D-670809B0B1C1}">
+      <dsp:nvSpPr>
+        <dsp:cNvPr id="0" name=""/>
+        <dsp:cNvSpPr/>
+      </dsp:nvSpPr>
+      <dsp:spPr>
+        <a:xfrm>
+          <a:off x="3574005" y="1203549"/>
+          <a:ext cx="932563" cy="932563"/>
+        </a:xfrm>
+        <a:prstGeom prst="rect">
+          <a:avLst/>
+        </a:prstGeom>
+        <a:blipFill>
+          <a:blip xmlns:r="http://schemas.openxmlformats.org/officeDocument/2006/relationships" r:embed="rId3">
+            <a:extLst>
+              <a:ext uri="{28A0092B-C50C-407E-A947-70E740481C1C}">
+                <a14:useLocalDpi xmlns:a14="http://schemas.microsoft.com/office/drawing/2010/main" val="0"/>
+              </a:ext>
+              <a:ext uri="{96DAC541-7B7A-43D3-8B79-37D633B846F1}">
+                <asvg:svgBlip xmlns:asvg="http://schemas.microsoft.com/office/drawing/2016/SVG/main" r:embed="rId4"/>
+              </a:ext>
+            </a:extLst>
+          </a:blip>
+          <a:stretch>
+            <a:fillRect/>
+          </a:stretch>
+        </a:blipFill>
+        <a:ln w="12700" cap="flat" cmpd="sng" algn="ctr">
+          <a:solidFill>
+            <a:schemeClr val="lt1">
+              <a:hueOff val="0"/>
+              <a:satOff val="0"/>
+              <a:lumOff val="0"/>
+              <a:alphaOff val="0"/>
+            </a:schemeClr>
+          </a:solidFill>
+          <a:prstDash val="solid"/>
+          <a:miter lim="800000"/>
+        </a:ln>
+        <a:effectLst/>
+      </dsp:spPr>
+      <dsp:style>
+        <a:lnRef idx="2">
+          <a:scrgbClr r="0" g="0" b="0"/>
+        </a:lnRef>
+        <a:fillRef idx="1">
+          <a:scrgbClr r="0" g="0" b="0"/>
+        </a:fillRef>
+        <a:effectRef idx="0">
+          <a:scrgbClr r="0" g="0" b="0"/>
+        </a:effectRef>
+        <a:fontRef idx="minor">
+          <a:schemeClr val="lt1"/>
+        </a:fontRef>
+      </dsp:style>
+    </dsp:sp>
+    <dsp:sp modelId="{0CAF9ADF-674F-45BA-A01B-6243010194B6}">
+      <dsp:nvSpPr>
+        <dsp:cNvPr id="0" name=""/>
+        <dsp:cNvSpPr/>
+      </dsp:nvSpPr>
+      <dsp:spPr>
+        <a:xfrm>
+          <a:off x="3004105" y="2427788"/>
+          <a:ext cx="2072362" cy="720000"/>
+        </a:xfrm>
+        <a:prstGeom prst="rect">
+          <a:avLst/>
+        </a:prstGeom>
+        <a:noFill/>
+        <a:ln>
+          <a:noFill/>
+        </a:ln>
+        <a:effectLst/>
+      </dsp:spPr>
+      <dsp:style>
+        <a:lnRef idx="0">
+          <a:scrgbClr r="0" g="0" b="0"/>
+        </a:lnRef>
+        <a:fillRef idx="0">
+          <a:scrgbClr r="0" g="0" b="0"/>
+        </a:fillRef>
+        <a:effectRef idx="0">
+          <a:scrgbClr r="0" g="0" b="0"/>
+        </a:effectRef>
+        <a:fontRef idx="minor"/>
+      </dsp:style>
+      <dsp:txBody>
+        <a:bodyPr spcFirstLastPara="0" vert="horz" wrap="square" lIns="0" tIns="0" rIns="0" bIns="0" numCol="1" spcCol="1270" anchor="t" anchorCtr="0">
+          <a:noAutofit/>
+        </a:bodyPr>
+        <a:lstStyle/>
+        <a:p>
+          <a:pPr marL="0" lvl="0" indent="0" algn="ctr" defTabSz="755650">
+            <a:lnSpc>
+              <a:spcPct val="100000"/>
+            </a:lnSpc>
+            <a:spcBef>
+              <a:spcPct val="0"/>
+            </a:spcBef>
+            <a:spcAft>
+              <a:spcPct val="35000"/>
+            </a:spcAft>
+            <a:buNone/>
+          </a:pPr>
+          <a:r>
+            <a:rPr lang="en-GB" sz="1700" kern="1200" dirty="0">
+              <a:latin typeface="Arial Rounded MT Bold" panose="020F0704030504030204" pitchFamily="34" charset="0"/>
+            </a:rPr>
+            <a:t>12 cycles</a:t>
+          </a:r>
+          <a:endParaRPr lang="en-US" sz="1700" kern="1200" dirty="0">
+            <a:latin typeface="Arial Rounded MT Bold" panose="020F0704030504030204" pitchFamily="34" charset="0"/>
+          </a:endParaRPr>
+        </a:p>
+      </dsp:txBody>
+      <dsp:txXfrm>
+        <a:off x="3004105" y="2427788"/>
+        <a:ext cx="2072362" cy="720000"/>
+      </dsp:txXfrm>
+    </dsp:sp>
+    <dsp:sp modelId="{8EBB81EC-C6D5-40BB-9BB8-3585EDD2B71F}">
+      <dsp:nvSpPr>
+        <dsp:cNvPr id="0" name=""/>
+        <dsp:cNvSpPr/>
+      </dsp:nvSpPr>
+      <dsp:spPr>
+        <a:xfrm>
+          <a:off x="6009031" y="1203549"/>
+          <a:ext cx="932563" cy="932563"/>
+        </a:xfrm>
+        <a:prstGeom prst="rect">
+          <a:avLst/>
+        </a:prstGeom>
+        <a:blipFill>
+          <a:blip xmlns:r="http://schemas.openxmlformats.org/officeDocument/2006/relationships" r:embed="rId5">
+            <a:extLst>
+              <a:ext uri="{28A0092B-C50C-407E-A947-70E740481C1C}">
+                <a14:useLocalDpi xmlns:a14="http://schemas.microsoft.com/office/drawing/2010/main" val="0"/>
+              </a:ext>
+              <a:ext uri="{96DAC541-7B7A-43D3-8B79-37D633B846F1}">
+                <asvg:svgBlip xmlns:asvg="http://schemas.microsoft.com/office/drawing/2016/SVG/main" r:embed="rId6"/>
+              </a:ext>
+            </a:extLst>
+          </a:blip>
+          <a:stretch>
+            <a:fillRect/>
+          </a:stretch>
+        </a:blipFill>
+        <a:ln w="12700" cap="flat" cmpd="sng" algn="ctr">
+          <a:solidFill>
+            <a:schemeClr val="lt1">
+              <a:hueOff val="0"/>
+              <a:satOff val="0"/>
+              <a:lumOff val="0"/>
+              <a:alphaOff val="0"/>
+            </a:schemeClr>
+          </a:solidFill>
+          <a:prstDash val="solid"/>
+          <a:miter lim="800000"/>
+        </a:ln>
+        <a:effectLst/>
+      </dsp:spPr>
+      <dsp:style>
+        <a:lnRef idx="2">
+          <a:scrgbClr r="0" g="0" b="0"/>
+        </a:lnRef>
+        <a:fillRef idx="1">
+          <a:scrgbClr r="0" g="0" b="0"/>
+        </a:fillRef>
+        <a:effectRef idx="0">
+          <a:scrgbClr r="0" g="0" b="0"/>
+        </a:effectRef>
+        <a:fontRef idx="minor">
+          <a:schemeClr val="lt1"/>
+        </a:fontRef>
+      </dsp:style>
+    </dsp:sp>
+    <dsp:sp modelId="{99193C6D-1A9A-43DB-96E2-C0C61CC05D49}">
+      <dsp:nvSpPr>
+        <dsp:cNvPr id="0" name=""/>
+        <dsp:cNvSpPr/>
+      </dsp:nvSpPr>
+      <dsp:spPr>
+        <a:xfrm>
+          <a:off x="5439131" y="2427788"/>
+          <a:ext cx="2072362" cy="720000"/>
+        </a:xfrm>
+        <a:prstGeom prst="rect">
+          <a:avLst/>
+        </a:prstGeom>
+        <a:noFill/>
+        <a:ln>
+          <a:noFill/>
+        </a:ln>
+        <a:effectLst/>
+      </dsp:spPr>
+      <dsp:style>
+        <a:lnRef idx="0">
+          <a:scrgbClr r="0" g="0" b="0"/>
+        </a:lnRef>
+        <a:fillRef idx="0">
+          <a:scrgbClr r="0" g="0" b="0"/>
+        </a:fillRef>
+        <a:effectRef idx="0">
+          <a:scrgbClr r="0" g="0" b="0"/>
+        </a:effectRef>
+        <a:fontRef idx="minor"/>
+      </dsp:style>
+      <dsp:txBody>
+        <a:bodyPr spcFirstLastPara="0" vert="horz" wrap="square" lIns="0" tIns="0" rIns="0" bIns="0" numCol="1" spcCol="1270" anchor="t" anchorCtr="0">
+          <a:noAutofit/>
+        </a:bodyPr>
+        <a:lstStyle/>
+        <a:p>
+          <a:pPr marL="0" lvl="0" indent="0" algn="ctr" defTabSz="755650">
+            <a:lnSpc>
+              <a:spcPct val="100000"/>
+            </a:lnSpc>
+            <a:spcBef>
+              <a:spcPct val="0"/>
+            </a:spcBef>
+            <a:spcAft>
+              <a:spcPct val="35000"/>
+            </a:spcAft>
+            <a:buNone/>
+          </a:pPr>
+          <a:r>
+            <a:rPr lang="en-GB" sz="1700" kern="1200" dirty="0">
+              <a:latin typeface="Arial Rounded MT Bold" panose="020F0704030504030204" pitchFamily="34" charset="0"/>
+            </a:rPr>
+            <a:t>Minimum 2 meetings pre cycle</a:t>
+          </a:r>
+          <a:endParaRPr lang="en-US" sz="1700" kern="1200" dirty="0">
+            <a:latin typeface="Arial Rounded MT Bold" panose="020F0704030504030204" pitchFamily="34" charset="0"/>
+          </a:endParaRPr>
+        </a:p>
+      </dsp:txBody>
+      <dsp:txXfrm>
+        <a:off x="5439131" y="2427788"/>
+        <a:ext cx="2072362" cy="720000"/>
+      </dsp:txXfrm>
+    </dsp:sp>
+    <dsp:sp modelId="{DAF16657-053A-430A-A47D-51305824B02B}">
+      <dsp:nvSpPr>
+        <dsp:cNvPr id="0" name=""/>
+        <dsp:cNvSpPr/>
+      </dsp:nvSpPr>
+      <dsp:spPr>
+        <a:xfrm>
+          <a:off x="8444057" y="1203549"/>
+          <a:ext cx="932563" cy="932563"/>
+        </a:xfrm>
+        <a:prstGeom prst="rect">
+          <a:avLst/>
+        </a:prstGeom>
+        <a:blipFill>
+          <a:blip xmlns:r="http://schemas.openxmlformats.org/officeDocument/2006/relationships" r:embed="rId7">
+            <a:extLst>
+              <a:ext uri="{28A0092B-C50C-407E-A947-70E740481C1C}">
+                <a14:useLocalDpi xmlns:a14="http://schemas.microsoft.com/office/drawing/2010/main" val="0"/>
+              </a:ext>
+              <a:ext uri="{96DAC541-7B7A-43D3-8B79-37D633B846F1}">
+                <asvg:svgBlip xmlns:asvg="http://schemas.microsoft.com/office/drawing/2016/SVG/main" r:embed="rId8"/>
+              </a:ext>
+            </a:extLst>
+          </a:blip>
+          <a:stretch>
+            <a:fillRect/>
+          </a:stretch>
+        </a:blipFill>
+        <a:ln w="12700" cap="flat" cmpd="sng" algn="ctr">
+          <a:solidFill>
+            <a:schemeClr val="lt1">
+              <a:hueOff val="0"/>
+              <a:satOff val="0"/>
+              <a:lumOff val="0"/>
+              <a:alphaOff val="0"/>
+            </a:schemeClr>
+          </a:solidFill>
+          <a:prstDash val="solid"/>
+          <a:miter lim="800000"/>
+        </a:ln>
+        <a:effectLst/>
+      </dsp:spPr>
+      <dsp:style>
+        <a:lnRef idx="2">
+          <a:scrgbClr r="0" g="0" b="0"/>
+        </a:lnRef>
+        <a:fillRef idx="1">
+          <a:scrgbClr r="0" g="0" b="0"/>
+        </a:fillRef>
+        <a:effectRef idx="0">
+          <a:scrgbClr r="0" g="0" b="0"/>
+        </a:effectRef>
+        <a:fontRef idx="minor">
+          <a:schemeClr val="lt1"/>
+        </a:fontRef>
+      </dsp:style>
+    </dsp:sp>
+    <dsp:sp modelId="{FA09135E-1E28-4EEB-8E4C-EF444F804A51}">
+      <dsp:nvSpPr>
+        <dsp:cNvPr id="0" name=""/>
+        <dsp:cNvSpPr/>
+      </dsp:nvSpPr>
+      <dsp:spPr>
+        <a:xfrm>
+          <a:off x="7874157" y="2427788"/>
+          <a:ext cx="2072362" cy="720000"/>
+        </a:xfrm>
+        <a:prstGeom prst="rect">
+          <a:avLst/>
+        </a:prstGeom>
+        <a:noFill/>
+        <a:ln>
+          <a:noFill/>
+        </a:ln>
+        <a:effectLst/>
+      </dsp:spPr>
+      <dsp:style>
+        <a:lnRef idx="0">
+          <a:scrgbClr r="0" g="0" b="0"/>
+        </a:lnRef>
+        <a:fillRef idx="0">
+          <a:scrgbClr r="0" g="0" b="0"/>
+        </a:fillRef>
+        <a:effectRef idx="0">
+          <a:scrgbClr r="0" g="0" b="0"/>
+        </a:effectRef>
+        <a:fontRef idx="minor"/>
+      </dsp:style>
+      <dsp:txBody>
+        <a:bodyPr spcFirstLastPara="0" vert="horz" wrap="square" lIns="0" tIns="0" rIns="0" bIns="0" numCol="1" spcCol="1270" anchor="t" anchorCtr="0">
+          <a:noAutofit/>
+        </a:bodyPr>
+        <a:lstStyle/>
+        <a:p>
+          <a:pPr marL="0" lvl="0" indent="0" algn="ctr" defTabSz="755650">
+            <a:lnSpc>
+              <a:spcPct val="100000"/>
+            </a:lnSpc>
+            <a:spcBef>
+              <a:spcPct val="0"/>
+            </a:spcBef>
+            <a:spcAft>
+              <a:spcPct val="35000"/>
+            </a:spcAft>
+            <a:buNone/>
+          </a:pPr>
+          <a:r>
+            <a:rPr lang="en-GB" sz="1700" kern="1200">
+              <a:latin typeface="Arial Rounded MT Bold" panose="020F0704030504030204" pitchFamily="34" charset="0"/>
+            </a:rPr>
+            <a:t>Sub task distributed Fairly</a:t>
+          </a:r>
+          <a:endParaRPr lang="en-US" sz="1700" kern="1200">
+            <a:latin typeface="Arial Rounded MT Bold" panose="020F0704030504030204" pitchFamily="34" charset="0"/>
+          </a:endParaRPr>
+        </a:p>
+      </dsp:txBody>
+      <dsp:txXfrm>
+        <a:off x="7874157" y="2427788"/>
+        <a:ext cx="2072362" cy="720000"/>
+      </dsp:txXfrm>
+    </dsp:sp>
+  </dsp:spTree>
+</dsp:drawing>
+</file>
+
+<file path=ppt/diagrams/layout1.xml><?xml version="1.0" encoding="utf-8"?>
+<dgm:layoutDef xmlns:dgm="http://schemas.openxmlformats.org/drawingml/2006/diagram" xmlns:a="http://schemas.openxmlformats.org/drawingml/2006/main" uniqueId="urn:microsoft.com/office/officeart/2018/2/layout/IconLabelList">
+  <dgm:title val="Icon Label List"/>
+  <dgm:desc val="Use to show non-sequential or grouped chunks of information accompanied by a related visuals. Works best with icons or small pictures with short text captions."/>
+  <dgm:catLst>
+    <dgm:cat type="icon" pri="500"/>
+  </dgm:catLst>
+  <dgm:sampData useDef="1">
+    <dgm:dataModel>
+      <dgm:ptLst/>
+      <dgm:bg/>
+      <dgm:whole/>
+    </dgm:dataModel>
+  </dgm:sampData>
+  <dgm:styleData useDef="1">
+    <dgm:dataModel>
+      <dgm:ptLst/>
+      <dgm:bg/>
+      <dgm:whole/>
+    </dgm:dataModel>
+  </dgm:styleData>
+  <dgm:clrData useDef="1">
+    <dgm:dataModel>
+      <dgm:ptLst/>
+      <dgm:bg/>
+      <dgm:whole/>
+    </dgm:dataModel>
+  </dgm:clrData>
+  <dgm:layoutNode name="root">
+    <dgm:varLst>
+      <dgm:dir/>
+      <dgm:resizeHandles val="exact"/>
+    </dgm:varLst>
+    <dgm:choose name="Name0">
+      <dgm:if name="Name1" axis="self" func="var" arg="dir" op="equ" val="norm">
+        <dgm:alg type="snake">
+          <dgm:param type="grDir" val="tL"/>
+          <dgm:param type="flowDir" val="row"/>
+          <dgm:param type="contDir" val="sameDir"/>
+          <dgm:param type="off" val="ctr"/>
+          <dgm:param type="vertAlign" val="mid"/>
+          <dgm:param type="horzAlign" val="ctr"/>
+        </dgm:alg>
+      </dgm:if>
+      <dgm:else name="Name2">
+        <dgm:alg type="snake">
+          <dgm:param type="grDir" val="tR"/>
+          <dgm:param type="flowDir" val="row"/>
+          <dgm:param type="contDir" val="sameDir"/>
+          <dgm:param type="off" val="ctr"/>
+          <dgm:param type="vertAlign" val="mid"/>
+          <dgm:param type="horzAlign" val="ctr"/>
+        </dgm:alg>
+      </dgm:else>
+    </dgm:choose>
+    <dgm:shape xmlns:r="http://schemas.openxmlformats.org/officeDocument/2006/relationships" r:blip="">
+      <dgm:adjLst/>
+    </dgm:shape>
+    <dgm:presOf/>
+    <dgm:choose name="Name3">
+      <dgm:if name="Name4" axis="ch" ptType="node" func="cnt" op="lte" val="2">
+        <dgm:constrLst>
+          <dgm:constr type="h" for="ch" forName="compNode" refType="h" fact="0.4"/>
+          <dgm:constr type="w" for="ch" forName="compNode" val="120"/>
+          <dgm:constr type="w" for="ch" forName="sibTrans" refType="w" refFor="ch" refForName="compNode" fact="0.175"/>
+          <dgm:constr type="sp" refType="w" refFor="ch" refForName="compNode" op="equ" fact="0.25"/>
+          <dgm:constr type="primFontSz" for="des" ptType="node" op="equ" val="50"/>
+          <dgm:constr type="h" for="des" forName="compNode" op="equ"/>
+          <dgm:constr type="h" for="des" forName="textRect" op="equ"/>
+        </dgm:constrLst>
+      </dgm:if>
+      <dgm:if name="Name5" axis="ch" ptType="node" func="cnt" op="lte" val="4">
+        <dgm:constrLst>
+          <dgm:constr type="h" for="ch" forName="compNode" refType="h" fact="0.4"/>
+          <dgm:constr type="w" for="ch" forName="compNode" refType="w"/>
+          <dgm:constr type="w" for="ch" forName="sibTrans" refType="w" refFor="ch" refForName="compNode" fact="0.175"/>
+          <dgm:constr type="sp" refType="w" refFor="ch" refForName="compNode" op="equ" fact="0.25"/>
+          <dgm:constr type="primFontSz" for="des" ptType="node" op="equ" val="36"/>
+          <dgm:constr type="h" for="des" forName="compNode" op="equ"/>
+          <dgm:constr type="h" for="des" forName="textRect" op="equ"/>
+        </dgm:constrLst>
+      </dgm:if>
+      <dgm:else name="Name6">
+        <dgm:constrLst>
+          <dgm:constr type="h" for="ch" forName="compNode" refType="h" fact="0.4"/>
+          <dgm:constr type="w" for="ch" forName="compNode" refType="w"/>
+          <dgm:constr type="w" for="ch" forName="sibTrans" refType="w" refFor="ch" refForName="compNode" fact="0.175"/>
+          <dgm:constr type="sp" refType="w" refFor="ch" refForName="compNode" op="equ" fact="0.25"/>
+          <dgm:constr type="primFontSz" for="des" ptType="node" op="equ" val="24"/>
+          <dgm:constr type="h" for="des" forName="compNode" op="equ"/>
+          <dgm:constr type="h" for="des" forName="textRect" op="equ"/>
+        </dgm:constrLst>
+      </dgm:else>
+    </dgm:choose>
+    <dgm:ruleLst>
+      <dgm:rule type="w" for="ch" forName="compNode" val="50" fact="NaN" max="NaN"/>
+    </dgm:ruleLst>
+    <dgm:forEach name="Name7" axis="ch" ptType="node">
+      <dgm:layoutNode name="compNode">
+        <dgm:alg type="composite"/>
+        <dgm:shape xmlns:r="http://schemas.openxmlformats.org/officeDocument/2006/relationships" r:blip="">
+          <dgm:adjLst/>
+        </dgm:shape>
+        <dgm:presOf axis="self"/>
+        <dgm:constrLst>
+          <dgm:constr type="w" for="ch" forName="iconRect" refType="w" fact="0.45"/>
+          <dgm:constr type="h" for="ch" forName="iconRect" refType="w" refFor="ch" refForName="iconRect"/>
+          <dgm:constr type="ctrX" for="ch" forName="iconRect" refType="w" fact="0.5"/>
+          <dgm:constr type="t" for="ch" forName="iconRect"/>
+          <dgm:constr type="h" for="ch" forName="spaceRect" refType="h" fact="0.15"/>
+          <dgm:constr type="w" for="ch" forName="spaceRect" refType="w"/>
+          <dgm:constr type="l" for="ch" forName="spaceRect"/>
+          <dgm:constr type="t" for="ch" forName="spaceRect" refType="b" refFor="ch" refForName="iconRect"/>
+          <dgm:constr type="h" for="ch" forName="textRect" val="20"/>
+          <dgm:constr type="w" for="ch" forName="textRect" refType="w"/>
+          <dgm:constr type="l" for="ch" forName="textRect"/>
+          <dgm:constr type="t" for="ch" forName="textRect" refType="b" refFor="ch" refForName="spaceRect"/>
+        </dgm:constrLst>
+        <dgm:ruleLst>
+          <dgm:rule type="h" val="INF" fact="NaN" max="NaN"/>
+        </dgm:ruleLst>
+        <dgm:layoutNode name="iconRect" styleLbl="node1">
+          <dgm:alg type="sp"/>
+          <dgm:shape xmlns:r="http://schemas.openxmlformats.org/officeDocument/2006/relationships" type="rect" r:blip="" blipPhldr="1">
+            <dgm:adjLst/>
+          </dgm:shape>
+          <dgm:presOf/>
+          <dgm:constrLst/>
+          <dgm:ruleLst/>
+        </dgm:layoutNode>
+        <dgm:layoutNode name="spaceRect">
+          <dgm:alg type="sp"/>
+          <dgm:shape xmlns:r="http://schemas.openxmlformats.org/officeDocument/2006/relationships" r:blip="">
+            <dgm:adjLst/>
+          </dgm:shape>
+          <dgm:presOf/>
+          <dgm:constrLst/>
+          <dgm:ruleLst/>
+        </dgm:layoutNode>
+        <dgm:layoutNode name="textRect" styleLbl="revTx">
+          <dgm:varLst>
+            <dgm:chMax val="1"/>
+            <dgm:chPref val="1"/>
+          </dgm:varLst>
+          <dgm:alg type="tx">
+            <dgm:param type="txAnchorVert" val="t"/>
+          </dgm:alg>
+          <dgm:shape xmlns:r="http://schemas.openxmlformats.org/officeDocument/2006/relationships" type="rect" r:blip="">
+            <dgm:adjLst/>
+          </dgm:shape>
+          <dgm:presOf axis="self" ptType="node"/>
+          <dgm:constrLst>
+            <dgm:constr type="lMarg"/>
+            <dgm:constr type="rMarg"/>
+            <dgm:constr type="tMarg"/>
+            <dgm:constr type="bMarg"/>
+          </dgm:constrLst>
+          <dgm:ruleLst>
+            <dgm:rule type="primFontSz" val="11" fact="NaN" max="NaN"/>
+            <dgm:rule type="h" val="INF" fact="NaN" max="NaN"/>
+          </dgm:ruleLst>
+        </dgm:layoutNode>
+      </dgm:layoutNode>
+      <dgm:forEach name="Name8" axis="followSib" ptType="sibTrans" cnt="1">
+        <dgm:layoutNode name="sibTrans">
+          <dgm:alg type="sp"/>
+          <dgm:shape xmlns:r="http://schemas.openxmlformats.org/officeDocument/2006/relationships" r:blip="">
+            <dgm:adjLst/>
+          </dgm:shape>
+          <dgm:presOf axis="self"/>
+          <dgm:constrLst/>
+          <dgm:ruleLst/>
+        </dgm:layoutNode>
+      </dgm:forEach>
+    </dgm:forEach>
+  </dgm:layoutNode>
+  <dgm:extLst>
+    <a:ext uri="{68A01E43-0DF5-4B5B-8FA6-DAF915123BFB}">
+      <dgm1612:lstStyle xmlns:dgm1612="http://schemas.microsoft.com/office/drawing/2016/12/diagram">
+        <a:lvl1pPr>
+          <a:lnSpc>
+            <a:spcPct val="100000"/>
+          </a:lnSpc>
+        </a:lvl1pPr>
+      </dgm1612:lstStyle>
+    </a:ext>
+  </dgm:extLst>
+</dgm:layoutDef>
+</file>
+
+<file path=ppt/diagrams/quickStyle1.xml><?xml version="1.0" encoding="utf-8"?>
+<dgm:styleDef xmlns:dgm="http://schemas.openxmlformats.org/drawingml/2006/diagram" xmlns:a="http://schemas.openxmlformats.org/drawingml/2006/main" uniqueId="urn:microsoft.com/office/officeart/2005/8/quickstyle/simple1">
+  <dgm:title val=""/>
+  <dgm:desc val=""/>
+  <dgm:catLst>
+    <dgm:cat type="simple" pri="10100"/>
+  </dgm:catLst>
+  <dgm:scene3d>
+    <a:camera prst="orthographicFront"/>
+    <a:lightRig rig="threePt" dir="t"/>
+  </dgm:scene3d>
+  <dgm:styleLbl name="node0">
+    <dgm:scene3d>
+      <a:camera prst="orthographicFront"/>
+      <a:lightRig rig="threePt" dir="t"/>
+    </dgm:scene3d>
+    <dgm:sp3d/>
+    <dgm:txPr/>
+    <dgm:style>
+      <a:lnRef idx="2">
+        <a:scrgbClr r="0" g="0" b="0"/>
+      </a:lnRef>
+      <a:fillRef idx="1">
+        <a:scrgbClr r="0" g="0" b="0"/>
+      </a:fillRef>
+      <a:effectRef idx="0">
+        <a:scrgbClr r="0" g="0" b="0"/>
+      </a:effectRef>
+      <a:fontRef idx="minor">
+        <a:schemeClr val="lt1"/>
+      </a:fontRef>
+    </dgm:style>
+  </dgm:styleLbl>
+  <dgm:styleLbl name="lnNode1">
+    <dgm:scene3d>
+      <a:camera prst="orthographicFront"/>
+      <a:lightRig rig="threePt" dir="t"/>
+    </dgm:scene3d>
+    <dgm:sp3d/>
+    <dgm:txPr/>
+    <dgm:style>
+      <a:lnRef idx="2">
+        <a:scrgbClr r="0" g="0" b="0"/>
+      </a:lnRef>
+      <a:fillRef idx="1">
+        <a:scrgbClr r="0" g="0" b="0"/>
+      </a:fillRef>
+      <a:effectRef idx="0">
+        <a:scrgbClr r="0" g="0" b="0"/>
+      </a:effectRef>
+      <a:fontRef idx="minor">
+        <a:schemeClr val="lt1"/>
+      </a:fontRef>
+    </dgm:style>
+  </dgm:styleLbl>
+  <dgm:styleLbl name="vennNode1">
+    <dgm:scene3d>
+      <a:camera prst="orthographicFront"/>
+      <a:lightRig rig="threePt" dir="t"/>
+    </dgm:scene3d>
+    <dgm:sp3d/>
+    <dgm:txPr/>
+    <dgm:style>
+      <a:lnRef idx="2">
+        <a:scrgbClr r="0" g="0" b="0"/>
+      </a:lnRef>
+      <a:fillRef idx="1">
+        <a:scrgbClr r="0" g="0" b="0"/>
+      </a:fillRef>
+      <a:effectRef idx="0">
+        <a:scrgbClr r="0" g="0" b="0"/>
+      </a:effectRef>
+      <a:fontRef idx="minor">
+        <a:schemeClr val="tx1"/>
+      </a:fontRef>
+    </dgm:style>
+  </dgm:styleLbl>
+  <dgm:styleLbl name="alignNode1">
+    <dgm:scene3d>
+      <a:camera prst="orthographicFront"/>
+      <a:lightRig rig="threePt" dir="t"/>
+    </dgm:scene3d>
+    <dgm:sp3d/>
+    <dgm:txPr/>
+    <dgm:style>
+      <a:lnRef idx="2">
+        <a:scrgbClr r="0" g="0" b="0"/>
+      </a:lnRef>
+      <a:fillRef idx="1">
+        <a:scrgbClr r="0" g="0" b="0"/>
+      </a:fillRef>
+      <a:effectRef idx="0">
+        <a:scrgbClr r="0" g="0" b="0"/>
+      </a:effectRef>
+      <a:fontRef idx="minor">
+        <a:schemeClr val="lt1"/>
+      </a:fontRef>
+    </dgm:style>
+  </dgm:styleLbl>
+  <dgm:styleLbl name="node1">
+    <dgm:scene3d>
+      <a:camera prst="orthographicFront"/>
+      <a:lightRig rig="threePt" dir="t"/>
+    </dgm:scene3d>
+    <dgm:sp3d/>
+    <dgm:txPr/>
+    <dgm:style>
+      <a:lnRef idx="2">
+        <a:scrgbClr r="0" g="0" b="0"/>
+      </a:lnRef>
+      <a:fillRef idx="1">
+        <a:scrgbClr r="0" g="0" b="0"/>
+      </a:fillRef>
+      <a:effectRef idx="0">
+        <a:scrgbClr r="0" g="0" b="0"/>
+      </a:effectRef>
+      <a:fontRef idx="minor">
+        <a:schemeClr val="lt1"/>
+      </a:fontRef>
+    </dgm:style>
+  </dgm:styleLbl>
+  <dgm:styleLbl name="node2">
+    <dgm:scene3d>
+      <a:camera prst="orthographicFront"/>
+      <a:lightRig rig="threePt" dir="t"/>
+    </dgm:scene3d>
+    <dgm:sp3d/>
+    <dgm:txPr/>
+    <dgm:style>
+      <a:lnRef idx="2">
+        <a:scrgbClr r="0" g="0" b="0"/>
+      </a:lnRef>
+      <a:fillRef idx="1">
+        <a:scrgbClr r="0" g="0" b="0"/>
+      </a:fillRef>
+      <a:effectRef idx="0">
+        <a:scrgbClr r="0" g="0" b="0"/>
+      </a:effectRef>
+      <a:fontRef idx="minor">
+        <a:schemeClr val="lt1"/>
+      </a:fontRef>
+    </dgm:style>
+  </dgm:styleLbl>
+  <dgm:styleLbl name="node3">
+    <dgm:scene3d>
+      <a:camera prst="orthographicFront"/>
+      <a:lightRig rig="threePt" dir="t"/>
+    </dgm:scene3d>
+    <dgm:sp3d/>
+    <dgm:txPr/>
+    <dgm:style>
+      <a:lnRef idx="2">
+        <a:scrgbClr r="0" g="0" b="0"/>
+      </a:lnRef>
+      <a:fillRef idx="1">
+        <a:scrgbClr r="0" g="0" b="0"/>
+      </a:fillRef>
+      <a:effectRef idx="0">
+        <a:scrgbClr r="0" g="0" b="0"/>
+      </a:effectRef>
+      <a:fontRef idx="minor">
+        <a:schemeClr val="lt1"/>
+      </a:fontRef>
+    </dgm:style>
+  </dgm:styleLbl>
+  <dgm:styleLbl name="node4">
+    <dgm:scene3d>
+      <a:camera prst="orthographicFront"/>
+      <a:lightRig rig="threePt" dir="t"/>
+    </dgm:scene3d>
+    <dgm:sp3d/>
+    <dgm:txPr/>
+    <dgm:style>
+      <a:lnRef idx="2">
+        <a:scrgbClr r="0" g="0" b="0"/>
+      </a:lnRef>
+      <a:fillRef idx="1">
+        <a:scrgbClr r="0" g="0" b="0"/>
+      </a:fillRef>
+      <a:effectRef idx="0">
+        <a:scrgbClr r="0" g="0" b="0"/>
+      </a:effectRef>
+      <a:fontRef idx="minor">
+        <a:schemeClr val="lt1"/>
+      </a:fontRef>
+    </dgm:style>
+  </dgm:styleLbl>
+  <dgm:styleLbl name="fgImgPlace1">
+    <dgm:scene3d>
+      <a:camera prst="orthographicFront"/>
+      <a:lightRig rig="threePt" dir="t"/>
+    </dgm:scene3d>
+    <dgm:sp3d/>
+    <dgm:txPr/>
+    <dgm:style>
+      <a:lnRef idx="2">
+        <a:scrgbClr r="0" g="0" b="0"/>
+      </a:lnRef>
+      <a:fillRef idx="1">
+        <a:scrgbClr r="0" g="0" b="0"/>
+      </a:fillRef>
+      <a:effectRef idx="0">
+        <a:scrgbClr r="0" g="0" b="0"/>
+      </a:effectRef>
+      <a:fontRef idx="minor"/>
+    </dgm:style>
+  </dgm:styleLbl>
+  <dgm:styleLbl name="alignImgPlace1">
+    <dgm:scene3d>
+      <a:camera prst="orthographicFront"/>
+      <a:lightRig rig="threePt" dir="t"/>
+    </dgm:scene3d>
+    <dgm:sp3d/>
+    <dgm:txPr/>
+    <dgm:style>
+      <a:lnRef idx="2">
+        <a:scrgbClr r="0" g="0" b="0"/>
+      </a:lnRef>
+      <a:fillRef idx="1">
+        <a:scrgbClr r="0" g="0" b="0"/>
+      </a:fillRef>
+      <a:effectRef idx="0">
+        <a:scrgbClr r="0" g="0" b="0"/>
+      </a:effectRef>
+      <a:fontRef idx="minor"/>
+    </dgm:style>
+  </dgm:styleLbl>
+  <dgm:styleLbl name="bgImgPlace1">
+    <dgm:scene3d>
+      <a:camera prst="orthographicFront"/>
+      <a:lightRig rig="threePt" dir="t"/>
+    </dgm:scene3d>
+    <dgm:sp3d/>
+    <dgm:txPr/>
+    <dgm:style>
+      <a:lnRef idx="2">
+        <a:scrgbClr r="0" g="0" b="0"/>
+      </a:lnRef>
+      <a:fillRef idx="1">
+        <a:scrgbClr r="0" g="0" b="0"/>
+      </a:fillRef>
+      <a:effectRef idx="0">
+        <a:scrgbClr r="0" g="0" b="0"/>
+      </a:effectRef>
+      <a:fontRef idx="minor"/>
+    </dgm:style>
+  </dgm:styleLbl>
+  <dgm:styleLbl name="sibTrans2D1">
+    <dgm:scene3d>
+      <a:camera prst="orthographicFront"/>
+      <a:lightRig rig="threePt" dir="t"/>
+    </dgm:scene3d>
+    <dgm:sp3d/>
+    <dgm:txPr/>
+    <dgm:style>
+      <a:lnRef idx="0">
+        <a:scrgbClr r="0" g="0" b="0"/>
+      </a:lnRef>
+      <a:fillRef idx="1">
+        <a:scrgbClr r="0" g="0" b="0"/>
+      </a:fillRef>
+      <a:effectRef idx="0">
+        <a:scrgbClr r="0" g="0" b="0"/>
+      </a:effectRef>
+      <a:fontRef idx="minor">
+        <a:schemeClr val="lt1"/>
+      </a:fontRef>
+    </dgm:style>
+  </dgm:styleLbl>
+  <dgm:styleLbl name="fgSibTrans2D1">
+    <dgm:scene3d>
+      <a:camera prst="orthographicFront"/>
+      <a:lightRig rig="threePt" dir="t"/>
+    </dgm:scene3d>
+    <dgm:sp3d/>
+    <dgm:txPr/>
+    <dgm:style>
+      <a:lnRef idx="0">
+        <a:scrgbClr r="0" g="0" b="0"/>
+      </a:lnRef>
+      <a:fillRef idx="1">
+        <a:scrgbClr r="0" g="0" b="0"/>
+      </a:fillRef>
+      <a:effectRef idx="0">
+        <a:scrgbClr r="0" g="0" b="0"/>
+      </a:effectRef>
+      <a:fontRef idx="minor">
+        <a:schemeClr val="lt1"/>
+      </a:fontRef>
+    </dgm:style>
+  </dgm:styleLbl>
+  <dgm:styleLbl name="bgSibTrans2D1">
+    <dgm:scene3d>
+      <a:camera prst="orthographicFront"/>
+      <a:lightRig rig="threePt" dir="t"/>
+    </dgm:scene3d>
+    <dgm:sp3d/>
+    <dgm:txPr/>
+    <dgm:style>
+      <a:lnRef idx="0">
+        <a:scrgbClr r="0" g="0" b="0"/>
+      </a:lnRef>
+      <a:fillRef idx="1">
+        <a:scrgbClr r="0" g="0" b="0"/>
+      </a:fillRef>
+      <a:effectRef idx="0">
+        <a:scrgbClr r="0" g="0" b="0"/>
+      </a:effectRef>
+      <a:fontRef idx="minor">
+        <a:schemeClr val="lt1"/>
+      </a:fontRef>
+    </dgm:style>
+  </dgm:styleLbl>
+  <dgm:styleLbl name="sibTrans1D1">
+    <dgm:scene3d>
+      <a:camera prst="orthographicFront"/>
+      <a:lightRig rig="threePt" dir="t"/>
+    </dgm:scene3d>
+    <dgm:sp3d/>
+    <dgm:txPr/>
+    <dgm:style>
+      <a:lnRef idx="1">
+        <a:scrgbClr r="0" g="0" b="0"/>
+      </a:lnRef>
+      <a:fillRef idx="0">
+        <a:scrgbClr r="0" g="0" b="0"/>
+      </a:fillRef>
+      <a:effectRef idx="0">
+        <a:scrgbClr r="0" g="0" b="0"/>
+      </a:effectRef>
+      <a:fontRef idx="minor"/>
+    </dgm:style>
+  </dgm:styleLbl>
+  <dgm:styleLbl name="callout">
+    <dgm:scene3d>
+      <a:camera prst="orthographicFront"/>
+      <a:lightRig rig="threePt" dir="t"/>
+    </dgm:scene3d>
+    <dgm:sp3d/>
+    <dgm:txPr/>
+    <dgm:style>
+      <a:lnRef idx="2">
+        <a:scrgbClr r="0" g="0" b="0"/>
+      </a:lnRef>
+      <a:fillRef idx="1">
+        <a:scrgbClr r="0" g="0" b="0"/>
+      </a:fillRef>
+      <a:effectRef idx="0">
+        <a:scrgbClr r="0" g="0" b="0"/>
+      </a:effectRef>
+      <a:fontRef idx="minor"/>
+    </dgm:style>
+  </dgm:styleLbl>
+  <dgm:styleLbl name="asst0">
+    <dgm:scene3d>
+      <a:camera prst="orthographicFront"/>
+      <a:lightRig rig="threePt" dir="t"/>
+    </dgm:scene3d>
+    <dgm:sp3d/>
+    <dgm:txPr/>
+    <dgm:style>
+      <a:lnRef idx="2">
+        <a:scrgbClr r="0" g="0" b="0"/>
+      </a:lnRef>
+      <a:fillRef idx="1">
+        <a:scrgbClr r="0" g="0" b="0"/>
+      </a:fillRef>
+      <a:effectRef idx="0">
+        <a:scrgbClr r="0" g="0" b="0"/>
+      </a:effectRef>
+      <a:fontRef idx="minor">
+        <a:schemeClr val="lt1"/>
+      </a:fontRef>
+    </dgm:style>
+  </dgm:styleLbl>
+  <dgm:styleLbl name="asst1">
+    <dgm:scene3d>
+      <a:camera prst="orthographicFront"/>
+      <a:lightRig rig="threePt" dir="t"/>
+    </dgm:scene3d>
+    <dgm:sp3d/>
+    <dgm:txPr/>
+    <dgm:style>
+      <a:lnRef idx="2">
+        <a:scrgbClr r="0" g="0" b="0"/>
+      </a:lnRef>
+      <a:fillRef idx="1">
+        <a:scrgbClr r="0" g="0" b="0"/>
+      </a:fillRef>
+      <a:effectRef idx="0">
+        <a:scrgbClr r="0" g="0" b="0"/>
+      </a:effectRef>
+      <a:fontRef idx="minor">
+        <a:schemeClr val="lt1"/>
+      </a:fontRef>
+    </dgm:style>
+  </dgm:styleLbl>
+  <dgm:styleLbl name="asst2">
+    <dgm:scene3d>
+      <a:camera prst="orthographicFront"/>
+      <a:lightRig rig="threePt" dir="t"/>
+    </dgm:scene3d>
+    <dgm:sp3d/>
+    <dgm:txPr/>
+    <dgm:style>
+      <a:lnRef idx="2">
+        <a:scrgbClr r="0" g="0" b="0"/>
+      </a:lnRef>
+      <a:fillRef idx="1">
+        <a:scrgbClr r="0" g="0" b="0"/>
+      </a:fillRef>
+      <a:effectRef idx="0">
+        <a:scrgbClr r="0" g="0" b="0"/>
+      </a:effectRef>
+      <a:fontRef idx="minor">
+        <a:schemeClr val="lt1"/>
+      </a:fontRef>
+    </dgm:style>
+  </dgm:styleLbl>
+  <dgm:styleLbl name="asst3">
+    <dgm:scene3d>
+      <a:camera prst="orthographicFront"/>
+      <a:lightRig rig="threePt" dir="t"/>
+    </dgm:scene3d>
+    <dgm:sp3d/>
+    <dgm:txPr/>
+    <dgm:style>
+      <a:lnRef idx="2">
+        <a:scrgbClr r="0" g="0" b="0"/>
+      </a:lnRef>
+      <a:fillRef idx="1">
+        <a:scrgbClr r="0" g="0" b="0"/>
+      </a:fillRef>
+      <a:effectRef idx="0">
+        <a:scrgbClr r="0" g="0" b="0"/>
+      </a:effectRef>
+      <a:fontRef idx="minor">
+        <a:schemeClr val="lt1"/>
+      </a:fontRef>
+    </dgm:style>
+  </dgm:styleLbl>
+  <dgm:styleLbl name="asst4">
+    <dgm:scene3d>
+      <a:camera prst="orthographicFront"/>
+      <a:lightRig rig="threePt" dir="t"/>
+    </dgm:scene3d>
+    <dgm:sp3d/>
+    <dgm:txPr/>
+    <dgm:style>
+      <a:lnRef idx="2">
+        <a:scrgbClr r="0" g="0" b="0"/>
+      </a:lnRef>
+      <a:fillRef idx="1">
+        <a:scrgbClr r="0" g="0" b="0"/>
+      </a:fillRef>
+      <a:effectRef idx="0">
+        <a:scrgbClr r="0" g="0" b="0"/>
+      </a:effectRef>
+      <a:fontRef idx="minor">
+        <a:schemeClr val="lt1"/>
+      </a:fontRef>
+    </dgm:style>
+  </dgm:styleLbl>
+  <dgm:styleLbl name="parChTrans2D1">
+    <dgm:scene3d>
+      <a:camera prst="orthographicFront"/>
+      <a:lightRig rig="threePt" dir="t"/>
+    </dgm:scene3d>
+    <dgm:sp3d/>
+    <dgm:txPr/>
+    <dgm:style>
+      <a:lnRef idx="2">
+        <a:scrgbClr r="0" g="0" b="0"/>
+      </a:lnRef>
+      <a:fillRef idx="1">
+        <a:scrgbClr r="0" g="0" b="0"/>
+      </a:fillRef>
+      <a:effectRef idx="0">
+        <a:scrgbClr r="0" g="0" b="0"/>
+      </a:effectRef>
+      <a:fontRef idx="minor">
+        <a:schemeClr val="lt1"/>
+      </a:fontRef>
+    </dgm:style>
+  </dgm:styleLbl>
+  <dgm:styleLbl name="parChTrans2D2">
+    <dgm:scene3d>
+      <a:camera prst="orthographicFront"/>
+      <a:lightRig rig="threePt" dir="t"/>
+    </dgm:scene3d>
+    <dgm:sp3d/>
+    <dgm:txPr/>
+    <dgm:style>
+      <a:lnRef idx="2">
+        <a:scrgbClr r="0" g="0" b="0"/>
+      </a:lnRef>
+      <a:fillRef idx="1">
+        <a:scrgbClr r="0" g="0" b="0"/>
+      </a:fillRef>
+      <a:effectRef idx="0">
+        <a:scrgbClr r="0" g="0" b="0"/>
+      </a:effectRef>
+      <a:fontRef idx="minor">
+        <a:schemeClr val="lt1"/>
+      </a:fontRef>
+    </dgm:style>
+  </dgm:styleLbl>
+  <dgm:styleLbl name="parChTrans2D3">
+    <dgm:scene3d>
+      <a:camera prst="orthographicFront"/>
+      <a:lightRig rig="threePt" dir="t"/>
+    </dgm:scene3d>
+    <dgm:sp3d/>
+    <dgm:txPr/>
+    <dgm:style>
+      <a:lnRef idx="2">
+        <a:scrgbClr r="0" g="0" b="0"/>
+      </a:lnRef>
+      <a:fillRef idx="1">
+        <a:scrgbClr r="0" g="0" b="0"/>
+      </a:fillRef>
+      <a:effectRef idx="0">
+        <a:scrgbClr r="0" g="0" b="0"/>
+      </a:effectRef>
+      <a:fontRef idx="minor">
+        <a:schemeClr val="lt1"/>
+      </a:fontRef>
+    </dgm:style>
+  </dgm:styleLbl>
+  <dgm:styleLbl name="parChTrans2D4">
+    <dgm:scene3d>
+      <a:camera prst="orthographicFront"/>
+      <a:lightRig rig="threePt" dir="t"/>
+    </dgm:scene3d>
+    <dgm:sp3d/>
+    <dgm:txPr/>
+    <dgm:style>
+      <a:lnRef idx="2">
+        <a:scrgbClr r="0" g="0" b="0"/>
+      </a:lnRef>
+      <a:fillRef idx="1">
+        <a:scrgbClr r="0" g="0" b="0"/>
+      </a:fillRef>
+      <a:effectRef idx="0">
+        <a:scrgbClr r="0" g="0" b="0"/>
+      </a:effectRef>
+      <a:fontRef idx="minor">
+        <a:schemeClr val="lt1"/>
+      </a:fontRef>
+    </dgm:style>
+  </dgm:styleLbl>
+  <dgm:styleLbl name="parChTrans1D1">
+    <dgm:scene3d>
+      <a:camera prst="orthographicFront"/>
+      <a:lightRig rig="threePt" dir="t"/>
+    </dgm:scene3d>
+    <dgm:sp3d/>
+    <dgm:txPr/>
+    <dgm:style>
+      <a:lnRef idx="2">
+        <a:scrgbClr r="0" g="0" b="0"/>
+      </a:lnRef>
+      <a:fillRef idx="0">
+        <a:scrgbClr r="0" g="0" b="0"/>
+      </a:fillRef>
+      <a:effectRef idx="0">
+        <a:scrgbClr r="0" g="0" b="0"/>
+      </a:effectRef>
+      <a:fontRef idx="minor"/>
+    </dgm:style>
+  </dgm:styleLbl>
+  <dgm:styleLbl name="parChTrans1D2">
+    <dgm:scene3d>
+      <a:camera prst="orthographicFront"/>
+      <a:lightRig rig="threePt" dir="t"/>
+    </dgm:scene3d>
+    <dgm:sp3d/>
+    <dgm:txPr/>
+    <dgm:style>
+      <a:lnRef idx="2">
+        <a:scrgbClr r="0" g="0" b="0"/>
+      </a:lnRef>
+      <a:fillRef idx="0">
+        <a:scrgbClr r="0" g="0" b="0"/>
+      </a:fillRef>
+      <a:effectRef idx="0">
+        <a:scrgbClr r="0" g="0" b="0"/>
+      </a:effectRef>
+      <a:fontRef idx="minor"/>
+    </dgm:style>
+  </dgm:styleLbl>
+  <dgm:styleLbl name="parChTrans1D3">
+    <dgm:scene3d>
+      <a:camera prst="orthographicFront"/>
+      <a:lightRig rig="threePt" dir="t"/>
+    </dgm:scene3d>
+    <dgm:sp3d/>
+    <dgm:txPr/>
+    <dgm:style>
+      <a:lnRef idx="2">
+        <a:scrgbClr r="0" g="0" b="0"/>
+      </a:lnRef>
+      <a:fillRef idx="0">
+        <a:scrgbClr r="0" g="0" b="0"/>
+      </a:fillRef>
+      <a:effectRef idx="0">
+        <a:scrgbClr r="0" g="0" b="0"/>
+      </a:effectRef>
+      <a:fontRef idx="minor"/>
+    </dgm:style>
+  </dgm:styleLbl>
+  <dgm:styleLbl name="parChTrans1D4">
+    <dgm:scene3d>
+      <a:camera prst="orthographicFront"/>
+      <a:lightRig rig="threePt" dir="t"/>
+    </dgm:scene3d>
+    <dgm:sp3d/>
+    <dgm:txPr/>
+    <dgm:style>
+      <a:lnRef idx="2">
+        <a:scrgbClr r="0" g="0" b="0"/>
+      </a:lnRef>
+      <a:fillRef idx="0">
+        <a:scrgbClr r="0" g="0" b="0"/>
+      </a:fillRef>
+      <a:effectRef idx="0">
+        <a:scrgbClr r="0" g="0" b="0"/>
+      </a:effectRef>
+      <a:fontRef idx="minor"/>
+    </dgm:style>
+  </dgm:styleLbl>
+  <dgm:styleLbl name="fgAcc1">
+    <dgm:scene3d>
+      <a:camera prst="orthographicFront"/>
+      <a:lightRig rig="threePt" dir="t"/>
+    </dgm:scene3d>
+    <dgm:sp3d/>
+    <dgm:txPr/>
+    <dgm:style>
+      <a:lnRef idx="2">
+        <a:scrgbClr r="0" g="0" b="0"/>
+      </a:lnRef>
+      <a:fillRef idx="1">
+        <a:scrgbClr r="0" g="0" b="0"/>
+      </a:fillRef>
+      <a:effectRef idx="0">
+        <a:scrgbClr r="0" g="0" b="0"/>
+      </a:effectRef>
+      <a:fontRef idx="minor"/>
+    </dgm:style>
+  </dgm:styleLbl>
+  <dgm:styleLbl name="conFgAcc1">
+    <dgm:scene3d>
+      <a:camera prst="orthographicFront"/>
+      <a:lightRig rig="threePt" dir="t"/>
+    </dgm:scene3d>
+    <dgm:sp3d/>
+    <dgm:txPr/>
+    <dgm:style>
+      <a:lnRef idx="2">
+        <a:scrgbClr r="0" g="0" b="0"/>
+      </a:lnRef>
+      <a:fillRef idx="1">
+        <a:scrgbClr r="0" g="0" b="0"/>
+      </a:fillRef>
+      <a:effectRef idx="0">
+        <a:scrgbClr r="0" g="0" b="0"/>
+      </a:effectRef>
+      <a:fontRef idx="minor"/>
+    </dgm:style>
+  </dgm:styleLbl>
+  <dgm:styleLbl name="alignAcc1">
+    <dgm:scene3d>
+      <a:camera prst="orthographicFront"/>
+      <a:lightRig rig="threePt" dir="t"/>
+    </dgm:scene3d>
+    <dgm:sp3d/>
+    <dgm:txPr/>
+    <dgm:style>
+      <a:lnRef idx="2">
+        <a:scrgbClr r="0" g="0" b="0"/>
+      </a:lnRef>
+      <a:fillRef idx="1">
+        <a:scrgbClr r="0" g="0" b="0"/>
+      </a:fillRef>
+      <a:effectRef idx="0">
+        <a:scrgbClr r="0" g="0" b="0"/>
+      </a:effectRef>
+      <a:fontRef idx="minor"/>
+    </dgm:style>
+  </dgm:styleLbl>
+  <dgm:styleLbl name="trAlignAcc1">
+    <dgm:scene3d>
+      <a:camera prst="orthographicFront"/>
+      <a:lightRig rig="threePt" dir="t"/>
+    </dgm:scene3d>
+    <dgm:sp3d/>
+    <dgm:txPr/>
+    <dgm:style>
+      <a:lnRef idx="1">
+        <a:scrgbClr r="0" g="0" b="0"/>
+      </a:lnRef>
+      <a:fillRef idx="1">
+        <a:scrgbClr r="0" g="0" b="0"/>
+      </a:fillRef>
+      <a:effectRef idx="0">
+        <a:scrgbClr r="0" g="0" b="0"/>
+      </a:effectRef>
+      <a:fontRef idx="minor"/>
+    </dgm:style>
+  </dgm:styleLbl>
+  <dgm:styleLbl name="bgAcc1">
+    <dgm:scene3d>
+      <a:camera prst="orthographicFront"/>
+      <a:lightRig rig="threePt" dir="t"/>
+    </dgm:scene3d>
+    <dgm:sp3d/>
+    <dgm:txPr/>
+    <dgm:style>
+      <a:lnRef idx="2">
+        <a:scrgbClr r="0" g="0" b="0"/>
+      </a:lnRef>
+      <a:fillRef idx="1">
+        <a:scrgbClr r="0" g="0" b="0"/>
+      </a:fillRef>
+      <a:effectRef idx="0">
+        <a:scrgbClr r="0" g="0" b="0"/>
+      </a:effectRef>
+      <a:fontRef idx="minor"/>
+    </dgm:style>
+  </dgm:styleLbl>
+  <dgm:styleLbl name="solidFgAcc1">
+    <dgm:scene3d>
+      <a:camera prst="orthographicFront"/>
+      <a:lightRig rig="threePt" dir="t"/>
+    </dgm:scene3d>
+    <dgm:sp3d/>
+    <dgm:txPr/>
+    <dgm:style>
+      <a:lnRef idx="2">
+        <a:scrgbClr r="0" g="0" b="0"/>
+      </a:lnRef>
+      <a:fillRef idx="1">
+        <a:scrgbClr r="0" g="0" b="0"/>
+      </a:fillRef>
+      <a:effectRef idx="0">
+        <a:scrgbClr r="0" g="0" b="0"/>
+      </a:effectRef>
+      <a:fontRef idx="minor"/>
+    </dgm:style>
+  </dgm:styleLbl>
+  <dgm:styleLbl name="solidAlignAcc1">
+    <dgm:scene3d>
+      <a:camera prst="orthographicFront"/>
+      <a:lightRig rig="threePt" dir="t"/>
+    </dgm:scene3d>
+    <dgm:sp3d/>
+    <dgm:txPr/>
+    <dgm:style>
+      <a:lnRef idx="2">
+        <a:scrgbClr r="0" g="0" b="0"/>
+      </a:lnRef>
+      <a:fillRef idx="1">
+        <a:scrgbClr r="0" g="0" b="0"/>
+      </a:fillRef>
+      <a:effectRef idx="0">
+        <a:scrgbClr r="0" g="0" b="0"/>
+      </a:effectRef>
+      <a:fontRef idx="minor"/>
+    </dgm:style>
+  </dgm:styleLbl>
+  <dgm:styleLbl name="solidBgAcc1">
+    <dgm:scene3d>
+      <a:camera prst="orthographicFront"/>
+      <a:lightRig rig="threePt" dir="t"/>
+    </dgm:scene3d>
+    <dgm:sp3d/>
+    <dgm:txPr/>
+    <dgm:style>
+      <a:lnRef idx="2">
+        <a:scrgbClr r="0" g="0" b="0"/>
+      </a:lnRef>
+      <a:fillRef idx="1">
+        <a:scrgbClr r="0" g="0" b="0"/>
+      </a:fillRef>
+      <a:effectRef idx="0">
+        <a:scrgbClr r="0" g="0" b="0"/>
+      </a:effectRef>
+      <a:fontRef idx="minor"/>
+    </dgm:style>
+  </dgm:styleLbl>
+  <dgm:styleLbl name="fgAccFollowNode1">
+    <dgm:scene3d>
+      <a:camera prst="orthographicFront"/>
+      <a:lightRig rig="threePt" dir="t"/>
+    </dgm:scene3d>
+    <dgm:sp3d/>
+    <dgm:txPr/>
+    <dgm:style>
+      <a:lnRef idx="2">
+        <a:scrgbClr r="0" g="0" b="0"/>
+      </a:lnRef>
+      <a:fillRef idx="1">
+        <a:scrgbClr r="0" g="0" b="0"/>
+      </a:fillRef>
+      <a:effectRef idx="0">
+        <a:scrgbClr r="0" g="0" b="0"/>
+      </a:effectRef>
+      <a:fontRef idx="minor"/>
+    </dgm:style>
+  </dgm:styleLbl>
+  <dgm:styleLbl name="alignAccFollowNode1">
+    <dgm:scene3d>
+      <a:camera prst="orthographicFront"/>
+      <a:lightRig rig="threePt" dir="t"/>
+    </dgm:scene3d>
+    <dgm:sp3d/>
+    <dgm:txPr/>
+    <dgm:style>
+      <a:lnRef idx="2">
+        <a:scrgbClr r="0" g="0" b="0"/>
+      </a:lnRef>
+      <a:fillRef idx="1">
+        <a:scrgbClr r="0" g="0" b="0"/>
+      </a:fillRef>
+      <a:effectRef idx="0">
+        <a:scrgbClr r="0" g="0" b="0"/>
+      </a:effectRef>
+      <a:fontRef idx="minor"/>
+    </dgm:style>
+  </dgm:styleLbl>
+  <dgm:styleLbl name="bgAccFollowNode1">
+    <dgm:scene3d>
+      <a:camera prst="orthographicFront"/>
+      <a:lightRig rig="threePt" dir="t"/>
+    </dgm:scene3d>
+    <dgm:sp3d/>
+    <dgm:txPr/>
+    <dgm:style>
+      <a:lnRef idx="2">
+        <a:scrgbClr r="0" g="0" b="0"/>
+      </a:lnRef>
+      <a:fillRef idx="1">
+        <a:scrgbClr r="0" g="0" b="0"/>
+      </a:fillRef>
+      <a:effectRef idx="0">
+        <a:scrgbClr r="0" g="0" b="0"/>
+      </a:effectRef>
+      <a:fontRef idx="minor"/>
+    </dgm:style>
+  </dgm:styleLbl>
+  <dgm:styleLbl name="fgAcc0">
+    <dgm:scene3d>
+      <a:camera prst="orthographicFront"/>
+      <a:lightRig rig="threePt" dir="t"/>
+    </dgm:scene3d>
+    <dgm:sp3d/>
+    <dgm:txPr/>
+    <dgm:style>
+      <a:lnRef idx="2">
+        <a:scrgbClr r="0" g="0" b="0"/>
+      </a:lnRef>
+      <a:fillRef idx="1">
+        <a:scrgbClr r="0" g="0" b="0"/>
+      </a:fillRef>
+      <a:effectRef idx="0">
+        <a:scrgbClr r="0" g="0" b="0"/>
+      </a:effectRef>
+      <a:fontRef idx="minor"/>
+    </dgm:style>
+  </dgm:styleLbl>
+  <dgm:styleLbl name="fgAcc2">
+    <dgm:scene3d>
+      <a:camera prst="orthographicFront"/>
+      <a:lightRig rig="threePt" dir="t"/>
+    </dgm:scene3d>
+    <dgm:sp3d/>
+    <dgm:txPr/>
+    <dgm:style>
+      <a:lnRef idx="2">
+        <a:scrgbClr r="0" g="0" b="0"/>
+      </a:lnRef>
+      <a:fillRef idx="1">
+        <a:scrgbClr r="0" g="0" b="0"/>
+      </a:fillRef>
+      <a:effectRef idx="0">
+        <a:scrgbClr r="0" g="0" b="0"/>
+      </a:effectRef>
+      <a:fontRef idx="minor"/>
+    </dgm:style>
+  </dgm:styleLbl>
+  <dgm:styleLbl name="fgAcc3">
+    <dgm:scene3d>
+      <a:camera prst="orthographicFront"/>
+      <a:lightRig rig="threePt" dir="t"/>
+    </dgm:scene3d>
+    <dgm:sp3d/>
+    <dgm:txPr/>
+    <dgm:style>
+      <a:lnRef idx="2">
+        <a:scrgbClr r="0" g="0" b="0"/>
+      </a:lnRef>
+      <a:fillRef idx="1">
+        <a:scrgbClr r="0" g="0" b="0"/>
+      </a:fillRef>
+      <a:effectRef idx="0">
+        <a:scrgbClr r="0" g="0" b="0"/>
+      </a:effectRef>
+      <a:fontRef idx="minor"/>
+    </dgm:style>
+  </dgm:styleLbl>
+  <dgm:styleLbl name="fgAcc4">
+    <dgm:scene3d>
+      <a:camera prst="orthographicFront"/>
+      <a:lightRig rig="threePt" dir="t"/>
+    </dgm:scene3d>
+    <dgm:sp3d/>
+    <dgm:txPr/>
+    <dgm:style>
+      <a:lnRef idx="2">
+        <a:scrgbClr r="0" g="0" b="0"/>
+      </a:lnRef>
+      <a:fillRef idx="1">
+        <a:scrgbClr r="0" g="0" b="0"/>
+      </a:fillRef>
+      <a:effectRef idx="0">
+        <a:scrgbClr r="0" g="0" b="0"/>
+      </a:effectRef>
+      <a:fontRef idx="minor"/>
+    </dgm:style>
+  </dgm:styleLbl>
+  <dgm:styleLbl name="bgShp">
+    <dgm:scene3d>
+      <a:camera prst="orthographicFront"/>
+      <a:lightRig rig="threePt" dir="t"/>
+    </dgm:scene3d>
+    <dgm:sp3d/>
+    <dgm:txPr/>
+    <dgm:style>
+      <a:lnRef idx="0">
+        <a:scrgbClr r="0" g="0" b="0"/>
+      </a:lnRef>
+      <a:fillRef idx="1">
+        <a:scrgbClr r="0" g="0" b="0"/>
+      </a:fillRef>
+      <a:effectRef idx="0">
+        <a:scrgbClr r="0" g="0" b="0"/>
+      </a:effectRef>
+      <a:fontRef idx="minor"/>
+    </dgm:style>
+  </dgm:styleLbl>
+  <dgm:styleLbl name="dkBgShp">
+    <dgm:scene3d>
+      <a:camera prst="orthographicFront"/>
+      <a:lightRig rig="threePt" dir="t"/>
+    </dgm:scene3d>
+    <dgm:sp3d/>
+    <dgm:txPr/>
+    <dgm:style>
+      <a:lnRef idx="0">
+        <a:scrgbClr r="0" g="0" b="0"/>
+      </a:lnRef>
+      <a:fillRef idx="1">
+        <a:scrgbClr r="0" g="0" b="0"/>
+      </a:fillRef>
+      <a:effectRef idx="0">
+        <a:scrgbClr r="0" g="0" b="0"/>
+      </a:effectRef>
+      <a:fontRef idx="minor"/>
+    </dgm:style>
+  </dgm:styleLbl>
+  <dgm:styleLbl name="trBgShp">
+    <dgm:scene3d>
+      <a:camera prst="orthographicFront"/>
+      <a:lightRig rig="threePt" dir="t"/>
+    </dgm:scene3d>
+    <dgm:sp3d/>
+    <dgm:txPr/>
+    <dgm:style>
+      <a:lnRef idx="0">
+        <a:scrgbClr r="0" g="0" b="0"/>
+      </a:lnRef>
+      <a:fillRef idx="1">
+        <a:scrgbClr r="0" g="0" b="0"/>
+      </a:fillRef>
+      <a:effectRef idx="0">
+        <a:scrgbClr r="0" g="0" b="0"/>
+      </a:effectRef>
+      <a:fontRef idx="minor"/>
+    </dgm:style>
+  </dgm:styleLbl>
+  <dgm:styleLbl name="fgShp">
+    <dgm:scene3d>
+      <a:camera prst="orthographicFront"/>
+      <a:lightRig rig="threePt" dir="t"/>
+    </dgm:scene3d>
+    <dgm:sp3d/>
+    <dgm:txPr/>
+    <dgm:style>
+      <a:lnRef idx="2">
+        <a:scrgbClr r="0" g="0" b="0"/>
+      </a:lnRef>
+      <a:fillRef idx="1">
+        <a:scrgbClr r="0" g="0" b="0"/>
+      </a:fillRef>
+      <a:effectRef idx="0">
+        <a:scrgbClr r="0" g="0" b="0"/>
+      </a:effectRef>
+      <a:fontRef idx="minor"/>
+    </dgm:style>
+  </dgm:styleLbl>
+  <dgm:styleLbl name="revTx">
+    <dgm:scene3d>
+      <a:camera prst="orthographicFront"/>
+      <a:lightRig rig="threePt" dir="t"/>
+    </dgm:scene3d>
+    <dgm:sp3d/>
+    <dgm:txPr/>
+    <dgm:style>
+      <a:lnRef idx="0">
+        <a:scrgbClr r="0" g="0" b="0"/>
+      </a:lnRef>
+      <a:fillRef idx="0">
+        <a:scrgbClr r="0" g="0" b="0"/>
+      </a:fillRef>
+      <a:effectRef idx="0">
+        <a:scrgbClr r="0" g="0" b="0"/>
+      </a:effectRef>
+      <a:fontRef idx="minor"/>
+    </dgm:style>
+  </dgm:styleLbl>
+</dgm:styleDef>
+</file>
+
 <file path=ppt/slideLayouts/slideLayout1.xml><?xml version="1.0" encoding="utf-8"?>
 <p:sldLayout xmlns:a="http://schemas.openxmlformats.org/drawingml/2006/main" xmlns:r="http://schemas.openxmlformats.org/officeDocument/2006/relationships" xmlns:p="http://schemas.openxmlformats.org/presentationml/2006/main" type="title" preserve="1">
   <p:cSld name="Title Slide">
@@ -361,7 +3242,7 @@
           <a:p>
             <a:fld id="{199EAED2-1BD4-417E-B7F0-36D437147FD8}" type="datetimeFigureOut">
               <a:rPr lang="LID4096" smtClean="0"/>
-              <a:t>06/21/2022</a:t>
+              <a:t>06/23/2022</a:t>
             </a:fld>
             <a:endParaRPr lang="LID4096"/>
           </a:p>
@@ -561,7 +3442,7 @@
           <a:p>
             <a:fld id="{199EAED2-1BD4-417E-B7F0-36D437147FD8}" type="datetimeFigureOut">
               <a:rPr lang="LID4096" smtClean="0"/>
-              <a:t>06/21/2022</a:t>
+              <a:t>06/23/2022</a:t>
             </a:fld>
             <a:endParaRPr lang="LID4096"/>
           </a:p>
@@ -771,7 +3652,7 @@
           <a:p>
             <a:fld id="{199EAED2-1BD4-417E-B7F0-36D437147FD8}" type="datetimeFigureOut">
               <a:rPr lang="LID4096" smtClean="0"/>
-              <a:t>06/21/2022</a:t>
+              <a:t>06/23/2022</a:t>
             </a:fld>
             <a:endParaRPr lang="LID4096"/>
           </a:p>
@@ -971,7 +3852,7 @@
           <a:p>
             <a:fld id="{199EAED2-1BD4-417E-B7F0-36D437147FD8}" type="datetimeFigureOut">
               <a:rPr lang="LID4096" smtClean="0"/>
-              <a:t>06/21/2022</a:t>
+              <a:t>06/23/2022</a:t>
             </a:fld>
             <a:endParaRPr lang="LID4096"/>
           </a:p>
@@ -1247,7 +4128,7 @@
           <a:p>
             <a:fld id="{199EAED2-1BD4-417E-B7F0-36D437147FD8}" type="datetimeFigureOut">
               <a:rPr lang="LID4096" smtClean="0"/>
-              <a:t>06/21/2022</a:t>
+              <a:t>06/23/2022</a:t>
             </a:fld>
             <a:endParaRPr lang="LID4096"/>
           </a:p>
@@ -1515,7 +4396,7 @@
           <a:p>
             <a:fld id="{199EAED2-1BD4-417E-B7F0-36D437147FD8}" type="datetimeFigureOut">
               <a:rPr lang="LID4096" smtClean="0"/>
-              <a:t>06/21/2022</a:t>
+              <a:t>06/23/2022</a:t>
             </a:fld>
             <a:endParaRPr lang="LID4096"/>
           </a:p>
@@ -1930,7 +4811,7 @@
           <a:p>
             <a:fld id="{199EAED2-1BD4-417E-B7F0-36D437147FD8}" type="datetimeFigureOut">
               <a:rPr lang="LID4096" smtClean="0"/>
-              <a:t>06/21/2022</a:t>
+              <a:t>06/23/2022</a:t>
             </a:fld>
             <a:endParaRPr lang="LID4096"/>
           </a:p>
@@ -2072,7 +4953,7 @@
           <a:p>
             <a:fld id="{199EAED2-1BD4-417E-B7F0-36D437147FD8}" type="datetimeFigureOut">
               <a:rPr lang="LID4096" smtClean="0"/>
-              <a:t>06/21/2022</a:t>
+              <a:t>06/23/2022</a:t>
             </a:fld>
             <a:endParaRPr lang="LID4096"/>
           </a:p>
@@ -2185,7 +5066,7 @@
           <a:p>
             <a:fld id="{199EAED2-1BD4-417E-B7F0-36D437147FD8}" type="datetimeFigureOut">
               <a:rPr lang="LID4096" smtClean="0"/>
-              <a:t>06/21/2022</a:t>
+              <a:t>06/23/2022</a:t>
             </a:fld>
             <a:endParaRPr lang="LID4096"/>
           </a:p>
@@ -2498,7 +5379,7 @@
           <a:p>
             <a:fld id="{199EAED2-1BD4-417E-B7F0-36D437147FD8}" type="datetimeFigureOut">
               <a:rPr lang="LID4096" smtClean="0"/>
-              <a:t>06/21/2022</a:t>
+              <a:t>06/23/2022</a:t>
             </a:fld>
             <a:endParaRPr lang="LID4096"/>
           </a:p>
@@ -2787,7 +5668,7 @@
           <a:p>
             <a:fld id="{199EAED2-1BD4-417E-B7F0-36D437147FD8}" type="datetimeFigureOut">
               <a:rPr lang="LID4096" smtClean="0"/>
-              <a:t>06/21/2022</a:t>
+              <a:t>06/23/2022</a:t>
             </a:fld>
             <a:endParaRPr lang="LID4096"/>
           </a:p>
@@ -3030,7 +5911,7 @@
           <a:p>
             <a:fld id="{199EAED2-1BD4-417E-B7F0-36D437147FD8}" type="datetimeFigureOut">
               <a:rPr lang="LID4096" smtClean="0"/>
-              <a:t>06/21/2022</a:t>
+              <a:t>06/23/2022</a:t>
             </a:fld>
             <a:endParaRPr lang="LID4096"/>
           </a:p>
@@ -7157,36 +10038,11 @@
               <a:rPr lang="en-GB" dirty="0">
                 <a:latin typeface="Arial Rounded MT Bold" panose="020F0704030504030204" pitchFamily="34" charset="0"/>
               </a:rPr>
-              <a:t>Conclusion</a:t>
+              <a:t>Project Management</a:t>
             </a:r>
             <a:endParaRPr lang="LID4096" dirty="0">
               <a:latin typeface="Arial Rounded MT Bold" panose="020F0704030504030204" pitchFamily="34" charset="0"/>
             </a:endParaRPr>
-          </a:p>
-        </p:txBody>
-      </p:sp>
-      <p:sp>
-        <p:nvSpPr>
-          <p:cNvPr id="3" name="Content Placeholder 2">
-            <a:extLst>
-              <a:ext uri="{FF2B5EF4-FFF2-40B4-BE49-F238E27FC236}">
-                <a16:creationId xmlns:a16="http://schemas.microsoft.com/office/drawing/2014/main" id="{3DE21B73-2BBC-083E-F890-DCEE742E0D74}"/>
-              </a:ext>
-            </a:extLst>
-          </p:cNvPr>
-          <p:cNvSpPr>
-            <a:spLocks noGrp="1"/>
-          </p:cNvSpPr>
-          <p:nvPr>
-            <p:ph idx="1"/>
-          </p:nvPr>
-        </p:nvSpPr>
-        <p:spPr/>
-        <p:txBody>
-          <a:bodyPr/>
-          <a:lstStyle/>
-          <a:p>
-            <a:endParaRPr lang="LID4096"/>
           </a:p>
         </p:txBody>
       </p:sp>
@@ -7242,7 +10098,13 @@
               <a:rPr lang="en-GB" dirty="0">
                 <a:latin typeface="Arial Rounded MT Bold" panose="020F0704030504030204" pitchFamily="34" charset="0"/>
               </a:rPr>
-              <a:t>Conclusion</a:t>
+              <a:t>Project </a:t>
+            </a:r>
+            <a:r>
+              <a:rPr lang="en-GB" dirty="0" err="1">
+                <a:latin typeface="Arial Rounded MT Bold" panose="020F0704030504030204" pitchFamily="34" charset="0"/>
+              </a:rPr>
+              <a:t>Manangement</a:t>
             </a:r>
             <a:endParaRPr lang="LID4096" dirty="0">
               <a:latin typeface="Arial Rounded MT Bold" panose="020F0704030504030204" pitchFamily="34" charset="0"/>
@@ -7250,10 +10112,41 @@
           </a:p>
         </p:txBody>
       </p:sp>
+      <p:graphicFrame>
+        <p:nvGraphicFramePr>
+          <p:cNvPr id="7" name="Content Placeholder 2">
+            <a:extLst>
+              <a:ext uri="{FF2B5EF4-FFF2-40B4-BE49-F238E27FC236}">
+                <a16:creationId xmlns:a16="http://schemas.microsoft.com/office/drawing/2014/main" id="{AA4968DF-BAB8-9EB6-0AE5-341039208AC0}"/>
+              </a:ext>
+            </a:extLst>
+          </p:cNvPr>
+          <p:cNvGraphicFramePr>
+            <a:graphicFrameLocks noGrp="1"/>
+          </p:cNvGraphicFramePr>
+          <p:nvPr>
+            <p:ph idx="1"/>
+            <p:extLst>
+              <p:ext uri="{D42A27DB-BD31-4B8C-83A1-F6EECF244321}">
+                <p14:modId xmlns:p14="http://schemas.microsoft.com/office/powerpoint/2010/main" val="605971614"/>
+              </p:ext>
+            </p:extLst>
+          </p:nvPr>
+        </p:nvGraphicFramePr>
+        <p:xfrm>
+          <a:off x="838200" y="1825625"/>
+          <a:ext cx="10515600" cy="4351338"/>
+        </p:xfrm>
+        <a:graphic>
+          <a:graphicData uri="http://schemas.openxmlformats.org/drawingml/2006/diagram">
+            <dgm:relIds xmlns:dgm="http://schemas.openxmlformats.org/drawingml/2006/diagram" xmlns:r="http://schemas.openxmlformats.org/officeDocument/2006/relationships" r:dm="rId2" r:lo="rId3" r:qs="rId4" r:cs="rId5"/>
+          </a:graphicData>
+        </a:graphic>
+      </p:graphicFrame>
     </p:spTree>
     <p:extLst>
       <p:ext uri="{BB962C8B-B14F-4D97-AF65-F5344CB8AC3E}">
-        <p14:creationId xmlns:p14="http://schemas.microsoft.com/office/powerpoint/2010/main" val="3277740694"/>
+        <p14:creationId xmlns:p14="http://schemas.microsoft.com/office/powerpoint/2010/main" val="2265750077"/>
       </p:ext>
     </p:extLst>
   </p:cSld>
@@ -7305,7 +10198,7 @@
               <a:rPr lang="en-GB" dirty="0">
                 <a:latin typeface="Arial Rounded MT Bold" panose="020F0704030504030204" pitchFamily="34" charset="0"/>
               </a:rPr>
-              <a:t>Project Management</a:t>
+              <a:t>Conclusion</a:t>
             </a:r>
             <a:endParaRPr lang="LID4096" dirty="0">
               <a:latin typeface="Arial Rounded MT Bold" panose="020F0704030504030204" pitchFamily="34" charset="0"/>
@@ -7331,10 +10224,21 @@
         </p:nvSpPr>
         <p:spPr/>
         <p:txBody>
-          <a:bodyPr/>
-          <a:lstStyle/>
-          <a:p>
-            <a:endParaRPr lang="LID4096"/>
+          <a:bodyPr>
+            <a:normAutofit/>
+          </a:bodyPr>
+          <a:lstStyle/>
+          <a:p>
+            <a:r>
+              <a:rPr lang="en-GB" dirty="0"/>
+              <a:t>RTS help to solve our problem</a:t>
+            </a:r>
+          </a:p>
+          <a:p>
+            <a:r>
+              <a:rPr lang="en-GB" dirty="0"/>
+              <a:t>Advance modelling tools ease our approach to the implementation</a:t>
+            </a:r>
           </a:p>
         </p:txBody>
       </p:sp>
@@ -7390,13 +10294,7 @@
               <a:rPr lang="en-GB" dirty="0">
                 <a:latin typeface="Arial Rounded MT Bold" panose="020F0704030504030204" pitchFamily="34" charset="0"/>
               </a:rPr>
-              <a:t>Project </a:t>
-            </a:r>
-            <a:r>
-              <a:rPr lang="en-GB" dirty="0" err="1">
-                <a:latin typeface="Arial Rounded MT Bold" panose="020F0704030504030204" pitchFamily="34" charset="0"/>
-              </a:rPr>
-              <a:t>Manangement</a:t>
+              <a:t>Conclusion</a:t>
             </a:r>
             <a:endParaRPr lang="LID4096" dirty="0">
               <a:latin typeface="Arial Rounded MT Bold" panose="020F0704030504030204" pitchFamily="34" charset="0"/>
@@ -7407,7 +10305,7 @@
     </p:spTree>
     <p:extLst>
       <p:ext uri="{BB962C8B-B14F-4D97-AF65-F5344CB8AC3E}">
-        <p14:creationId xmlns:p14="http://schemas.microsoft.com/office/powerpoint/2010/main" val="2265750077"/>
+        <p14:creationId xmlns:p14="http://schemas.microsoft.com/office/powerpoint/2010/main" val="3277740694"/>
       </p:ext>
     </p:extLst>
   </p:cSld>

--- a/presentation/Autonomous traffic system presentation.pptx
+++ b/presentation/Autonomous traffic system presentation.pptx
@@ -3242,7 +3242,7 @@
           <a:p>
             <a:fld id="{199EAED2-1BD4-417E-B7F0-36D437147FD8}" type="datetimeFigureOut">
               <a:rPr lang="LID4096" smtClean="0"/>
-              <a:t>06/23/2022</a:t>
+              <a:t>06/29/2022</a:t>
             </a:fld>
             <a:endParaRPr lang="LID4096"/>
           </a:p>
@@ -3442,7 +3442,7 @@
           <a:p>
             <a:fld id="{199EAED2-1BD4-417E-B7F0-36D437147FD8}" type="datetimeFigureOut">
               <a:rPr lang="LID4096" smtClean="0"/>
-              <a:t>06/23/2022</a:t>
+              <a:t>06/29/2022</a:t>
             </a:fld>
             <a:endParaRPr lang="LID4096"/>
           </a:p>
@@ -3652,7 +3652,7 @@
           <a:p>
             <a:fld id="{199EAED2-1BD4-417E-B7F0-36D437147FD8}" type="datetimeFigureOut">
               <a:rPr lang="LID4096" smtClean="0"/>
-              <a:t>06/23/2022</a:t>
+              <a:t>06/29/2022</a:t>
             </a:fld>
             <a:endParaRPr lang="LID4096"/>
           </a:p>
@@ -3852,7 +3852,7 @@
           <a:p>
             <a:fld id="{199EAED2-1BD4-417E-B7F0-36D437147FD8}" type="datetimeFigureOut">
               <a:rPr lang="LID4096" smtClean="0"/>
-              <a:t>06/23/2022</a:t>
+              <a:t>06/29/2022</a:t>
             </a:fld>
             <a:endParaRPr lang="LID4096"/>
           </a:p>
@@ -4128,7 +4128,7 @@
           <a:p>
             <a:fld id="{199EAED2-1BD4-417E-B7F0-36D437147FD8}" type="datetimeFigureOut">
               <a:rPr lang="LID4096" smtClean="0"/>
-              <a:t>06/23/2022</a:t>
+              <a:t>06/29/2022</a:t>
             </a:fld>
             <a:endParaRPr lang="LID4096"/>
           </a:p>
@@ -4396,7 +4396,7 @@
           <a:p>
             <a:fld id="{199EAED2-1BD4-417E-B7F0-36D437147FD8}" type="datetimeFigureOut">
               <a:rPr lang="LID4096" smtClean="0"/>
-              <a:t>06/23/2022</a:t>
+              <a:t>06/29/2022</a:t>
             </a:fld>
             <a:endParaRPr lang="LID4096"/>
           </a:p>
@@ -4811,7 +4811,7 @@
           <a:p>
             <a:fld id="{199EAED2-1BD4-417E-B7F0-36D437147FD8}" type="datetimeFigureOut">
               <a:rPr lang="LID4096" smtClean="0"/>
-              <a:t>06/23/2022</a:t>
+              <a:t>06/29/2022</a:t>
             </a:fld>
             <a:endParaRPr lang="LID4096"/>
           </a:p>
@@ -4953,7 +4953,7 @@
           <a:p>
             <a:fld id="{199EAED2-1BD4-417E-B7F0-36D437147FD8}" type="datetimeFigureOut">
               <a:rPr lang="LID4096" smtClean="0"/>
-              <a:t>06/23/2022</a:t>
+              <a:t>06/29/2022</a:t>
             </a:fld>
             <a:endParaRPr lang="LID4096"/>
           </a:p>
@@ -5066,7 +5066,7 @@
           <a:p>
             <a:fld id="{199EAED2-1BD4-417E-B7F0-36D437147FD8}" type="datetimeFigureOut">
               <a:rPr lang="LID4096" smtClean="0"/>
-              <a:t>06/23/2022</a:t>
+              <a:t>06/29/2022</a:t>
             </a:fld>
             <a:endParaRPr lang="LID4096"/>
           </a:p>
@@ -5379,7 +5379,7 @@
           <a:p>
             <a:fld id="{199EAED2-1BD4-417E-B7F0-36D437147FD8}" type="datetimeFigureOut">
               <a:rPr lang="LID4096" smtClean="0"/>
-              <a:t>06/23/2022</a:t>
+              <a:t>06/29/2022</a:t>
             </a:fld>
             <a:endParaRPr lang="LID4096"/>
           </a:p>
@@ -5668,7 +5668,7 @@
           <a:p>
             <a:fld id="{199EAED2-1BD4-417E-B7F0-36D437147FD8}" type="datetimeFigureOut">
               <a:rPr lang="LID4096" smtClean="0"/>
-              <a:t>06/23/2022</a:t>
+              <a:t>06/29/2022</a:t>
             </a:fld>
             <a:endParaRPr lang="LID4096"/>
           </a:p>
@@ -5911,7 +5911,7 @@
           <a:p>
             <a:fld id="{199EAED2-1BD4-417E-B7F0-36D437147FD8}" type="datetimeFigureOut">
               <a:rPr lang="LID4096" smtClean="0"/>
-              <a:t>06/23/2022</a:t>
+              <a:t>06/29/2022</a:t>
             </a:fld>
             <a:endParaRPr lang="LID4096"/>
           </a:p>
@@ -7812,16 +7812,7 @@
                 </a:solidFill>
                 <a:latin typeface="Arial Rounded MT Bold" panose="020F0704030504030204" pitchFamily="34" charset="0"/>
               </a:rPr>
-              <a:t>Resource </a:t>
-            </a:r>
-            <a:r>
-              <a:rPr lang="en-GB" sz="1800" dirty="0" err="1">
-                <a:solidFill>
-                  <a:schemeClr val="bg1"/>
-                </a:solidFill>
-                <a:latin typeface="Arial Rounded MT Bold" panose="020F0704030504030204" pitchFamily="34" charset="0"/>
-              </a:rPr>
-              <a:t>Mananger</a:t>
+              <a:t>Resource Manager</a:t>
             </a:r>
             <a:endParaRPr lang="LID4096" dirty="0">
               <a:solidFill>
@@ -8184,16 +8175,7 @@
                 </a:solidFill>
                 <a:latin typeface="Arial Rounded MT Bold" panose="020F0704030504030204" pitchFamily="34" charset="0"/>
               </a:rPr>
-              <a:t>Resource </a:t>
-            </a:r>
-            <a:r>
-              <a:rPr lang="en-GB" sz="1800" dirty="0" err="1">
-                <a:solidFill>
-                  <a:schemeClr val="bg1"/>
-                </a:solidFill>
-                <a:latin typeface="Arial Rounded MT Bold" panose="020F0704030504030204" pitchFamily="34" charset="0"/>
-              </a:rPr>
-              <a:t>Mananger</a:t>
+              <a:t>Resource Manager</a:t>
             </a:r>
             <a:endParaRPr lang="LID4096" dirty="0">
               <a:solidFill>
@@ -8314,16 +8296,7 @@
                 </a:solidFill>
                 <a:latin typeface="Arial Rounded MT Bold" panose="020F0704030504030204" pitchFamily="34" charset="0"/>
               </a:rPr>
-              <a:t>Resource </a:t>
-            </a:r>
-            <a:r>
-              <a:rPr lang="en-GB" sz="1800" dirty="0" err="1">
-                <a:solidFill>
-                  <a:schemeClr val="bg1"/>
-                </a:solidFill>
-                <a:latin typeface="Arial Rounded MT Bold" panose="020F0704030504030204" pitchFamily="34" charset="0"/>
-              </a:rPr>
-              <a:t>Mananger</a:t>
+              <a:t>Resource Manager</a:t>
             </a:r>
             <a:endParaRPr lang="LID4096" dirty="0">
               <a:solidFill>

--- a/presentation/Autonomous traffic system presentation.pptx
+++ b/presentation/Autonomous traffic system presentation.pptx
@@ -4,6 +4,9 @@
   <p:sldMasterIdLst>
     <p:sldMasterId id="2147483648" r:id="rId1"/>
   </p:sldMasterIdLst>
+  <p:notesMasterIdLst>
+    <p:notesMasterId r:id="rId19"/>
+  </p:notesMasterIdLst>
   <p:sldIdLst>
     <p:sldId id="256" r:id="rId2"/>
     <p:sldId id="257" r:id="rId3"/>
@@ -3093,6 +3096,616 @@
 </dgm:styleDef>
 </file>
 
+<file path=ppt/notesMasters/notesMaster1.xml><?xml version="1.0" encoding="utf-8"?>
+<p:notesMaster xmlns:a="http://schemas.openxmlformats.org/drawingml/2006/main" xmlns:r="http://schemas.openxmlformats.org/officeDocument/2006/relationships" xmlns:p="http://schemas.openxmlformats.org/presentationml/2006/main">
+  <p:cSld>
+    <p:bg>
+      <p:bgRef idx="1001">
+        <a:schemeClr val="bg1"/>
+      </p:bgRef>
+    </p:bg>
+    <p:spTree>
+      <p:nvGrpSpPr>
+        <p:cNvPr id="1" name=""/>
+        <p:cNvGrpSpPr/>
+        <p:nvPr/>
+      </p:nvGrpSpPr>
+      <p:grpSpPr>
+        <a:xfrm>
+          <a:off x="0" y="0"/>
+          <a:ext cx="0" cy="0"/>
+          <a:chOff x="0" y="0"/>
+          <a:chExt cx="0" cy="0"/>
+        </a:xfrm>
+      </p:grpSpPr>
+      <p:sp>
+        <p:nvSpPr>
+          <p:cNvPr id="2" name="Header Placeholder 1"/>
+          <p:cNvSpPr>
+            <a:spLocks noGrp="1"/>
+          </p:cNvSpPr>
+          <p:nvPr>
+            <p:ph type="hdr" sz="quarter"/>
+          </p:nvPr>
+        </p:nvSpPr>
+        <p:spPr>
+          <a:xfrm>
+            <a:off x="0" y="0"/>
+            <a:ext cx="2971800" cy="458788"/>
+          </a:xfrm>
+          <a:prstGeom prst="rect">
+            <a:avLst/>
+          </a:prstGeom>
+        </p:spPr>
+        <p:txBody>
+          <a:bodyPr vert="horz" lIns="91440" tIns="45720" rIns="91440" bIns="45720" rtlCol="0"/>
+          <a:lstStyle>
+            <a:lvl1pPr algn="l">
+              <a:defRPr sz="1200"/>
+            </a:lvl1pPr>
+          </a:lstStyle>
+          <a:p>
+            <a:endParaRPr lang="LID4096"/>
+          </a:p>
+        </p:txBody>
+      </p:sp>
+      <p:sp>
+        <p:nvSpPr>
+          <p:cNvPr id="3" name="Date Placeholder 2"/>
+          <p:cNvSpPr>
+            <a:spLocks noGrp="1"/>
+          </p:cNvSpPr>
+          <p:nvPr>
+            <p:ph type="dt" idx="1"/>
+          </p:nvPr>
+        </p:nvSpPr>
+        <p:spPr>
+          <a:xfrm>
+            <a:off x="3884613" y="0"/>
+            <a:ext cx="2971800" cy="458788"/>
+          </a:xfrm>
+          <a:prstGeom prst="rect">
+            <a:avLst/>
+          </a:prstGeom>
+        </p:spPr>
+        <p:txBody>
+          <a:bodyPr vert="horz" lIns="91440" tIns="45720" rIns="91440" bIns="45720" rtlCol="0"/>
+          <a:lstStyle>
+            <a:lvl1pPr algn="r">
+              <a:defRPr sz="1200"/>
+            </a:lvl1pPr>
+          </a:lstStyle>
+          <a:p>
+            <a:fld id="{D577FFD6-7219-4644-A700-1D91CDC88926}" type="datetimeFigureOut">
+              <a:rPr lang="LID4096" smtClean="0"/>
+              <a:t>06/29/2022</a:t>
+            </a:fld>
+            <a:endParaRPr lang="LID4096"/>
+          </a:p>
+        </p:txBody>
+      </p:sp>
+      <p:sp>
+        <p:nvSpPr>
+          <p:cNvPr id="4" name="Slide Image Placeholder 3"/>
+          <p:cNvSpPr>
+            <a:spLocks noGrp="1" noRot="1" noChangeAspect="1"/>
+          </p:cNvSpPr>
+          <p:nvPr>
+            <p:ph type="sldImg" idx="2"/>
+          </p:nvPr>
+        </p:nvSpPr>
+        <p:spPr>
+          <a:xfrm>
+            <a:off x="685800" y="1143000"/>
+            <a:ext cx="5486400" cy="3086100"/>
+          </a:xfrm>
+          <a:prstGeom prst="rect">
+            <a:avLst/>
+          </a:prstGeom>
+          <a:noFill/>
+          <a:ln w="12700">
+            <a:solidFill>
+              <a:prstClr val="black"/>
+            </a:solidFill>
+          </a:ln>
+        </p:spPr>
+        <p:txBody>
+          <a:bodyPr vert="horz" lIns="91440" tIns="45720" rIns="91440" bIns="45720" rtlCol="0" anchor="ctr"/>
+          <a:lstStyle/>
+          <a:p>
+            <a:endParaRPr lang="LID4096"/>
+          </a:p>
+        </p:txBody>
+      </p:sp>
+      <p:sp>
+        <p:nvSpPr>
+          <p:cNvPr id="5" name="Notes Placeholder 4"/>
+          <p:cNvSpPr>
+            <a:spLocks noGrp="1"/>
+          </p:cNvSpPr>
+          <p:nvPr>
+            <p:ph type="body" sz="quarter" idx="3"/>
+          </p:nvPr>
+        </p:nvSpPr>
+        <p:spPr>
+          <a:xfrm>
+            <a:off x="685800" y="4400550"/>
+            <a:ext cx="5486400" cy="3600450"/>
+          </a:xfrm>
+          <a:prstGeom prst="rect">
+            <a:avLst/>
+          </a:prstGeom>
+        </p:spPr>
+        <p:txBody>
+          <a:bodyPr vert="horz" lIns="91440" tIns="45720" rIns="91440" bIns="45720" rtlCol="0"/>
+          <a:lstStyle/>
+          <a:p>
+            <a:pPr lvl="0"/>
+            <a:r>
+              <a:rPr lang="en-US"/>
+              <a:t>Click to edit Master text styles</a:t>
+            </a:r>
+          </a:p>
+          <a:p>
+            <a:pPr lvl="1"/>
+            <a:r>
+              <a:rPr lang="en-US"/>
+              <a:t>Second level</a:t>
+            </a:r>
+          </a:p>
+          <a:p>
+            <a:pPr lvl="2"/>
+            <a:r>
+              <a:rPr lang="en-US"/>
+              <a:t>Third level</a:t>
+            </a:r>
+          </a:p>
+          <a:p>
+            <a:pPr lvl="3"/>
+            <a:r>
+              <a:rPr lang="en-US"/>
+              <a:t>Fourth level</a:t>
+            </a:r>
+          </a:p>
+          <a:p>
+            <a:pPr lvl="4"/>
+            <a:r>
+              <a:rPr lang="en-US"/>
+              <a:t>Fifth level</a:t>
+            </a:r>
+            <a:endParaRPr lang="LID4096"/>
+          </a:p>
+        </p:txBody>
+      </p:sp>
+      <p:sp>
+        <p:nvSpPr>
+          <p:cNvPr id="6" name="Footer Placeholder 5"/>
+          <p:cNvSpPr>
+            <a:spLocks noGrp="1"/>
+          </p:cNvSpPr>
+          <p:nvPr>
+            <p:ph type="ftr" sz="quarter" idx="4"/>
+          </p:nvPr>
+        </p:nvSpPr>
+        <p:spPr>
+          <a:xfrm>
+            <a:off x="0" y="8685213"/>
+            <a:ext cx="2971800" cy="458787"/>
+          </a:xfrm>
+          <a:prstGeom prst="rect">
+            <a:avLst/>
+          </a:prstGeom>
+        </p:spPr>
+        <p:txBody>
+          <a:bodyPr vert="horz" lIns="91440" tIns="45720" rIns="91440" bIns="45720" rtlCol="0" anchor="b"/>
+          <a:lstStyle>
+            <a:lvl1pPr algn="l">
+              <a:defRPr sz="1200"/>
+            </a:lvl1pPr>
+          </a:lstStyle>
+          <a:p>
+            <a:endParaRPr lang="LID4096"/>
+          </a:p>
+        </p:txBody>
+      </p:sp>
+      <p:sp>
+        <p:nvSpPr>
+          <p:cNvPr id="7" name="Slide Number Placeholder 6"/>
+          <p:cNvSpPr>
+            <a:spLocks noGrp="1"/>
+          </p:cNvSpPr>
+          <p:nvPr>
+            <p:ph type="sldNum" sz="quarter" idx="5"/>
+          </p:nvPr>
+        </p:nvSpPr>
+        <p:spPr>
+          <a:xfrm>
+            <a:off x="3884613" y="8685213"/>
+            <a:ext cx="2971800" cy="458787"/>
+          </a:xfrm>
+          <a:prstGeom prst="rect">
+            <a:avLst/>
+          </a:prstGeom>
+        </p:spPr>
+        <p:txBody>
+          <a:bodyPr vert="horz" lIns="91440" tIns="45720" rIns="91440" bIns="45720" rtlCol="0" anchor="b"/>
+          <a:lstStyle>
+            <a:lvl1pPr algn="r">
+              <a:defRPr sz="1200"/>
+            </a:lvl1pPr>
+          </a:lstStyle>
+          <a:p>
+            <a:fld id="{499538E5-A659-4D7D-B72C-B98624F190A9}" type="slidenum">
+              <a:rPr lang="LID4096" smtClean="0"/>
+              <a:t>‹#›</a:t>
+            </a:fld>
+            <a:endParaRPr lang="LID4096"/>
+          </a:p>
+        </p:txBody>
+      </p:sp>
+    </p:spTree>
+    <p:extLst>
+      <p:ext uri="{BB962C8B-B14F-4D97-AF65-F5344CB8AC3E}">
+        <p14:creationId xmlns:p14="http://schemas.microsoft.com/office/powerpoint/2010/main" val="3052431775"/>
+      </p:ext>
+    </p:extLst>
+  </p:cSld>
+  <p:clrMap bg1="lt1" tx1="dk1" bg2="lt2" tx2="dk2" accent1="accent1" accent2="accent2" accent3="accent3" accent4="accent4" accent5="accent5" accent6="accent6" hlink="hlink" folHlink="folHlink"/>
+  <p:notesStyle>
+    <a:lvl1pPr marL="0" algn="l" defTabSz="914400" rtl="0" eaLnBrk="1" latinLnBrk="0" hangingPunct="1">
+      <a:defRPr sz="1200" kern="1200">
+        <a:solidFill>
+          <a:schemeClr val="tx1"/>
+        </a:solidFill>
+        <a:latin typeface="+mn-lt"/>
+        <a:ea typeface="+mn-ea"/>
+        <a:cs typeface="+mn-cs"/>
+      </a:defRPr>
+    </a:lvl1pPr>
+    <a:lvl2pPr marL="457200" algn="l" defTabSz="914400" rtl="0" eaLnBrk="1" latinLnBrk="0" hangingPunct="1">
+      <a:defRPr sz="1200" kern="1200">
+        <a:solidFill>
+          <a:schemeClr val="tx1"/>
+        </a:solidFill>
+        <a:latin typeface="+mn-lt"/>
+        <a:ea typeface="+mn-ea"/>
+        <a:cs typeface="+mn-cs"/>
+      </a:defRPr>
+    </a:lvl2pPr>
+    <a:lvl3pPr marL="914400" algn="l" defTabSz="914400" rtl="0" eaLnBrk="1" latinLnBrk="0" hangingPunct="1">
+      <a:defRPr sz="1200" kern="1200">
+        <a:solidFill>
+          <a:schemeClr val="tx1"/>
+        </a:solidFill>
+        <a:latin typeface="+mn-lt"/>
+        <a:ea typeface="+mn-ea"/>
+        <a:cs typeface="+mn-cs"/>
+      </a:defRPr>
+    </a:lvl3pPr>
+    <a:lvl4pPr marL="1371600" algn="l" defTabSz="914400" rtl="0" eaLnBrk="1" latinLnBrk="0" hangingPunct="1">
+      <a:defRPr sz="1200" kern="1200">
+        <a:solidFill>
+          <a:schemeClr val="tx1"/>
+        </a:solidFill>
+        <a:latin typeface="+mn-lt"/>
+        <a:ea typeface="+mn-ea"/>
+        <a:cs typeface="+mn-cs"/>
+      </a:defRPr>
+    </a:lvl4pPr>
+    <a:lvl5pPr marL="1828800" algn="l" defTabSz="914400" rtl="0" eaLnBrk="1" latinLnBrk="0" hangingPunct="1">
+      <a:defRPr sz="1200" kern="1200">
+        <a:solidFill>
+          <a:schemeClr val="tx1"/>
+        </a:solidFill>
+        <a:latin typeface="+mn-lt"/>
+        <a:ea typeface="+mn-ea"/>
+        <a:cs typeface="+mn-cs"/>
+      </a:defRPr>
+    </a:lvl5pPr>
+    <a:lvl6pPr marL="2286000" algn="l" defTabSz="914400" rtl="0" eaLnBrk="1" latinLnBrk="0" hangingPunct="1">
+      <a:defRPr sz="1200" kern="1200">
+        <a:solidFill>
+          <a:schemeClr val="tx1"/>
+        </a:solidFill>
+        <a:latin typeface="+mn-lt"/>
+        <a:ea typeface="+mn-ea"/>
+        <a:cs typeface="+mn-cs"/>
+      </a:defRPr>
+    </a:lvl6pPr>
+    <a:lvl7pPr marL="2743200" algn="l" defTabSz="914400" rtl="0" eaLnBrk="1" latinLnBrk="0" hangingPunct="1">
+      <a:defRPr sz="1200" kern="1200">
+        <a:solidFill>
+          <a:schemeClr val="tx1"/>
+        </a:solidFill>
+        <a:latin typeface="+mn-lt"/>
+        <a:ea typeface="+mn-ea"/>
+        <a:cs typeface="+mn-cs"/>
+      </a:defRPr>
+    </a:lvl7pPr>
+    <a:lvl8pPr marL="3200400" algn="l" defTabSz="914400" rtl="0" eaLnBrk="1" latinLnBrk="0" hangingPunct="1">
+      <a:defRPr sz="1200" kern="1200">
+        <a:solidFill>
+          <a:schemeClr val="tx1"/>
+        </a:solidFill>
+        <a:latin typeface="+mn-lt"/>
+        <a:ea typeface="+mn-ea"/>
+        <a:cs typeface="+mn-cs"/>
+      </a:defRPr>
+    </a:lvl8pPr>
+    <a:lvl9pPr marL="3657600" algn="l" defTabSz="914400" rtl="0" eaLnBrk="1" latinLnBrk="0" hangingPunct="1">
+      <a:defRPr sz="1200" kern="1200">
+        <a:solidFill>
+          <a:schemeClr val="tx1"/>
+        </a:solidFill>
+        <a:latin typeface="+mn-lt"/>
+        <a:ea typeface="+mn-ea"/>
+        <a:cs typeface="+mn-cs"/>
+      </a:defRPr>
+    </a:lvl9pPr>
+  </p:notesStyle>
+</p:notesMaster>
+</file>
+
+<file path=ppt/notesSlides/notesSlide1.xml><?xml version="1.0" encoding="utf-8"?>
+<p:notes xmlns:a="http://schemas.openxmlformats.org/drawingml/2006/main" xmlns:r="http://schemas.openxmlformats.org/officeDocument/2006/relationships" xmlns:p="http://schemas.openxmlformats.org/presentationml/2006/main">
+  <p:cSld>
+    <p:spTree>
+      <p:nvGrpSpPr>
+        <p:cNvPr id="1" name=""/>
+        <p:cNvGrpSpPr/>
+        <p:nvPr/>
+      </p:nvGrpSpPr>
+      <p:grpSpPr>
+        <a:xfrm>
+          <a:off x="0" y="0"/>
+          <a:ext cx="0" cy="0"/>
+          <a:chOff x="0" y="0"/>
+          <a:chExt cx="0" cy="0"/>
+        </a:xfrm>
+      </p:grpSpPr>
+      <p:sp>
+        <p:nvSpPr>
+          <p:cNvPr id="2" name="Slide Image Placeholder 1"/>
+          <p:cNvSpPr>
+            <a:spLocks noGrp="1" noRot="1" noChangeAspect="1"/>
+          </p:cNvSpPr>
+          <p:nvPr>
+            <p:ph type="sldImg"/>
+          </p:nvPr>
+        </p:nvSpPr>
+        <p:spPr/>
+      </p:sp>
+      <p:sp>
+        <p:nvSpPr>
+          <p:cNvPr id="3" name="Notes Placeholder 2"/>
+          <p:cNvSpPr>
+            <a:spLocks noGrp="1"/>
+          </p:cNvSpPr>
+          <p:nvPr>
+            <p:ph type="body" idx="1"/>
+          </p:nvPr>
+        </p:nvSpPr>
+        <p:spPr/>
+        <p:txBody>
+          <a:bodyPr/>
+          <a:lstStyle/>
+          <a:p>
+            <a:r>
+              <a:rPr lang="en-US" dirty="0"/>
+              <a:t>Sheikh</a:t>
+            </a:r>
+            <a:endParaRPr lang="LID4096" dirty="0"/>
+          </a:p>
+        </p:txBody>
+      </p:sp>
+      <p:sp>
+        <p:nvSpPr>
+          <p:cNvPr id="4" name="Slide Number Placeholder 3"/>
+          <p:cNvSpPr>
+            <a:spLocks noGrp="1"/>
+          </p:cNvSpPr>
+          <p:nvPr>
+            <p:ph type="sldNum" sz="quarter" idx="5"/>
+          </p:nvPr>
+        </p:nvSpPr>
+        <p:spPr/>
+        <p:txBody>
+          <a:bodyPr/>
+          <a:lstStyle/>
+          <a:p>
+            <a:fld id="{499538E5-A659-4D7D-B72C-B98624F190A9}" type="slidenum">
+              <a:rPr lang="LID4096" smtClean="0"/>
+              <a:t>1</a:t>
+            </a:fld>
+            <a:endParaRPr lang="LID4096"/>
+          </a:p>
+        </p:txBody>
+      </p:sp>
+    </p:spTree>
+    <p:extLst>
+      <p:ext uri="{BB962C8B-B14F-4D97-AF65-F5344CB8AC3E}">
+        <p14:creationId xmlns:p14="http://schemas.microsoft.com/office/powerpoint/2010/main" val="1539340926"/>
+      </p:ext>
+    </p:extLst>
+  </p:cSld>
+  <p:clrMapOvr>
+    <a:masterClrMapping/>
+  </p:clrMapOvr>
+</p:notes>
+</file>
+
+<file path=ppt/notesSlides/notesSlide2.xml><?xml version="1.0" encoding="utf-8"?>
+<p:notes xmlns:a="http://schemas.openxmlformats.org/drawingml/2006/main" xmlns:r="http://schemas.openxmlformats.org/officeDocument/2006/relationships" xmlns:p="http://schemas.openxmlformats.org/presentationml/2006/main">
+  <p:cSld>
+    <p:spTree>
+      <p:nvGrpSpPr>
+        <p:cNvPr id="1" name=""/>
+        <p:cNvGrpSpPr/>
+        <p:nvPr/>
+      </p:nvGrpSpPr>
+      <p:grpSpPr>
+        <a:xfrm>
+          <a:off x="0" y="0"/>
+          <a:ext cx="0" cy="0"/>
+          <a:chOff x="0" y="0"/>
+          <a:chExt cx="0" cy="0"/>
+        </a:xfrm>
+      </p:grpSpPr>
+      <p:sp>
+        <p:nvSpPr>
+          <p:cNvPr id="2" name="Slide Image Placeholder 1"/>
+          <p:cNvSpPr>
+            <a:spLocks noGrp="1" noRot="1" noChangeAspect="1"/>
+          </p:cNvSpPr>
+          <p:nvPr>
+            <p:ph type="sldImg"/>
+          </p:nvPr>
+        </p:nvSpPr>
+        <p:spPr/>
+      </p:sp>
+      <p:sp>
+        <p:nvSpPr>
+          <p:cNvPr id="3" name="Notes Placeholder 2"/>
+          <p:cNvSpPr>
+            <a:spLocks noGrp="1"/>
+          </p:cNvSpPr>
+          <p:nvPr>
+            <p:ph type="body" idx="1"/>
+          </p:nvPr>
+        </p:nvSpPr>
+        <p:spPr/>
+        <p:txBody>
+          <a:bodyPr/>
+          <a:lstStyle/>
+          <a:p>
+            <a:r>
+              <a:rPr lang="en-US" dirty="0"/>
+              <a:t>sheikh</a:t>
+            </a:r>
+            <a:endParaRPr lang="LID4096" dirty="0"/>
+          </a:p>
+        </p:txBody>
+      </p:sp>
+      <p:sp>
+        <p:nvSpPr>
+          <p:cNvPr id="4" name="Slide Number Placeholder 3"/>
+          <p:cNvSpPr>
+            <a:spLocks noGrp="1"/>
+          </p:cNvSpPr>
+          <p:nvPr>
+            <p:ph type="sldNum" sz="quarter" idx="5"/>
+          </p:nvPr>
+        </p:nvSpPr>
+        <p:spPr/>
+        <p:txBody>
+          <a:bodyPr/>
+          <a:lstStyle/>
+          <a:p>
+            <a:fld id="{499538E5-A659-4D7D-B72C-B98624F190A9}" type="slidenum">
+              <a:rPr lang="LID4096" smtClean="0"/>
+              <a:t>2</a:t>
+            </a:fld>
+            <a:endParaRPr lang="LID4096"/>
+          </a:p>
+        </p:txBody>
+      </p:sp>
+    </p:spTree>
+    <p:extLst>
+      <p:ext uri="{BB962C8B-B14F-4D97-AF65-F5344CB8AC3E}">
+        <p14:creationId xmlns:p14="http://schemas.microsoft.com/office/powerpoint/2010/main" val="4178802999"/>
+      </p:ext>
+    </p:extLst>
+  </p:cSld>
+  <p:clrMapOvr>
+    <a:masterClrMapping/>
+  </p:clrMapOvr>
+</p:notes>
+</file>
+
+<file path=ppt/notesSlides/notesSlide3.xml><?xml version="1.0" encoding="utf-8"?>
+<p:notes xmlns:a="http://schemas.openxmlformats.org/drawingml/2006/main" xmlns:r="http://schemas.openxmlformats.org/officeDocument/2006/relationships" xmlns:p="http://schemas.openxmlformats.org/presentationml/2006/main">
+  <p:cSld>
+    <p:spTree>
+      <p:nvGrpSpPr>
+        <p:cNvPr id="1" name=""/>
+        <p:cNvGrpSpPr/>
+        <p:nvPr/>
+      </p:nvGrpSpPr>
+      <p:grpSpPr>
+        <a:xfrm>
+          <a:off x="0" y="0"/>
+          <a:ext cx="0" cy="0"/>
+          <a:chOff x="0" y="0"/>
+          <a:chExt cx="0" cy="0"/>
+        </a:xfrm>
+      </p:grpSpPr>
+      <p:sp>
+        <p:nvSpPr>
+          <p:cNvPr id="2" name="Slide Image Placeholder 1"/>
+          <p:cNvSpPr>
+            <a:spLocks noGrp="1" noRot="1" noChangeAspect="1"/>
+          </p:cNvSpPr>
+          <p:nvPr>
+            <p:ph type="sldImg"/>
+          </p:nvPr>
+        </p:nvSpPr>
+        <p:spPr/>
+      </p:sp>
+      <p:sp>
+        <p:nvSpPr>
+          <p:cNvPr id="3" name="Notes Placeholder 2"/>
+          <p:cNvSpPr>
+            <a:spLocks noGrp="1"/>
+          </p:cNvSpPr>
+          <p:nvPr>
+            <p:ph type="body" idx="1"/>
+          </p:nvPr>
+        </p:nvSpPr>
+        <p:spPr/>
+        <p:txBody>
+          <a:bodyPr/>
+          <a:lstStyle/>
+          <a:p>
+            <a:endParaRPr lang="LID4096" dirty="0"/>
+          </a:p>
+        </p:txBody>
+      </p:sp>
+      <p:sp>
+        <p:nvSpPr>
+          <p:cNvPr id="4" name="Slide Number Placeholder 3"/>
+          <p:cNvSpPr>
+            <a:spLocks noGrp="1"/>
+          </p:cNvSpPr>
+          <p:nvPr>
+            <p:ph type="sldNum" sz="quarter" idx="5"/>
+          </p:nvPr>
+        </p:nvSpPr>
+        <p:spPr/>
+        <p:txBody>
+          <a:bodyPr/>
+          <a:lstStyle/>
+          <a:p>
+            <a:fld id="{499538E5-A659-4D7D-B72C-B98624F190A9}" type="slidenum">
+              <a:rPr lang="LID4096" smtClean="0"/>
+              <a:t>3</a:t>
+            </a:fld>
+            <a:endParaRPr lang="LID4096"/>
+          </a:p>
+        </p:txBody>
+      </p:sp>
+    </p:spTree>
+    <p:extLst>
+      <p:ext uri="{BB962C8B-B14F-4D97-AF65-F5344CB8AC3E}">
+        <p14:creationId xmlns:p14="http://schemas.microsoft.com/office/powerpoint/2010/main" val="1121848164"/>
+      </p:ext>
+    </p:extLst>
+  </p:cSld>
+  <p:clrMapOvr>
+    <a:masterClrMapping/>
+  </p:clrMapOvr>
+</p:notes>
+</file>
+
 <file path=ppt/slideLayouts/slideLayout1.xml><?xml version="1.0" encoding="utf-8"?>
 <p:sldLayout xmlns:a="http://schemas.openxmlformats.org/drawingml/2006/main" xmlns:r="http://schemas.openxmlformats.org/officeDocument/2006/relationships" xmlns:p="http://schemas.openxmlformats.org/presentationml/2006/main" type="title" preserve="1">
   <p:cSld name="Title Slide">
@@ -3240,9 +3853,9 @@
           <a:bodyPr/>
           <a:lstStyle/>
           <a:p>
-            <a:fld id="{199EAED2-1BD4-417E-B7F0-36D437147FD8}" type="datetimeFigureOut">
+            <a:fld id="{004D0F4D-F296-44F4-8B89-4F0C146F33FE}" type="datetime1">
               <a:rPr lang="LID4096" smtClean="0"/>
-              <a:t>06/23/2022</a:t>
+              <a:t>06/29/2022</a:t>
             </a:fld>
             <a:endParaRPr lang="LID4096"/>
           </a:p>
@@ -3440,9 +4053,9 @@
           <a:bodyPr/>
           <a:lstStyle/>
           <a:p>
-            <a:fld id="{199EAED2-1BD4-417E-B7F0-36D437147FD8}" type="datetimeFigureOut">
+            <a:fld id="{162EC60A-822C-4711-91B3-DACCE878FE91}" type="datetime1">
               <a:rPr lang="LID4096" smtClean="0"/>
-              <a:t>06/23/2022</a:t>
+              <a:t>06/29/2022</a:t>
             </a:fld>
             <a:endParaRPr lang="LID4096"/>
           </a:p>
@@ -3650,9 +4263,9 @@
           <a:bodyPr/>
           <a:lstStyle/>
           <a:p>
-            <a:fld id="{199EAED2-1BD4-417E-B7F0-36D437147FD8}" type="datetimeFigureOut">
+            <a:fld id="{1E48C6C9-8839-49DE-A010-085F950F7DFD}" type="datetime1">
               <a:rPr lang="LID4096" smtClean="0"/>
-              <a:t>06/23/2022</a:t>
+              <a:t>06/29/2022</a:t>
             </a:fld>
             <a:endParaRPr lang="LID4096"/>
           </a:p>
@@ -3850,9 +4463,9 @@
           <a:bodyPr/>
           <a:lstStyle/>
           <a:p>
-            <a:fld id="{199EAED2-1BD4-417E-B7F0-36D437147FD8}" type="datetimeFigureOut">
+            <a:fld id="{CF525276-532D-45AA-82E1-6ABACBA1F1F6}" type="datetime1">
               <a:rPr lang="LID4096" smtClean="0"/>
-              <a:t>06/23/2022</a:t>
+              <a:t>06/29/2022</a:t>
             </a:fld>
             <a:endParaRPr lang="LID4096"/>
           </a:p>
@@ -4126,9 +4739,9 @@
           <a:bodyPr/>
           <a:lstStyle/>
           <a:p>
-            <a:fld id="{199EAED2-1BD4-417E-B7F0-36D437147FD8}" type="datetimeFigureOut">
+            <a:fld id="{212FEF1A-6982-4406-974B-054C3580FAFF}" type="datetime1">
               <a:rPr lang="LID4096" smtClean="0"/>
-              <a:t>06/23/2022</a:t>
+              <a:t>06/29/2022</a:t>
             </a:fld>
             <a:endParaRPr lang="LID4096"/>
           </a:p>
@@ -4394,9 +5007,9 @@
           <a:bodyPr/>
           <a:lstStyle/>
           <a:p>
-            <a:fld id="{199EAED2-1BD4-417E-B7F0-36D437147FD8}" type="datetimeFigureOut">
+            <a:fld id="{7698A249-331D-44A3-9020-EEC9F2D64BD2}" type="datetime1">
               <a:rPr lang="LID4096" smtClean="0"/>
-              <a:t>06/23/2022</a:t>
+              <a:t>06/29/2022</a:t>
             </a:fld>
             <a:endParaRPr lang="LID4096"/>
           </a:p>
@@ -4809,9 +5422,9 @@
           <a:bodyPr/>
           <a:lstStyle/>
           <a:p>
-            <a:fld id="{199EAED2-1BD4-417E-B7F0-36D437147FD8}" type="datetimeFigureOut">
+            <a:fld id="{7A04C8E4-0061-4406-9F51-4497D69809FD}" type="datetime1">
               <a:rPr lang="LID4096" smtClean="0"/>
-              <a:t>06/23/2022</a:t>
+              <a:t>06/29/2022</a:t>
             </a:fld>
             <a:endParaRPr lang="LID4096"/>
           </a:p>
@@ -4951,9 +5564,9 @@
           <a:bodyPr/>
           <a:lstStyle/>
           <a:p>
-            <a:fld id="{199EAED2-1BD4-417E-B7F0-36D437147FD8}" type="datetimeFigureOut">
+            <a:fld id="{617EE217-C799-4D9C-8CAD-C3533222B277}" type="datetime1">
               <a:rPr lang="LID4096" smtClean="0"/>
-              <a:t>06/23/2022</a:t>
+              <a:t>06/29/2022</a:t>
             </a:fld>
             <a:endParaRPr lang="LID4096"/>
           </a:p>
@@ -5064,9 +5677,9 @@
           <a:bodyPr/>
           <a:lstStyle/>
           <a:p>
-            <a:fld id="{199EAED2-1BD4-417E-B7F0-36D437147FD8}" type="datetimeFigureOut">
+            <a:fld id="{8D389F45-BA7F-46DB-A41B-B55028EFF7E9}" type="datetime1">
               <a:rPr lang="LID4096" smtClean="0"/>
-              <a:t>06/23/2022</a:t>
+              <a:t>06/29/2022</a:t>
             </a:fld>
             <a:endParaRPr lang="LID4096"/>
           </a:p>
@@ -5377,9 +5990,9 @@
           <a:bodyPr/>
           <a:lstStyle/>
           <a:p>
-            <a:fld id="{199EAED2-1BD4-417E-B7F0-36D437147FD8}" type="datetimeFigureOut">
+            <a:fld id="{30FDA44E-CCEB-4270-9227-ABF22E7B8D3D}" type="datetime1">
               <a:rPr lang="LID4096" smtClean="0"/>
-              <a:t>06/23/2022</a:t>
+              <a:t>06/29/2022</a:t>
             </a:fld>
             <a:endParaRPr lang="LID4096"/>
           </a:p>
@@ -5666,9 +6279,9 @@
           <a:bodyPr/>
           <a:lstStyle/>
           <a:p>
-            <a:fld id="{199EAED2-1BD4-417E-B7F0-36D437147FD8}" type="datetimeFigureOut">
+            <a:fld id="{3EF423F1-9268-4EAB-9949-C24EE5AFE87C}" type="datetime1">
               <a:rPr lang="LID4096" smtClean="0"/>
-              <a:t>06/23/2022</a:t>
+              <a:t>06/29/2022</a:t>
             </a:fld>
             <a:endParaRPr lang="LID4096"/>
           </a:p>
@@ -5909,9 +6522,9 @@
             </a:lvl1pPr>
           </a:lstStyle>
           <a:p>
-            <a:fld id="{199EAED2-1BD4-417E-B7F0-36D437147FD8}" type="datetimeFigureOut">
+            <a:fld id="{0771F97B-2D38-456E-B59A-0C85B99514F7}" type="datetime1">
               <a:rPr lang="LID4096" smtClean="0"/>
-              <a:t>06/23/2022</a:t>
+              <a:t>06/29/2022</a:t>
             </a:fld>
             <a:endParaRPr lang="LID4096"/>
           </a:p>
@@ -6028,6 +6641,7 @@
     <p:sldLayoutId id="2147483658" r:id="rId10"/>
     <p:sldLayoutId id="2147483659" r:id="rId11"/>
   </p:sldLayoutIdLst>
+  <p:hf hdr="0" ftr="0" dt="0"/>
   <p:txStyles>
     <p:titleStyle>
       <a:lvl1pPr algn="l" defTabSz="914400" rtl="0" eaLnBrk="1" latinLnBrk="0" hangingPunct="1">
@@ -6635,6 +7249,48 @@
           </a:p>
         </p:txBody>
       </p:sp>
+      <p:sp>
+        <p:nvSpPr>
+          <p:cNvPr id="5" name="Slide Number Placeholder 4">
+            <a:extLst>
+              <a:ext uri="{FF2B5EF4-FFF2-40B4-BE49-F238E27FC236}">
+                <a16:creationId xmlns:a16="http://schemas.microsoft.com/office/drawing/2014/main" id="{F075D40D-7309-F31C-5FCD-2FFF4C9557F0}"/>
+              </a:ext>
+            </a:extLst>
+          </p:cNvPr>
+          <p:cNvSpPr>
+            <a:spLocks noGrp="1"/>
+          </p:cNvSpPr>
+          <p:nvPr>
+            <p:ph type="sldNum" sz="quarter" idx="12"/>
+          </p:nvPr>
+        </p:nvSpPr>
+        <p:spPr>
+          <a:xfrm>
+            <a:off x="8601454" y="6368277"/>
+            <a:ext cx="2743200" cy="365125"/>
+          </a:xfrm>
+        </p:spPr>
+        <p:txBody>
+          <a:bodyPr/>
+          <a:lstStyle/>
+          <a:p>
+            <a:fld id="{18B7960F-2F80-4C56-A02C-B9D95219D382}" type="slidenum">
+              <a:rPr lang="LID4096" smtClean="0">
+                <a:solidFill>
+                  <a:schemeClr val="tx1"/>
+                </a:solidFill>
+              </a:rPr>
+              <a:t>1</a:t>
+            </a:fld>
+            <a:endParaRPr lang="LID4096" dirty="0">
+              <a:solidFill>
+                <a:schemeClr val="tx1"/>
+              </a:solidFill>
+            </a:endParaRPr>
+          </a:p>
+        </p:txBody>
+      </p:sp>
     </p:spTree>
     <p:extLst>
       <p:ext uri="{BB962C8B-B14F-4D97-AF65-F5344CB8AC3E}">
@@ -7099,6 +7755,35 @@
           </a:p>
         </p:txBody>
       </p:sp>
+      <p:sp>
+        <p:nvSpPr>
+          <p:cNvPr id="3" name="Slide Number Placeholder 2">
+            <a:extLst>
+              <a:ext uri="{FF2B5EF4-FFF2-40B4-BE49-F238E27FC236}">
+                <a16:creationId xmlns:a16="http://schemas.microsoft.com/office/drawing/2014/main" id="{08BA3DCA-F1C0-6E24-615C-E315399E96AC}"/>
+              </a:ext>
+            </a:extLst>
+          </p:cNvPr>
+          <p:cNvSpPr>
+            <a:spLocks noGrp="1"/>
+          </p:cNvSpPr>
+          <p:nvPr>
+            <p:ph type="sldNum" sz="quarter" idx="12"/>
+          </p:nvPr>
+        </p:nvSpPr>
+        <p:spPr/>
+        <p:txBody>
+          <a:bodyPr/>
+          <a:lstStyle/>
+          <a:p>
+            <a:fld id="{18B7960F-2F80-4C56-A02C-B9D95219D382}" type="slidenum">
+              <a:rPr lang="LID4096" smtClean="0"/>
+              <a:t>10</a:t>
+            </a:fld>
+            <a:endParaRPr lang="LID4096"/>
+          </a:p>
+        </p:txBody>
+      </p:sp>
     </p:spTree>
     <p:extLst>
       <p:ext uri="{BB962C8B-B14F-4D97-AF65-F5344CB8AC3E}">
@@ -7224,6 +7909,35 @@
             <a:endParaRPr lang="LID4096" dirty="0">
               <a:latin typeface="Arial Rounded MT Bold" panose="020F0704030504030204" pitchFamily="34" charset="0"/>
             </a:endParaRPr>
+          </a:p>
+        </p:txBody>
+      </p:sp>
+      <p:sp>
+        <p:nvSpPr>
+          <p:cNvPr id="4" name="Slide Number Placeholder 3">
+            <a:extLst>
+              <a:ext uri="{FF2B5EF4-FFF2-40B4-BE49-F238E27FC236}">
+                <a16:creationId xmlns:a16="http://schemas.microsoft.com/office/drawing/2014/main" id="{3CB75827-CB86-613F-5457-86D739883F8A}"/>
+              </a:ext>
+            </a:extLst>
+          </p:cNvPr>
+          <p:cNvSpPr>
+            <a:spLocks noGrp="1"/>
+          </p:cNvSpPr>
+          <p:nvPr>
+            <p:ph type="sldNum" sz="quarter" idx="12"/>
+          </p:nvPr>
+        </p:nvSpPr>
+        <p:spPr/>
+        <p:txBody>
+          <a:bodyPr/>
+          <a:lstStyle/>
+          <a:p>
+            <a:fld id="{18B7960F-2F80-4C56-A02C-B9D95219D382}" type="slidenum">
+              <a:rPr lang="LID4096" smtClean="0"/>
+              <a:t>11</a:t>
+            </a:fld>
+            <a:endParaRPr lang="LID4096"/>
           </a:p>
         </p:txBody>
       </p:sp>
@@ -8529,6 +9243,35 @@
           </a:p>
         </p:txBody>
       </p:sp>
+      <p:sp>
+        <p:nvSpPr>
+          <p:cNvPr id="3" name="Slide Number Placeholder 2">
+            <a:extLst>
+              <a:ext uri="{FF2B5EF4-FFF2-40B4-BE49-F238E27FC236}">
+                <a16:creationId xmlns:a16="http://schemas.microsoft.com/office/drawing/2014/main" id="{AD43D1A5-3A48-B623-B147-6F83A12AE810}"/>
+              </a:ext>
+            </a:extLst>
+          </p:cNvPr>
+          <p:cNvSpPr>
+            <a:spLocks noGrp="1"/>
+          </p:cNvSpPr>
+          <p:nvPr>
+            <p:ph type="sldNum" sz="quarter" idx="12"/>
+          </p:nvPr>
+        </p:nvSpPr>
+        <p:spPr/>
+        <p:txBody>
+          <a:bodyPr/>
+          <a:lstStyle/>
+          <a:p>
+            <a:fld id="{18B7960F-2F80-4C56-A02C-B9D95219D382}" type="slidenum">
+              <a:rPr lang="LID4096" smtClean="0"/>
+              <a:t>12</a:t>
+            </a:fld>
+            <a:endParaRPr lang="LID4096"/>
+          </a:p>
+        </p:txBody>
+      </p:sp>
     </p:spTree>
     <p:extLst>
       <p:ext uri="{BB962C8B-B14F-4D97-AF65-F5344CB8AC3E}">
@@ -9983,6 +10726,35 @@
           </a:p>
         </p:txBody>
       </p:sp>
+      <p:sp>
+        <p:nvSpPr>
+          <p:cNvPr id="3" name="Slide Number Placeholder 2">
+            <a:extLst>
+              <a:ext uri="{FF2B5EF4-FFF2-40B4-BE49-F238E27FC236}">
+                <a16:creationId xmlns:a16="http://schemas.microsoft.com/office/drawing/2014/main" id="{1019A6C2-736A-4C17-1D52-C19A64D0EA2C}"/>
+              </a:ext>
+            </a:extLst>
+          </p:cNvPr>
+          <p:cNvSpPr>
+            <a:spLocks noGrp="1"/>
+          </p:cNvSpPr>
+          <p:nvPr>
+            <p:ph type="sldNum" sz="quarter" idx="12"/>
+          </p:nvPr>
+        </p:nvSpPr>
+        <p:spPr/>
+        <p:txBody>
+          <a:bodyPr/>
+          <a:lstStyle/>
+          <a:p>
+            <a:fld id="{18B7960F-2F80-4C56-A02C-B9D95219D382}" type="slidenum">
+              <a:rPr lang="LID4096" smtClean="0"/>
+              <a:t>13</a:t>
+            </a:fld>
+            <a:endParaRPr lang="LID4096"/>
+          </a:p>
+        </p:txBody>
+      </p:sp>
     </p:spTree>
     <p:extLst>
       <p:ext uri="{BB962C8B-B14F-4D97-AF65-F5344CB8AC3E}">
@@ -10143,6 +10915,35 @@
           </a:graphicData>
         </a:graphic>
       </p:graphicFrame>
+      <p:sp>
+        <p:nvSpPr>
+          <p:cNvPr id="3" name="Slide Number Placeholder 2">
+            <a:extLst>
+              <a:ext uri="{FF2B5EF4-FFF2-40B4-BE49-F238E27FC236}">
+                <a16:creationId xmlns:a16="http://schemas.microsoft.com/office/drawing/2014/main" id="{9C91B03E-CB5B-C522-C0C2-763DED1BDF46}"/>
+              </a:ext>
+            </a:extLst>
+          </p:cNvPr>
+          <p:cNvSpPr>
+            <a:spLocks noGrp="1"/>
+          </p:cNvSpPr>
+          <p:nvPr>
+            <p:ph type="sldNum" sz="quarter" idx="12"/>
+          </p:nvPr>
+        </p:nvSpPr>
+        <p:spPr/>
+        <p:txBody>
+          <a:bodyPr/>
+          <a:lstStyle/>
+          <a:p>
+            <a:fld id="{18B7960F-2F80-4C56-A02C-B9D95219D382}" type="slidenum">
+              <a:rPr lang="LID4096" smtClean="0"/>
+              <a:t>14</a:t>
+            </a:fld>
+            <a:endParaRPr lang="LID4096"/>
+          </a:p>
+        </p:txBody>
+      </p:sp>
     </p:spTree>
     <p:extLst>
       <p:ext uri="{BB962C8B-B14F-4D97-AF65-F5344CB8AC3E}">
@@ -10302,6 +11103,35 @@
           </a:p>
         </p:txBody>
       </p:sp>
+      <p:sp>
+        <p:nvSpPr>
+          <p:cNvPr id="5" name="Slide Number Placeholder 4">
+            <a:extLst>
+              <a:ext uri="{FF2B5EF4-FFF2-40B4-BE49-F238E27FC236}">
+                <a16:creationId xmlns:a16="http://schemas.microsoft.com/office/drawing/2014/main" id="{0A5F19D8-D74A-DA86-7466-1E922659A2B2}"/>
+              </a:ext>
+            </a:extLst>
+          </p:cNvPr>
+          <p:cNvSpPr>
+            <a:spLocks noGrp="1"/>
+          </p:cNvSpPr>
+          <p:nvPr>
+            <p:ph type="sldNum" sz="quarter" idx="12"/>
+          </p:nvPr>
+        </p:nvSpPr>
+        <p:spPr/>
+        <p:txBody>
+          <a:bodyPr/>
+          <a:lstStyle/>
+          <a:p>
+            <a:fld id="{18B7960F-2F80-4C56-A02C-B9D95219D382}" type="slidenum">
+              <a:rPr lang="LID4096" smtClean="0"/>
+              <a:t>15</a:t>
+            </a:fld>
+            <a:endParaRPr lang="LID4096"/>
+          </a:p>
+        </p:txBody>
+      </p:sp>
     </p:spTree>
     <p:extLst>
       <p:ext uri="{BB962C8B-B14F-4D97-AF65-F5344CB8AC3E}">
@@ -10363,6 +11193,35 @@
           </a:p>
         </p:txBody>
       </p:sp>
+      <p:sp>
+        <p:nvSpPr>
+          <p:cNvPr id="3" name="Slide Number Placeholder 2">
+            <a:extLst>
+              <a:ext uri="{FF2B5EF4-FFF2-40B4-BE49-F238E27FC236}">
+                <a16:creationId xmlns:a16="http://schemas.microsoft.com/office/drawing/2014/main" id="{8D04CB45-5D80-2A25-57B2-629D3437EBB5}"/>
+              </a:ext>
+            </a:extLst>
+          </p:cNvPr>
+          <p:cNvSpPr>
+            <a:spLocks noGrp="1"/>
+          </p:cNvSpPr>
+          <p:nvPr>
+            <p:ph type="sldNum" sz="quarter" idx="12"/>
+          </p:nvPr>
+        </p:nvSpPr>
+        <p:spPr/>
+        <p:txBody>
+          <a:bodyPr/>
+          <a:lstStyle/>
+          <a:p>
+            <a:fld id="{18B7960F-2F80-4C56-A02C-B9D95219D382}" type="slidenum">
+              <a:rPr lang="LID4096" smtClean="0"/>
+              <a:t>16</a:t>
+            </a:fld>
+            <a:endParaRPr lang="LID4096"/>
+          </a:p>
+        </p:txBody>
+      </p:sp>
     </p:spTree>
     <p:extLst>
       <p:ext uri="{BB962C8B-B14F-4D97-AF65-F5344CB8AC3E}">
@@ -10464,6 +11323,35 @@
               <a:t>https://github.com/Adib6637/AutonomusTraficSystemHoffenheim</a:t>
             </a:r>
             <a:endParaRPr lang="en-US" dirty="0"/>
+          </a:p>
+        </p:txBody>
+      </p:sp>
+      <p:sp>
+        <p:nvSpPr>
+          <p:cNvPr id="4" name="Slide Number Placeholder 3">
+            <a:extLst>
+              <a:ext uri="{FF2B5EF4-FFF2-40B4-BE49-F238E27FC236}">
+                <a16:creationId xmlns:a16="http://schemas.microsoft.com/office/drawing/2014/main" id="{33B18BF0-513F-F488-6189-F1959355716D}"/>
+              </a:ext>
+            </a:extLst>
+          </p:cNvPr>
+          <p:cNvSpPr>
+            <a:spLocks noGrp="1"/>
+          </p:cNvSpPr>
+          <p:nvPr>
+            <p:ph type="sldNum" sz="quarter" idx="12"/>
+          </p:nvPr>
+        </p:nvSpPr>
+        <p:spPr/>
+        <p:txBody>
+          <a:bodyPr/>
+          <a:lstStyle/>
+          <a:p>
+            <a:fld id="{18B7960F-2F80-4C56-A02C-B9D95219D382}" type="slidenum">
+              <a:rPr lang="LID4096" smtClean="0"/>
+              <a:t>17</a:t>
+            </a:fld>
+            <a:endParaRPr lang="LID4096"/>
           </a:p>
         </p:txBody>
       </p:sp>
@@ -10580,7 +11468,7 @@
           <p:nvPr/>
         </p:nvPicPr>
         <p:blipFill rotWithShape="1">
-          <a:blip r:embed="rId2">
+          <a:blip r:embed="rId3">
             <a:alphaModFix amt="50000"/>
             <a:extLst>
               <a:ext uri="{28A0092B-C50C-407E-A947-70E740481C1C}">
@@ -11059,6 +11947,35 @@
           </a:p>
         </p:txBody>
       </p:sp>
+      <p:sp>
+        <p:nvSpPr>
+          <p:cNvPr id="4" name="Slide Number Placeholder 3">
+            <a:extLst>
+              <a:ext uri="{FF2B5EF4-FFF2-40B4-BE49-F238E27FC236}">
+                <a16:creationId xmlns:a16="http://schemas.microsoft.com/office/drawing/2014/main" id="{3B18B99D-FC50-2A33-B91D-26BFE6112DED}"/>
+              </a:ext>
+            </a:extLst>
+          </p:cNvPr>
+          <p:cNvSpPr>
+            <a:spLocks noGrp="1"/>
+          </p:cNvSpPr>
+          <p:nvPr>
+            <p:ph type="sldNum" sz="quarter" idx="12"/>
+          </p:nvPr>
+        </p:nvSpPr>
+        <p:spPr/>
+        <p:txBody>
+          <a:bodyPr/>
+          <a:lstStyle/>
+          <a:p>
+            <a:fld id="{18B7960F-2F80-4C56-A02C-B9D95219D382}" type="slidenum">
+              <a:rPr lang="LID4096" smtClean="0"/>
+              <a:t>2</a:t>
+            </a:fld>
+            <a:endParaRPr lang="LID4096"/>
+          </a:p>
+        </p:txBody>
+      </p:sp>
     </p:spTree>
     <p:extLst>
       <p:ext uri="{BB962C8B-B14F-4D97-AF65-F5344CB8AC3E}">
@@ -11184,6 +12101,35 @@
             <a:endParaRPr lang="LID4096" dirty="0">
               <a:latin typeface="Arial Rounded MT Bold" panose="020F0704030504030204" pitchFamily="34" charset="0"/>
             </a:endParaRPr>
+          </a:p>
+        </p:txBody>
+      </p:sp>
+      <p:sp>
+        <p:nvSpPr>
+          <p:cNvPr id="4" name="Slide Number Placeholder 3">
+            <a:extLst>
+              <a:ext uri="{FF2B5EF4-FFF2-40B4-BE49-F238E27FC236}">
+                <a16:creationId xmlns:a16="http://schemas.microsoft.com/office/drawing/2014/main" id="{919CFB74-4727-4C7E-42FF-9CB6415B7DCA}"/>
+              </a:ext>
+            </a:extLst>
+          </p:cNvPr>
+          <p:cNvSpPr>
+            <a:spLocks noGrp="1"/>
+          </p:cNvSpPr>
+          <p:nvPr>
+            <p:ph type="sldNum" sz="quarter" idx="12"/>
+          </p:nvPr>
+        </p:nvSpPr>
+        <p:spPr/>
+        <p:txBody>
+          <a:bodyPr/>
+          <a:lstStyle/>
+          <a:p>
+            <a:fld id="{18B7960F-2F80-4C56-A02C-B9D95219D382}" type="slidenum">
+              <a:rPr lang="LID4096" smtClean="0"/>
+              <a:t>3</a:t>
+            </a:fld>
+            <a:endParaRPr lang="LID4096"/>
           </a:p>
         </p:txBody>
       </p:sp>
@@ -11248,7 +12194,7 @@
         </p:blipFill>
         <p:spPr>
           <a:xfrm>
-            <a:off x="1421184" y="3047533"/>
+            <a:off x="1185093" y="3643578"/>
             <a:ext cx="691879" cy="691879"/>
           </a:xfrm>
           <a:prstGeom prst="rect">
@@ -11270,7 +12216,7 @@
         </p:nvSpPr>
         <p:spPr>
           <a:xfrm>
-            <a:off x="9705933" y="3887183"/>
+            <a:off x="9469842" y="4483228"/>
             <a:ext cx="585290" cy="45719"/>
           </a:xfrm>
           <a:prstGeom prst="rect">
@@ -11323,7 +12269,7 @@
         </p:nvSpPr>
         <p:spPr>
           <a:xfrm>
-            <a:off x="9611272" y="4010595"/>
+            <a:off x="9375181" y="4606640"/>
             <a:ext cx="585290" cy="45719"/>
           </a:xfrm>
           <a:prstGeom prst="rect">
@@ -11376,7 +12322,7 @@
         </p:nvSpPr>
         <p:spPr>
           <a:xfrm>
-            <a:off x="9666202" y="4145230"/>
+            <a:off x="9430111" y="4741275"/>
             <a:ext cx="585290" cy="45719"/>
           </a:xfrm>
           <a:prstGeom prst="rect">
@@ -11446,7 +12392,7 @@
         </p:blipFill>
         <p:spPr>
           <a:xfrm>
-            <a:off x="1294465" y="3464527"/>
+            <a:off x="1058374" y="4060572"/>
             <a:ext cx="1149077" cy="1149077"/>
           </a:xfrm>
           <a:prstGeom prst="rect">
@@ -11468,7 +12414,7 @@
         </p:nvSpPr>
         <p:spPr>
           <a:xfrm>
-            <a:off x="3691260" y="2709541"/>
+            <a:off x="3455169" y="3305586"/>
             <a:ext cx="5407862" cy="2950762"/>
           </a:xfrm>
           <a:prstGeom prst="rect">
@@ -11528,7 +12474,7 @@
         </p:blipFill>
         <p:spPr>
           <a:xfrm>
-            <a:off x="6707559" y="3312230"/>
+            <a:off x="6471468" y="3908275"/>
             <a:ext cx="1791075" cy="1818491"/>
           </a:xfrm>
           <a:prstGeom prst="rect">
@@ -11568,7 +12514,7 @@
         </p:blipFill>
         <p:spPr>
           <a:xfrm>
-            <a:off x="4095852" y="3312230"/>
+            <a:off x="3859761" y="3908275"/>
             <a:ext cx="1820485" cy="1818491"/>
           </a:xfrm>
           <a:prstGeom prst="rect">
@@ -11600,7 +12546,7 @@
         </p:nvSpPr>
         <p:spPr>
           <a:xfrm>
-            <a:off x="4808547" y="2187412"/>
+            <a:off x="4572456" y="2783457"/>
             <a:ext cx="3448712" cy="755559"/>
           </a:xfrm>
           <a:prstGeom prst="roundRect">
@@ -11665,7 +12611,7 @@
         </p:nvSpPr>
         <p:spPr>
           <a:xfrm>
-            <a:off x="4701025" y="2077396"/>
+            <a:off x="4464934" y="2673441"/>
             <a:ext cx="3448712" cy="755559"/>
           </a:xfrm>
           <a:prstGeom prst="roundRect">
@@ -11747,7 +12693,7 @@
         </p:blipFill>
         <p:spPr>
           <a:xfrm>
-            <a:off x="1239535" y="3436056"/>
+            <a:off x="1003444" y="4032101"/>
             <a:ext cx="1149077" cy="1149077"/>
           </a:xfrm>
           <a:prstGeom prst="rect">
@@ -11786,7 +12732,7 @@
         </p:blipFill>
         <p:spPr>
           <a:xfrm>
-            <a:off x="10366472" y="3521560"/>
+            <a:off x="10130381" y="4117605"/>
             <a:ext cx="1149077" cy="1149077"/>
           </a:xfrm>
           <a:prstGeom prst="rect">
@@ -11825,7 +12771,7 @@
         </p:blipFill>
         <p:spPr>
           <a:xfrm>
-            <a:off x="10440814" y="3481775"/>
+            <a:off x="10204723" y="4077820"/>
             <a:ext cx="1149077" cy="1149077"/>
           </a:xfrm>
           <a:prstGeom prst="rect">
@@ -11847,7 +12793,7 @@
         </p:nvSpPr>
         <p:spPr>
           <a:xfrm>
-            <a:off x="1294465" y="538542"/>
+            <a:off x="1058374" y="1134587"/>
             <a:ext cx="807814" cy="757325"/>
           </a:xfrm>
           <a:prstGeom prst="flowChartConnector">
@@ -11899,7 +12845,7 @@
         </p:nvSpPr>
         <p:spPr>
           <a:xfrm>
-            <a:off x="5899745" y="538542"/>
+            <a:off x="5663654" y="1134587"/>
             <a:ext cx="807814" cy="757325"/>
           </a:xfrm>
           <a:prstGeom prst="flowChartConnector">
@@ -11951,7 +12897,7 @@
         </p:nvSpPr>
         <p:spPr>
           <a:xfrm>
-            <a:off x="10366472" y="538542"/>
+            <a:off x="10130381" y="1134587"/>
             <a:ext cx="807814" cy="757325"/>
           </a:xfrm>
           <a:prstGeom prst="flowChartConnector">
@@ -12003,7 +12949,7 @@
         </p:nvSpPr>
         <p:spPr>
           <a:xfrm>
-            <a:off x="9800594" y="3864324"/>
+            <a:off x="9564503" y="4460369"/>
             <a:ext cx="585290" cy="45719"/>
           </a:xfrm>
           <a:prstGeom prst="rect">
@@ -12050,7 +12996,7 @@
         </p:nvSpPr>
         <p:spPr>
           <a:xfrm>
-            <a:off x="9705933" y="3987736"/>
+            <a:off x="9469842" y="4583781"/>
             <a:ext cx="585290" cy="45719"/>
           </a:xfrm>
           <a:prstGeom prst="rect">
@@ -12097,7 +13043,7 @@
         </p:nvSpPr>
         <p:spPr>
           <a:xfrm>
-            <a:off x="9760863" y="4122371"/>
+            <a:off x="9524772" y="4718416"/>
             <a:ext cx="585290" cy="45719"/>
           </a:xfrm>
           <a:prstGeom prst="rect">
@@ -12161,7 +13107,7 @@
         </p:blipFill>
         <p:spPr>
           <a:xfrm>
-            <a:off x="1375489" y="3013243"/>
+            <a:off x="1139398" y="3609288"/>
             <a:ext cx="691879" cy="691879"/>
           </a:xfrm>
           <a:prstGeom prst="rect">
@@ -12175,6 +13121,356 @@
             <a:extLst>
               <a:ext uri="{FF2B5EF4-FFF2-40B4-BE49-F238E27FC236}">
                 <a16:creationId xmlns:a16="http://schemas.microsoft.com/office/drawing/2014/main" id="{9CA8B716-FD94-387E-95D0-70AAA56FB21A}"/>
+              </a:ext>
+            </a:extLst>
+          </p:cNvPr>
+          <p:cNvSpPr/>
+          <p:nvPr/>
+        </p:nvSpPr>
+        <p:spPr>
+          <a:xfrm>
+            <a:off x="0" y="-1148"/>
+            <a:ext cx="12192000" cy="590901"/>
+          </a:xfrm>
+          <a:prstGeom prst="rect">
+            <a:avLst/>
+          </a:prstGeom>
+          <a:solidFill>
+            <a:schemeClr val="accent3"/>
+          </a:solidFill>
+          <a:ln>
+            <a:noFill/>
+          </a:ln>
+        </p:spPr>
+        <p:style>
+          <a:lnRef idx="0">
+            <a:scrgbClr r="0" g="0" b="0"/>
+          </a:lnRef>
+          <a:fillRef idx="0">
+            <a:scrgbClr r="0" g="0" b="0"/>
+          </a:fillRef>
+          <a:effectRef idx="0">
+            <a:scrgbClr r="0" g="0" b="0"/>
+          </a:effectRef>
+          <a:fontRef idx="minor">
+            <a:schemeClr val="lt1"/>
+          </a:fontRef>
+        </p:style>
+        <p:txBody>
+          <a:bodyPr rtlCol="0" anchor="ctr"/>
+          <a:lstStyle/>
+          <a:p>
+            <a:pPr algn="ctr"/>
+            <a:r>
+              <a:rPr lang="en-GB" dirty="0">
+                <a:latin typeface="Arial Rounded MT Bold" panose="020F0704030504030204" pitchFamily="34" charset="0"/>
+              </a:rPr>
+              <a:t>Concept: Centralize System</a:t>
+            </a:r>
+            <a:endParaRPr lang="LID4096" dirty="0">
+              <a:latin typeface="Arial Rounded MT Bold" panose="020F0704030504030204" pitchFamily="34" charset="0"/>
+            </a:endParaRPr>
+          </a:p>
+        </p:txBody>
+      </p:sp>
+      <p:sp>
+        <p:nvSpPr>
+          <p:cNvPr id="2" name="Slide Number Placeholder 1">
+            <a:extLst>
+              <a:ext uri="{FF2B5EF4-FFF2-40B4-BE49-F238E27FC236}">
+                <a16:creationId xmlns:a16="http://schemas.microsoft.com/office/drawing/2014/main" id="{6D8579DA-CE41-7523-2F1B-BFA9B0F03B39}"/>
+              </a:ext>
+            </a:extLst>
+          </p:cNvPr>
+          <p:cNvSpPr>
+            <a:spLocks noGrp="1"/>
+          </p:cNvSpPr>
+          <p:nvPr>
+            <p:ph type="sldNum" sz="quarter" idx="12"/>
+          </p:nvPr>
+        </p:nvSpPr>
+        <p:spPr/>
+        <p:txBody>
+          <a:bodyPr/>
+          <a:lstStyle/>
+          <a:p>
+            <a:fld id="{18B7960F-2F80-4C56-A02C-B9D95219D382}" type="slidenum">
+              <a:rPr lang="LID4096" smtClean="0"/>
+              <a:t>4</a:t>
+            </a:fld>
+            <a:endParaRPr lang="LID4096"/>
+          </a:p>
+        </p:txBody>
+      </p:sp>
+      <p:sp>
+        <p:nvSpPr>
+          <p:cNvPr id="31" name="Rectangle: Rounded Corners 30">
+            <a:extLst>
+              <a:ext uri="{FF2B5EF4-FFF2-40B4-BE49-F238E27FC236}">
+                <a16:creationId xmlns:a16="http://schemas.microsoft.com/office/drawing/2014/main" id="{2E89013C-B906-9D4F-6B45-D168C875259F}"/>
+              </a:ext>
+            </a:extLst>
+          </p:cNvPr>
+          <p:cNvSpPr/>
+          <p:nvPr/>
+        </p:nvSpPr>
+        <p:spPr>
+          <a:xfrm>
+            <a:off x="615219" y="1783435"/>
+            <a:ext cx="1694123" cy="367036"/>
+          </a:xfrm>
+          <a:prstGeom prst="roundRect">
+            <a:avLst/>
+          </a:prstGeom>
+          <a:solidFill>
+            <a:schemeClr val="accent2"/>
+          </a:solidFill>
+          <a:ln>
+            <a:noFill/>
+          </a:ln>
+        </p:spPr>
+        <p:style>
+          <a:lnRef idx="2">
+            <a:schemeClr val="accent1">
+              <a:shade val="50000"/>
+            </a:schemeClr>
+          </a:lnRef>
+          <a:fillRef idx="1">
+            <a:schemeClr val="accent1"/>
+          </a:fillRef>
+          <a:effectRef idx="0">
+            <a:schemeClr val="accent1"/>
+          </a:effectRef>
+          <a:fontRef idx="minor">
+            <a:schemeClr val="lt1"/>
+          </a:fontRef>
+        </p:style>
+        <p:txBody>
+          <a:bodyPr rtlCol="0" anchor="ctr"/>
+          <a:lstStyle/>
+          <a:p>
+            <a:pPr algn="ctr"/>
+            <a:r>
+              <a:rPr lang="en-GB" dirty="0">
+                <a:solidFill>
+                  <a:schemeClr val="bg1"/>
+                </a:solidFill>
+                <a:latin typeface="Arial Rounded MT Bold" panose="020F0704030504030204" pitchFamily="34" charset="0"/>
+              </a:rPr>
+              <a:t>Request</a:t>
+            </a:r>
+            <a:endParaRPr lang="LID4096" dirty="0">
+              <a:solidFill>
+                <a:schemeClr val="bg1"/>
+              </a:solidFill>
+            </a:endParaRPr>
+          </a:p>
+        </p:txBody>
+      </p:sp>
+      <p:sp>
+        <p:nvSpPr>
+          <p:cNvPr id="32" name="Rectangle: Rounded Corners 31">
+            <a:extLst>
+              <a:ext uri="{FF2B5EF4-FFF2-40B4-BE49-F238E27FC236}">
+                <a16:creationId xmlns:a16="http://schemas.microsoft.com/office/drawing/2014/main" id="{B26BD48C-BCFC-E177-B66C-ACA2A60C51EC}"/>
+              </a:ext>
+            </a:extLst>
+          </p:cNvPr>
+          <p:cNvSpPr/>
+          <p:nvPr/>
+        </p:nvSpPr>
+        <p:spPr>
+          <a:xfrm>
+            <a:off x="5220499" y="1783435"/>
+            <a:ext cx="1694123" cy="367036"/>
+          </a:xfrm>
+          <a:prstGeom prst="roundRect">
+            <a:avLst/>
+          </a:prstGeom>
+          <a:solidFill>
+            <a:schemeClr val="accent2"/>
+          </a:solidFill>
+          <a:ln>
+            <a:noFill/>
+          </a:ln>
+        </p:spPr>
+        <p:style>
+          <a:lnRef idx="2">
+            <a:schemeClr val="accent1">
+              <a:shade val="50000"/>
+            </a:schemeClr>
+          </a:lnRef>
+          <a:fillRef idx="1">
+            <a:schemeClr val="accent1"/>
+          </a:fillRef>
+          <a:effectRef idx="0">
+            <a:schemeClr val="accent1"/>
+          </a:effectRef>
+          <a:fontRef idx="minor">
+            <a:schemeClr val="lt1"/>
+          </a:fontRef>
+        </p:style>
+        <p:txBody>
+          <a:bodyPr rtlCol="0" anchor="ctr"/>
+          <a:lstStyle/>
+          <a:p>
+            <a:pPr algn="ctr"/>
+            <a:r>
+              <a:rPr lang="en-GB" dirty="0">
+                <a:solidFill>
+                  <a:schemeClr val="bg1"/>
+                </a:solidFill>
+                <a:latin typeface="Arial Rounded MT Bold" panose="020F0704030504030204" pitchFamily="34" charset="0"/>
+              </a:rPr>
+              <a:t>Manage</a:t>
+            </a:r>
+            <a:endParaRPr lang="LID4096" dirty="0">
+              <a:solidFill>
+                <a:schemeClr val="bg1"/>
+              </a:solidFill>
+            </a:endParaRPr>
+          </a:p>
+        </p:txBody>
+      </p:sp>
+      <p:sp>
+        <p:nvSpPr>
+          <p:cNvPr id="33" name="Rectangle: Rounded Corners 32">
+            <a:extLst>
+              <a:ext uri="{FF2B5EF4-FFF2-40B4-BE49-F238E27FC236}">
+                <a16:creationId xmlns:a16="http://schemas.microsoft.com/office/drawing/2014/main" id="{0FA517C5-1FC6-D3FC-1096-B1DF0129EFF5}"/>
+              </a:ext>
+            </a:extLst>
+          </p:cNvPr>
+          <p:cNvSpPr/>
+          <p:nvPr/>
+        </p:nvSpPr>
+        <p:spPr>
+          <a:xfrm>
+            <a:off x="9738172" y="1783435"/>
+            <a:ext cx="1592232" cy="367036"/>
+          </a:xfrm>
+          <a:prstGeom prst="roundRect">
+            <a:avLst/>
+          </a:prstGeom>
+          <a:solidFill>
+            <a:schemeClr val="accent2"/>
+          </a:solidFill>
+          <a:ln>
+            <a:noFill/>
+          </a:ln>
+        </p:spPr>
+        <p:style>
+          <a:lnRef idx="2">
+            <a:schemeClr val="accent1">
+              <a:shade val="50000"/>
+            </a:schemeClr>
+          </a:lnRef>
+          <a:fillRef idx="1">
+            <a:schemeClr val="accent1"/>
+          </a:fillRef>
+          <a:effectRef idx="0">
+            <a:schemeClr val="accent1"/>
+          </a:effectRef>
+          <a:fontRef idx="minor">
+            <a:schemeClr val="lt1"/>
+          </a:fontRef>
+        </p:style>
+        <p:txBody>
+          <a:bodyPr rtlCol="0" anchor="ctr"/>
+          <a:lstStyle/>
+          <a:p>
+            <a:pPr algn="ctr"/>
+            <a:r>
+              <a:rPr lang="en-GB" dirty="0">
+                <a:solidFill>
+                  <a:schemeClr val="bg1"/>
+                </a:solidFill>
+                <a:latin typeface="Arial Rounded MT Bold" panose="020F0704030504030204" pitchFamily="34" charset="0"/>
+              </a:rPr>
+              <a:t>Go</a:t>
+            </a:r>
+            <a:endParaRPr lang="LID4096" dirty="0">
+              <a:solidFill>
+                <a:schemeClr val="bg1"/>
+              </a:solidFill>
+            </a:endParaRPr>
+          </a:p>
+        </p:txBody>
+      </p:sp>
+    </p:spTree>
+    <p:extLst>
+      <p:ext uri="{BB962C8B-B14F-4D97-AF65-F5344CB8AC3E}">
+        <p14:creationId xmlns:p14="http://schemas.microsoft.com/office/powerpoint/2010/main" val="2086291732"/>
+      </p:ext>
+    </p:extLst>
+  </p:cSld>
+  <p:clrMapOvr>
+    <a:masterClrMapping/>
+  </p:clrMapOvr>
+</p:sld>
+</file>
+
+<file path=ppt/slides/slide5.xml><?xml version="1.0" encoding="utf-8"?>
+<p:sld xmlns:a="http://schemas.openxmlformats.org/drawingml/2006/main" xmlns:r="http://schemas.openxmlformats.org/officeDocument/2006/relationships" xmlns:p="http://schemas.openxmlformats.org/presentationml/2006/main">
+  <p:cSld>
+    <p:spTree>
+      <p:nvGrpSpPr>
+        <p:cNvPr id="1" name=""/>
+        <p:cNvGrpSpPr/>
+        <p:nvPr/>
+      </p:nvGrpSpPr>
+      <p:grpSpPr>
+        <a:xfrm>
+          <a:off x="0" y="0"/>
+          <a:ext cx="0" cy="0"/>
+          <a:chOff x="0" y="0"/>
+          <a:chExt cx="0" cy="0"/>
+        </a:xfrm>
+      </p:grpSpPr>
+      <p:sp>
+        <p:nvSpPr>
+          <p:cNvPr id="2" name="Title 1">
+            <a:extLst>
+              <a:ext uri="{FF2B5EF4-FFF2-40B4-BE49-F238E27FC236}">
+                <a16:creationId xmlns:a16="http://schemas.microsoft.com/office/drawing/2014/main" id="{6420E36B-836F-D9C0-DE96-1C98126FB24D}"/>
+              </a:ext>
+            </a:extLst>
+          </p:cNvPr>
+          <p:cNvSpPr>
+            <a:spLocks noGrp="1"/>
+          </p:cNvSpPr>
+          <p:nvPr>
+            <p:ph type="title"/>
+          </p:nvPr>
+        </p:nvSpPr>
+        <p:spPr>
+          <a:xfrm>
+            <a:off x="1524000" y="2915901"/>
+            <a:ext cx="9144000" cy="1026197"/>
+          </a:xfrm>
+        </p:spPr>
+        <p:txBody>
+          <a:bodyPr vert="horz" lIns="91440" tIns="45720" rIns="91440" bIns="45720" rtlCol="0" anchor="b">
+            <a:normAutofit/>
+          </a:bodyPr>
+          <a:lstStyle/>
+          <a:p>
+            <a:pPr algn="ctr"/>
+            <a:r>
+              <a:rPr lang="en-US" sz="6600" b="1" dirty="0">
+                <a:latin typeface="Arial Rounded MT Bold" panose="020F0704030504030204" pitchFamily="34" charset="0"/>
+              </a:rPr>
+              <a:t>Approach </a:t>
+            </a:r>
+          </a:p>
+        </p:txBody>
+      </p:sp>
+      <p:sp>
+        <p:nvSpPr>
+          <p:cNvPr id="3" name="Rectangle 2">
+            <a:extLst>
+              <a:ext uri="{FF2B5EF4-FFF2-40B4-BE49-F238E27FC236}">
+                <a16:creationId xmlns:a16="http://schemas.microsoft.com/office/drawing/2014/main" id="{B50728E3-6793-8D4D-A014-B796656DDB54}"/>
               </a:ext>
             </a:extLst>
           </p:cNvPr>
@@ -12221,139 +13517,40 @@
               <a:rPr lang="en-GB" dirty="0">
                 <a:latin typeface="Arial Rounded MT Bold" panose="020F0704030504030204" pitchFamily="34" charset="0"/>
               </a:rPr>
-              <a:t>Concept</a:t>
-            </a:r>
-            <a:endParaRPr lang="LID4096" dirty="0">
-              <a:latin typeface="Arial Rounded MT Bold" panose="020F0704030504030204" pitchFamily="34" charset="0"/>
-            </a:endParaRPr>
-          </a:p>
-        </p:txBody>
-      </p:sp>
-    </p:spTree>
-    <p:extLst>
-      <p:ext uri="{BB962C8B-B14F-4D97-AF65-F5344CB8AC3E}">
-        <p14:creationId xmlns:p14="http://schemas.microsoft.com/office/powerpoint/2010/main" val="2086291732"/>
-      </p:ext>
-    </p:extLst>
-  </p:cSld>
-  <p:clrMapOvr>
-    <a:masterClrMapping/>
-  </p:clrMapOvr>
-</p:sld>
-</file>
-
-<file path=ppt/slides/slide5.xml><?xml version="1.0" encoding="utf-8"?>
-<p:sld xmlns:a="http://schemas.openxmlformats.org/drawingml/2006/main" xmlns:r="http://schemas.openxmlformats.org/officeDocument/2006/relationships" xmlns:p="http://schemas.openxmlformats.org/presentationml/2006/main">
-  <p:cSld>
-    <p:spTree>
-      <p:nvGrpSpPr>
-        <p:cNvPr id="1" name=""/>
-        <p:cNvGrpSpPr/>
-        <p:nvPr/>
-      </p:nvGrpSpPr>
-      <p:grpSpPr>
-        <a:xfrm>
-          <a:off x="0" y="0"/>
-          <a:ext cx="0" cy="0"/>
-          <a:chOff x="0" y="0"/>
-          <a:chExt cx="0" cy="0"/>
-        </a:xfrm>
-      </p:grpSpPr>
-      <p:sp>
-        <p:nvSpPr>
-          <p:cNvPr id="2" name="Title 1">
-            <a:extLst>
-              <a:ext uri="{FF2B5EF4-FFF2-40B4-BE49-F238E27FC236}">
-                <a16:creationId xmlns:a16="http://schemas.microsoft.com/office/drawing/2014/main" id="{6420E36B-836F-D9C0-DE96-1C98126FB24D}"/>
-              </a:ext>
-            </a:extLst>
-          </p:cNvPr>
-          <p:cNvSpPr>
-            <a:spLocks noGrp="1"/>
-          </p:cNvSpPr>
-          <p:nvPr>
-            <p:ph type="title"/>
-          </p:nvPr>
-        </p:nvSpPr>
-        <p:spPr>
-          <a:xfrm>
-            <a:off x="1524000" y="2915901"/>
-            <a:ext cx="9144000" cy="1026197"/>
-          </a:xfrm>
-        </p:spPr>
-        <p:txBody>
-          <a:bodyPr vert="horz" lIns="91440" tIns="45720" rIns="91440" bIns="45720" rtlCol="0" anchor="b">
-            <a:normAutofit/>
-          </a:bodyPr>
-          <a:lstStyle/>
-          <a:p>
-            <a:pPr algn="ctr"/>
-            <a:r>
-              <a:rPr lang="en-US" sz="6600" b="1" dirty="0">
-                <a:latin typeface="Arial Rounded MT Bold" panose="020F0704030504030204" pitchFamily="34" charset="0"/>
-              </a:rPr>
-              <a:t>Approach </a:t>
-            </a:r>
-          </a:p>
-        </p:txBody>
-      </p:sp>
-      <p:sp>
-        <p:nvSpPr>
-          <p:cNvPr id="3" name="Rectangle 2">
-            <a:extLst>
-              <a:ext uri="{FF2B5EF4-FFF2-40B4-BE49-F238E27FC236}">
-                <a16:creationId xmlns:a16="http://schemas.microsoft.com/office/drawing/2014/main" id="{B50728E3-6793-8D4D-A014-B796656DDB54}"/>
-              </a:ext>
-            </a:extLst>
-          </p:cNvPr>
-          <p:cNvSpPr/>
-          <p:nvPr/>
-        </p:nvSpPr>
-        <p:spPr>
-          <a:xfrm rot="5400000">
-            <a:off x="8467548" y="3133550"/>
-            <a:ext cx="6858002" cy="590901"/>
-          </a:xfrm>
-          <a:prstGeom prst="rect">
-            <a:avLst/>
-          </a:prstGeom>
-          <a:solidFill>
-            <a:schemeClr val="accent2"/>
-          </a:solidFill>
-          <a:ln>
-            <a:noFill/>
-          </a:ln>
-        </p:spPr>
-        <p:style>
-          <a:lnRef idx="2">
-            <a:schemeClr val="accent1">
-              <a:shade val="50000"/>
-            </a:schemeClr>
-          </a:lnRef>
-          <a:fillRef idx="1">
-            <a:schemeClr val="accent1"/>
-          </a:fillRef>
-          <a:effectRef idx="0">
-            <a:schemeClr val="accent1"/>
-          </a:effectRef>
-          <a:fontRef idx="minor">
-            <a:schemeClr val="lt1"/>
-          </a:fontRef>
-        </p:style>
-        <p:txBody>
-          <a:bodyPr rtlCol="0" anchor="ctr"/>
-          <a:lstStyle/>
-          <a:p>
-            <a:pPr algn="ctr"/>
-            <a:r>
-              <a:rPr lang="en-GB" dirty="0">
-                <a:latin typeface="Arial Rounded MT Bold" panose="020F0704030504030204" pitchFamily="34" charset="0"/>
-              </a:rPr>
               <a:t>Approach</a:t>
             </a:r>
             <a:endParaRPr lang="LID4096" dirty="0">
               <a:latin typeface="Arial Rounded MT Bold" panose="020F0704030504030204" pitchFamily="34" charset="0"/>
             </a:endParaRPr>
+          </a:p>
+        </p:txBody>
+      </p:sp>
+      <p:sp>
+        <p:nvSpPr>
+          <p:cNvPr id="4" name="Slide Number Placeholder 3">
+            <a:extLst>
+              <a:ext uri="{FF2B5EF4-FFF2-40B4-BE49-F238E27FC236}">
+                <a16:creationId xmlns:a16="http://schemas.microsoft.com/office/drawing/2014/main" id="{55D5FCE7-6191-4542-CD21-ED626D20D578}"/>
+              </a:ext>
+            </a:extLst>
+          </p:cNvPr>
+          <p:cNvSpPr>
+            <a:spLocks noGrp="1"/>
+          </p:cNvSpPr>
+          <p:nvPr>
+            <p:ph type="sldNum" sz="quarter" idx="12"/>
+          </p:nvPr>
+        </p:nvSpPr>
+        <p:spPr/>
+        <p:txBody>
+          <a:bodyPr/>
+          <a:lstStyle/>
+          <a:p>
+            <a:fld id="{18B7960F-2F80-4C56-A02C-B9D95219D382}" type="slidenum">
+              <a:rPr lang="LID4096" smtClean="0"/>
+              <a:t>5</a:t>
+            </a:fld>
+            <a:endParaRPr lang="LID4096"/>
           </a:p>
         </p:txBody>
       </p:sp>
@@ -12946,6 +14143,35 @@
           </a:p>
         </p:txBody>
       </p:sp>
+      <p:sp>
+        <p:nvSpPr>
+          <p:cNvPr id="3" name="Slide Number Placeholder 2">
+            <a:extLst>
+              <a:ext uri="{FF2B5EF4-FFF2-40B4-BE49-F238E27FC236}">
+                <a16:creationId xmlns:a16="http://schemas.microsoft.com/office/drawing/2014/main" id="{EFD23338-5693-FFA3-014D-4531009FAA5B}"/>
+              </a:ext>
+            </a:extLst>
+          </p:cNvPr>
+          <p:cNvSpPr>
+            <a:spLocks noGrp="1"/>
+          </p:cNvSpPr>
+          <p:nvPr>
+            <p:ph type="sldNum" sz="quarter" idx="12"/>
+          </p:nvPr>
+        </p:nvSpPr>
+        <p:spPr/>
+        <p:txBody>
+          <a:bodyPr/>
+          <a:lstStyle/>
+          <a:p>
+            <a:fld id="{18B7960F-2F80-4C56-A02C-B9D95219D382}" type="slidenum">
+              <a:rPr lang="LID4096" smtClean="0"/>
+              <a:t>6</a:t>
+            </a:fld>
+            <a:endParaRPr lang="LID4096"/>
+          </a:p>
+        </p:txBody>
+      </p:sp>
     </p:spTree>
     <p:extLst>
       <p:ext uri="{BB962C8B-B14F-4D97-AF65-F5344CB8AC3E}">
@@ -14024,6 +15250,35 @@
           </a:p>
         </p:txBody>
       </p:sp>
+      <p:sp>
+        <p:nvSpPr>
+          <p:cNvPr id="3" name="Slide Number Placeholder 2">
+            <a:extLst>
+              <a:ext uri="{FF2B5EF4-FFF2-40B4-BE49-F238E27FC236}">
+                <a16:creationId xmlns:a16="http://schemas.microsoft.com/office/drawing/2014/main" id="{3B0C1A56-708B-749D-75B4-D55D0016DF30}"/>
+              </a:ext>
+            </a:extLst>
+          </p:cNvPr>
+          <p:cNvSpPr>
+            <a:spLocks noGrp="1"/>
+          </p:cNvSpPr>
+          <p:nvPr>
+            <p:ph type="sldNum" sz="quarter" idx="12"/>
+          </p:nvPr>
+        </p:nvSpPr>
+        <p:spPr/>
+        <p:txBody>
+          <a:bodyPr/>
+          <a:lstStyle/>
+          <a:p>
+            <a:fld id="{18B7960F-2F80-4C56-A02C-B9D95219D382}" type="slidenum">
+              <a:rPr lang="LID4096" smtClean="0"/>
+              <a:t>7</a:t>
+            </a:fld>
+            <a:endParaRPr lang="LID4096"/>
+          </a:p>
+        </p:txBody>
+      </p:sp>
     </p:spTree>
     <p:extLst>
       <p:ext uri="{BB962C8B-B14F-4D97-AF65-F5344CB8AC3E}">
@@ -14518,6 +15773,35 @@
           </a:p>
         </p:txBody>
       </p:sp>
+      <p:sp>
+        <p:nvSpPr>
+          <p:cNvPr id="3" name="Slide Number Placeholder 2">
+            <a:extLst>
+              <a:ext uri="{FF2B5EF4-FFF2-40B4-BE49-F238E27FC236}">
+                <a16:creationId xmlns:a16="http://schemas.microsoft.com/office/drawing/2014/main" id="{853730FF-A3C7-253E-EE7B-0FF1A66044DD}"/>
+              </a:ext>
+            </a:extLst>
+          </p:cNvPr>
+          <p:cNvSpPr>
+            <a:spLocks noGrp="1"/>
+          </p:cNvSpPr>
+          <p:nvPr>
+            <p:ph type="sldNum" sz="quarter" idx="12"/>
+          </p:nvPr>
+        </p:nvSpPr>
+        <p:spPr/>
+        <p:txBody>
+          <a:bodyPr/>
+          <a:lstStyle/>
+          <a:p>
+            <a:fld id="{18B7960F-2F80-4C56-A02C-B9D95219D382}" type="slidenum">
+              <a:rPr lang="LID4096" smtClean="0"/>
+              <a:t>8</a:t>
+            </a:fld>
+            <a:endParaRPr lang="LID4096"/>
+          </a:p>
+        </p:txBody>
+      </p:sp>
     </p:spTree>
     <p:extLst>
       <p:ext uri="{BB962C8B-B14F-4D97-AF65-F5344CB8AC3E}">
@@ -15446,6 +16730,35 @@
             <a:endParaRPr lang="LID4096" dirty="0">
               <a:latin typeface="Arial Rounded MT Bold" panose="020F0704030504030204" pitchFamily="34" charset="0"/>
             </a:endParaRPr>
+          </a:p>
+        </p:txBody>
+      </p:sp>
+      <p:sp>
+        <p:nvSpPr>
+          <p:cNvPr id="3" name="Slide Number Placeholder 2">
+            <a:extLst>
+              <a:ext uri="{FF2B5EF4-FFF2-40B4-BE49-F238E27FC236}">
+                <a16:creationId xmlns:a16="http://schemas.microsoft.com/office/drawing/2014/main" id="{D7C79D6F-CE31-B6C4-0885-15AB1EFDA51E}"/>
+              </a:ext>
+            </a:extLst>
+          </p:cNvPr>
+          <p:cNvSpPr>
+            <a:spLocks noGrp="1"/>
+          </p:cNvSpPr>
+          <p:nvPr>
+            <p:ph type="sldNum" sz="quarter" idx="12"/>
+          </p:nvPr>
+        </p:nvSpPr>
+        <p:spPr/>
+        <p:txBody>
+          <a:bodyPr/>
+          <a:lstStyle/>
+          <a:p>
+            <a:fld id="{18B7960F-2F80-4C56-A02C-B9D95219D382}" type="slidenum">
+              <a:rPr lang="LID4096" smtClean="0"/>
+              <a:t>9</a:t>
+            </a:fld>
+            <a:endParaRPr lang="LID4096"/>
           </a:p>
         </p:txBody>
       </p:sp>
@@ -15755,4 +17068,299 @@
     </a:ext>
   </a:extLst>
 </a:theme>
+</file>
+
+<file path=ppt/theme/theme2.xml><?xml version="1.0" encoding="utf-8"?>
+<a:theme xmlns:a="http://schemas.openxmlformats.org/drawingml/2006/main" name="Office Theme">
+  <a:themeElements>
+    <a:clrScheme name="Office">
+      <a:dk1>
+        <a:sysClr val="windowText" lastClr="000000"/>
+      </a:dk1>
+      <a:lt1>
+        <a:sysClr val="window" lastClr="FFFFFF"/>
+      </a:lt1>
+      <a:dk2>
+        <a:srgbClr val="44546A"/>
+      </a:dk2>
+      <a:lt2>
+        <a:srgbClr val="E7E6E6"/>
+      </a:lt2>
+      <a:accent1>
+        <a:srgbClr val="4472C4"/>
+      </a:accent1>
+      <a:accent2>
+        <a:srgbClr val="ED7D31"/>
+      </a:accent2>
+      <a:accent3>
+        <a:srgbClr val="A5A5A5"/>
+      </a:accent3>
+      <a:accent4>
+        <a:srgbClr val="FFC000"/>
+      </a:accent4>
+      <a:accent5>
+        <a:srgbClr val="5B9BD5"/>
+      </a:accent5>
+      <a:accent6>
+        <a:srgbClr val="70AD47"/>
+      </a:accent6>
+      <a:hlink>
+        <a:srgbClr val="0563C1"/>
+      </a:hlink>
+      <a:folHlink>
+        <a:srgbClr val="954F72"/>
+      </a:folHlink>
+    </a:clrScheme>
+    <a:fontScheme name="Office">
+      <a:majorFont>
+        <a:latin typeface="Calibri Light" panose="020F0302020204030204"/>
+        <a:ea typeface=""/>
+        <a:cs typeface=""/>
+        <a:font script="Jpan" typeface="游ゴシック Light"/>
+        <a:font script="Hang" typeface="맑은 고딕"/>
+        <a:font script="Hans" typeface="等线 Light"/>
+        <a:font script="Hant" typeface="新細明體"/>
+        <a:font script="Arab" typeface="Times New Roman"/>
+        <a:font script="Hebr" typeface="Times New Roman"/>
+        <a:font script="Thai" typeface="Angsana New"/>
+        <a:font script="Ethi" typeface="Nyala"/>
+        <a:font script="Beng" typeface="Vrinda"/>
+        <a:font script="Gujr" typeface="Shruti"/>
+        <a:font script="Khmr" typeface="MoolBoran"/>
+        <a:font script="Knda" typeface="Tunga"/>
+        <a:font script="Guru" typeface="Raavi"/>
+        <a:font script="Cans" typeface="Euphemia"/>
+        <a:font script="Cher" typeface="Plantagenet Cherokee"/>
+        <a:font script="Yiii" typeface="Microsoft Yi Baiti"/>
+        <a:font script="Tibt" typeface="Microsoft Himalaya"/>
+        <a:font script="Thaa" typeface="MV Boli"/>
+        <a:font script="Deva" typeface="Mangal"/>
+        <a:font script="Telu" typeface="Gautami"/>
+        <a:font script="Taml" typeface="Latha"/>
+        <a:font script="Syrc" typeface="Estrangelo Edessa"/>
+        <a:font script="Orya" typeface="Kalinga"/>
+        <a:font script="Mlym" typeface="Kartika"/>
+        <a:font script="Laoo" typeface="DokChampa"/>
+        <a:font script="Sinh" typeface="Iskoola Pota"/>
+        <a:font script="Mong" typeface="Mongolian Baiti"/>
+        <a:font script="Viet" typeface="Times New Roman"/>
+        <a:font script="Uigh" typeface="Microsoft Uighur"/>
+        <a:font script="Geor" typeface="Sylfaen"/>
+        <a:font script="Armn" typeface="Arial"/>
+        <a:font script="Bugi" typeface="Leelawadee UI"/>
+        <a:font script="Bopo" typeface="Microsoft JhengHei"/>
+        <a:font script="Java" typeface="Javanese Text"/>
+        <a:font script="Lisu" typeface="Segoe UI"/>
+        <a:font script="Mymr" typeface="Myanmar Text"/>
+        <a:font script="Nkoo" typeface="Ebrima"/>
+        <a:font script="Olck" typeface="Nirmala UI"/>
+        <a:font script="Osma" typeface="Ebrima"/>
+        <a:font script="Phag" typeface="Phagspa"/>
+        <a:font script="Syrn" typeface="Estrangelo Edessa"/>
+        <a:font script="Syrj" typeface="Estrangelo Edessa"/>
+        <a:font script="Syre" typeface="Estrangelo Edessa"/>
+        <a:font script="Sora" typeface="Nirmala UI"/>
+        <a:font script="Tale" typeface="Microsoft Tai Le"/>
+        <a:font script="Talu" typeface="Microsoft New Tai Lue"/>
+        <a:font script="Tfng" typeface="Ebrima"/>
+      </a:majorFont>
+      <a:minorFont>
+        <a:latin typeface="Calibri" panose="020F0502020204030204"/>
+        <a:ea typeface=""/>
+        <a:cs typeface=""/>
+        <a:font script="Jpan" typeface="游ゴシック"/>
+        <a:font script="Hang" typeface="맑은 고딕"/>
+        <a:font script="Hans" typeface="等线"/>
+        <a:font script="Hant" typeface="新細明體"/>
+        <a:font script="Arab" typeface="Arial"/>
+        <a:font script="Hebr" typeface="Arial"/>
+        <a:font script="Thai" typeface="Cordia New"/>
+        <a:font script="Ethi" typeface="Nyala"/>
+        <a:font script="Beng" typeface="Vrinda"/>
+        <a:font script="Gujr" typeface="Shruti"/>
+        <a:font script="Khmr" typeface="DaunPenh"/>
+        <a:font script="Knda" typeface="Tunga"/>
+        <a:font script="Guru" typeface="Raavi"/>
+        <a:font script="Cans" typeface="Euphemia"/>
+        <a:font script="Cher" typeface="Plantagenet Cherokee"/>
+        <a:font script="Yiii" typeface="Microsoft Yi Baiti"/>
+        <a:font script="Tibt" typeface="Microsoft Himalaya"/>
+        <a:font script="Thaa" typeface="MV Boli"/>
+        <a:font script="Deva" typeface="Mangal"/>
+        <a:font script="Telu" typeface="Gautami"/>
+        <a:font script="Taml" typeface="Latha"/>
+        <a:font script="Syrc" typeface="Estrangelo Edessa"/>
+        <a:font script="Orya" typeface="Kalinga"/>
+        <a:font script="Mlym" typeface="Kartika"/>
+        <a:font script="Laoo" typeface="DokChampa"/>
+        <a:font script="Sinh" typeface="Iskoola Pota"/>
+        <a:font script="Mong" typeface="Mongolian Baiti"/>
+        <a:font script="Viet" typeface="Arial"/>
+        <a:font script="Uigh" typeface="Microsoft Uighur"/>
+        <a:font script="Geor" typeface="Sylfaen"/>
+        <a:font script="Armn" typeface="Arial"/>
+        <a:font script="Bugi" typeface="Leelawadee UI"/>
+        <a:font script="Bopo" typeface="Microsoft JhengHei"/>
+        <a:font script="Java" typeface="Javanese Text"/>
+        <a:font script="Lisu" typeface="Segoe UI"/>
+        <a:font script="Mymr" typeface="Myanmar Text"/>
+        <a:font script="Nkoo" typeface="Ebrima"/>
+        <a:font script="Olck" typeface="Nirmala UI"/>
+        <a:font script="Osma" typeface="Ebrima"/>
+        <a:font script="Phag" typeface="Phagspa"/>
+        <a:font script="Syrn" typeface="Estrangelo Edessa"/>
+        <a:font script="Syrj" typeface="Estrangelo Edessa"/>
+        <a:font script="Syre" typeface="Estrangelo Edessa"/>
+        <a:font script="Sora" typeface="Nirmala UI"/>
+        <a:font script="Tale" typeface="Microsoft Tai Le"/>
+        <a:font script="Talu" typeface="Microsoft New Tai Lue"/>
+        <a:font script="Tfng" typeface="Ebrima"/>
+      </a:minorFont>
+    </a:fontScheme>
+    <a:fmtScheme name="Office">
+      <a:fillStyleLst>
+        <a:solidFill>
+          <a:schemeClr val="phClr"/>
+        </a:solidFill>
+        <a:gradFill rotWithShape="1">
+          <a:gsLst>
+            <a:gs pos="0">
+              <a:schemeClr val="phClr">
+                <a:lumMod val="110000"/>
+                <a:satMod val="105000"/>
+                <a:tint val="67000"/>
+              </a:schemeClr>
+            </a:gs>
+            <a:gs pos="50000">
+              <a:schemeClr val="phClr">
+                <a:lumMod val="105000"/>
+                <a:satMod val="103000"/>
+                <a:tint val="73000"/>
+              </a:schemeClr>
+            </a:gs>
+            <a:gs pos="100000">
+              <a:schemeClr val="phClr">
+                <a:lumMod val="105000"/>
+                <a:satMod val="109000"/>
+                <a:tint val="81000"/>
+              </a:schemeClr>
+            </a:gs>
+          </a:gsLst>
+          <a:lin ang="5400000" scaled="0"/>
+        </a:gradFill>
+        <a:gradFill rotWithShape="1">
+          <a:gsLst>
+            <a:gs pos="0">
+              <a:schemeClr val="phClr">
+                <a:satMod val="103000"/>
+                <a:lumMod val="102000"/>
+                <a:tint val="94000"/>
+              </a:schemeClr>
+            </a:gs>
+            <a:gs pos="50000">
+              <a:schemeClr val="phClr">
+                <a:satMod val="110000"/>
+                <a:lumMod val="100000"/>
+                <a:shade val="100000"/>
+              </a:schemeClr>
+            </a:gs>
+            <a:gs pos="100000">
+              <a:schemeClr val="phClr">
+                <a:lumMod val="99000"/>
+                <a:satMod val="120000"/>
+                <a:shade val="78000"/>
+              </a:schemeClr>
+            </a:gs>
+          </a:gsLst>
+          <a:lin ang="5400000" scaled="0"/>
+        </a:gradFill>
+      </a:fillStyleLst>
+      <a:lnStyleLst>
+        <a:ln w="6350" cap="flat" cmpd="sng" algn="ctr">
+          <a:solidFill>
+            <a:schemeClr val="phClr"/>
+          </a:solidFill>
+          <a:prstDash val="solid"/>
+          <a:miter lim="800000"/>
+        </a:ln>
+        <a:ln w="12700" cap="flat" cmpd="sng" algn="ctr">
+          <a:solidFill>
+            <a:schemeClr val="phClr"/>
+          </a:solidFill>
+          <a:prstDash val="solid"/>
+          <a:miter lim="800000"/>
+        </a:ln>
+        <a:ln w="19050" cap="flat" cmpd="sng" algn="ctr">
+          <a:solidFill>
+            <a:schemeClr val="phClr"/>
+          </a:solidFill>
+          <a:prstDash val="solid"/>
+          <a:miter lim="800000"/>
+        </a:ln>
+      </a:lnStyleLst>
+      <a:effectStyleLst>
+        <a:effectStyle>
+          <a:effectLst/>
+        </a:effectStyle>
+        <a:effectStyle>
+          <a:effectLst/>
+        </a:effectStyle>
+        <a:effectStyle>
+          <a:effectLst>
+            <a:outerShdw blurRad="57150" dist="19050" dir="5400000" algn="ctr" rotWithShape="0">
+              <a:srgbClr val="000000">
+                <a:alpha val="63000"/>
+              </a:srgbClr>
+            </a:outerShdw>
+          </a:effectLst>
+        </a:effectStyle>
+      </a:effectStyleLst>
+      <a:bgFillStyleLst>
+        <a:solidFill>
+          <a:schemeClr val="phClr"/>
+        </a:solidFill>
+        <a:solidFill>
+          <a:schemeClr val="phClr">
+            <a:tint val="95000"/>
+            <a:satMod val="170000"/>
+          </a:schemeClr>
+        </a:solidFill>
+        <a:gradFill rotWithShape="1">
+          <a:gsLst>
+            <a:gs pos="0">
+              <a:schemeClr val="phClr">
+                <a:tint val="93000"/>
+                <a:satMod val="150000"/>
+                <a:shade val="98000"/>
+                <a:lumMod val="102000"/>
+              </a:schemeClr>
+            </a:gs>
+            <a:gs pos="50000">
+              <a:schemeClr val="phClr">
+                <a:tint val="98000"/>
+                <a:satMod val="130000"/>
+                <a:shade val="90000"/>
+                <a:lumMod val="103000"/>
+              </a:schemeClr>
+            </a:gs>
+            <a:gs pos="100000">
+              <a:schemeClr val="phClr">
+                <a:shade val="63000"/>
+                <a:satMod val="120000"/>
+              </a:schemeClr>
+            </a:gs>
+          </a:gsLst>
+          <a:lin ang="5400000" scaled="0"/>
+        </a:gradFill>
+      </a:bgFillStyleLst>
+    </a:fmtScheme>
+  </a:themeElements>
+  <a:objectDefaults/>
+  <a:extraClrSchemeLst/>
+  <a:extLst>
+    <a:ext uri="{05A4C25C-085E-4340-85A3-A5531E510DB2}">
+      <thm15:themeFamily xmlns:thm15="http://schemas.microsoft.com/office/thememl/2012/main" name="Office Theme" id="{62F939B6-93AF-4DB8-9C6B-D6C7DFDC589F}" vid="{4A3C46E8-61CC-4603-A589-7422A47A8E4A}"/>
+    </a:ext>
+  </a:extLst>
+</a:theme>
 </file>
--- a/presentation/Autonomous traffic system presentation.pptx
+++ b/presentation/Autonomous traffic system presentation.pptx
@@ -8526,16 +8526,7 @@
                 </a:solidFill>
                 <a:latin typeface="Arial Rounded MT Bold" panose="020F0704030504030204" pitchFamily="34" charset="0"/>
               </a:rPr>
-              <a:t>Resource </a:t>
-            </a:r>
-            <a:r>
-              <a:rPr lang="en-GB" sz="1800" dirty="0" err="1">
-                <a:solidFill>
-                  <a:schemeClr val="bg1"/>
-                </a:solidFill>
-                <a:latin typeface="Arial Rounded MT Bold" panose="020F0704030504030204" pitchFamily="34" charset="0"/>
-              </a:rPr>
-              <a:t>Mananger</a:t>
+              <a:t>Resource Manager</a:t>
             </a:r>
             <a:endParaRPr lang="LID4096" dirty="0">
               <a:solidFill>
@@ -8898,16 +8889,7 @@
                 </a:solidFill>
                 <a:latin typeface="Arial Rounded MT Bold" panose="020F0704030504030204" pitchFamily="34" charset="0"/>
               </a:rPr>
-              <a:t>Resource </a:t>
-            </a:r>
-            <a:r>
-              <a:rPr lang="en-GB" sz="1800" dirty="0" err="1">
-                <a:solidFill>
-                  <a:schemeClr val="bg1"/>
-                </a:solidFill>
-                <a:latin typeface="Arial Rounded MT Bold" panose="020F0704030504030204" pitchFamily="34" charset="0"/>
-              </a:rPr>
-              <a:t>Mananger</a:t>
+              <a:t>Resource Manager</a:t>
             </a:r>
             <a:endParaRPr lang="LID4096" dirty="0">
               <a:solidFill>
@@ -9028,16 +9010,7 @@
                 </a:solidFill>
                 <a:latin typeface="Arial Rounded MT Bold" panose="020F0704030504030204" pitchFamily="34" charset="0"/>
               </a:rPr>
-              <a:t>Resource </a:t>
-            </a:r>
-            <a:r>
-              <a:rPr lang="en-GB" sz="1800" dirty="0" err="1">
-                <a:solidFill>
-                  <a:schemeClr val="bg1"/>
-                </a:solidFill>
-                <a:latin typeface="Arial Rounded MT Bold" panose="020F0704030504030204" pitchFamily="34" charset="0"/>
-              </a:rPr>
-              <a:t>Mananger</a:t>
+              <a:t>Resource Manager</a:t>
             </a:r>
             <a:endParaRPr lang="LID4096" dirty="0">
               <a:solidFill>
